--- a/quantum3/final/figs/figures.pptx
+++ b/quantum3/final/figs/figures.pptx
@@ -6458,7 +6458,7 @@
         </p:blipFill>
         <p:spPr bwMode="auto">
           <a:xfrm>
-            <a:off x="914400" y="1752600"/>
+            <a:off x="838200" y="1752600"/>
             <a:ext cx="7532483" cy="2643612"/>
           </a:xfrm>
           <a:prstGeom prst="rect">

--- a/quantum3/final/figs/figures.pptx
+++ b/quantum3/final/figs/figures.pptx
@@ -10,6 +10,8 @@
     <p:sldId id="258" r:id="rId4"/>
     <p:sldId id="259" r:id="rId5"/>
     <p:sldId id="260" r:id="rId6"/>
+    <p:sldId id="261" r:id="rId7"/>
+    <p:sldId id="262" r:id="rId8"/>
   </p:sldIdLst>
   <p:sldSz cx="9144000" cy="6858000" type="screen4x3"/>
   <p:notesSz cx="6858000" cy="9144000"/>
@@ -293,7 +295,7 @@
             <a:fld id="{1D8BD707-D9CF-40AE-B4C6-C98DA3205C09}" type="datetimeFigureOut">
               <a:rPr lang="en-US" smtClean="0"/>
               <a:pPr/>
-              <a:t>12/6/2015</a:t>
+              <a:t>12/7/2015</a:t>
             </a:fld>
             <a:endParaRPr lang="en-US"/>
           </a:p>
@@ -460,7 +462,7 @@
             <a:fld id="{1D8BD707-D9CF-40AE-B4C6-C98DA3205C09}" type="datetimeFigureOut">
               <a:rPr lang="en-US" smtClean="0"/>
               <a:pPr/>
-              <a:t>12/6/2015</a:t>
+              <a:t>12/7/2015</a:t>
             </a:fld>
             <a:endParaRPr lang="en-US"/>
           </a:p>
@@ -637,7 +639,7 @@
             <a:fld id="{1D8BD707-D9CF-40AE-B4C6-C98DA3205C09}" type="datetimeFigureOut">
               <a:rPr lang="en-US" smtClean="0"/>
               <a:pPr/>
-              <a:t>12/6/2015</a:t>
+              <a:t>12/7/2015</a:t>
             </a:fld>
             <a:endParaRPr lang="en-US"/>
           </a:p>
@@ -804,7 +806,7 @@
             <a:fld id="{1D8BD707-D9CF-40AE-B4C6-C98DA3205C09}" type="datetimeFigureOut">
               <a:rPr lang="en-US" smtClean="0"/>
               <a:pPr/>
-              <a:t>12/6/2015</a:t>
+              <a:t>12/7/2015</a:t>
             </a:fld>
             <a:endParaRPr lang="en-US"/>
           </a:p>
@@ -1047,7 +1049,7 @@
             <a:fld id="{1D8BD707-D9CF-40AE-B4C6-C98DA3205C09}" type="datetimeFigureOut">
               <a:rPr lang="en-US" smtClean="0"/>
               <a:pPr/>
-              <a:t>12/6/2015</a:t>
+              <a:t>12/7/2015</a:t>
             </a:fld>
             <a:endParaRPr lang="en-US"/>
           </a:p>
@@ -1332,7 +1334,7 @@
             <a:fld id="{1D8BD707-D9CF-40AE-B4C6-C98DA3205C09}" type="datetimeFigureOut">
               <a:rPr lang="en-US" smtClean="0"/>
               <a:pPr/>
-              <a:t>12/6/2015</a:t>
+              <a:t>12/7/2015</a:t>
             </a:fld>
             <a:endParaRPr lang="en-US"/>
           </a:p>
@@ -1751,7 +1753,7 @@
             <a:fld id="{1D8BD707-D9CF-40AE-B4C6-C98DA3205C09}" type="datetimeFigureOut">
               <a:rPr lang="en-US" smtClean="0"/>
               <a:pPr/>
-              <a:t>12/6/2015</a:t>
+              <a:t>12/7/2015</a:t>
             </a:fld>
             <a:endParaRPr lang="en-US"/>
           </a:p>
@@ -1866,7 +1868,7 @@
             <a:fld id="{1D8BD707-D9CF-40AE-B4C6-C98DA3205C09}" type="datetimeFigureOut">
               <a:rPr lang="en-US" smtClean="0"/>
               <a:pPr/>
-              <a:t>12/6/2015</a:t>
+              <a:t>12/7/2015</a:t>
             </a:fld>
             <a:endParaRPr lang="en-US"/>
           </a:p>
@@ -1958,7 +1960,7 @@
             <a:fld id="{1D8BD707-D9CF-40AE-B4C6-C98DA3205C09}" type="datetimeFigureOut">
               <a:rPr lang="en-US" smtClean="0"/>
               <a:pPr/>
-              <a:t>12/6/2015</a:t>
+              <a:t>12/7/2015</a:t>
             </a:fld>
             <a:endParaRPr lang="en-US"/>
           </a:p>
@@ -2232,7 +2234,7 @@
             <a:fld id="{1D8BD707-D9CF-40AE-B4C6-C98DA3205C09}" type="datetimeFigureOut">
               <a:rPr lang="en-US" smtClean="0"/>
               <a:pPr/>
-              <a:t>12/6/2015</a:t>
+              <a:t>12/7/2015</a:t>
             </a:fld>
             <a:endParaRPr lang="en-US"/>
           </a:p>
@@ -2482,7 +2484,7 @@
             <a:fld id="{1D8BD707-D9CF-40AE-B4C6-C98DA3205C09}" type="datetimeFigureOut">
               <a:rPr lang="en-US" smtClean="0"/>
               <a:pPr/>
-              <a:t>12/6/2015</a:t>
+              <a:t>12/7/2015</a:t>
             </a:fld>
             <a:endParaRPr lang="en-US"/>
           </a:p>
@@ -2692,7 +2694,7 @@
             <a:fld id="{1D8BD707-D9CF-40AE-B4C6-C98DA3205C09}" type="datetimeFigureOut">
               <a:rPr lang="en-US" smtClean="0"/>
               <a:pPr/>
-              <a:t>12/6/2015</a:t>
+              <a:t>12/7/2015</a:t>
             </a:fld>
             <a:endParaRPr lang="en-US"/>
           </a:p>
@@ -6584,6 +6586,170 @@
 </p:sld>
 </file>
 
+<file path=ppt/slides/slide6.xml><?xml version="1.0" encoding="utf-8"?>
+<p:sld xmlns:a="http://schemas.openxmlformats.org/drawingml/2006/main" xmlns:r="http://schemas.openxmlformats.org/officeDocument/2006/relationships" xmlns:p="http://schemas.openxmlformats.org/presentationml/2006/main">
+  <p:cSld>
+    <p:spTree>
+      <p:nvGrpSpPr>
+        <p:cNvPr id="1" name=""/>
+        <p:cNvGrpSpPr/>
+        <p:nvPr/>
+      </p:nvGrpSpPr>
+      <p:grpSpPr>
+        <a:xfrm>
+          <a:off x="0" y="0"/>
+          <a:ext cx="0" cy="0"/>
+          <a:chOff x="0" y="0"/>
+          <a:chExt cx="0" cy="0"/>
+        </a:xfrm>
+      </p:grpSpPr>
+      <p:pic>
+        <p:nvPicPr>
+          <p:cNvPr id="1026" name="Picture 2"/>
+          <p:cNvPicPr>
+            <a:picLocks noChangeAspect="1" noChangeArrowheads="1"/>
+          </p:cNvPicPr>
+          <p:nvPr/>
+        </p:nvPicPr>
+        <p:blipFill rotWithShape="1">
+          <a:blip r:embed="rId2">
+            <a:extLst>
+              <a:ext uri="{28A0092B-C50C-407E-A947-70E740481C1C}">
+                <a14:useLocalDpi xmlns:a14="http://schemas.microsoft.com/office/drawing/2010/main" val="0"/>
+              </a:ext>
+            </a:extLst>
+          </a:blip>
+          <a:srcRect l="9414" t="30992" r="20484" b="17039"/>
+          <a:stretch/>
+        </p:blipFill>
+        <p:spPr bwMode="auto">
+          <a:xfrm>
+            <a:off x="381000" y="1752600"/>
+            <a:ext cx="8546842" cy="3405674"/>
+          </a:xfrm>
+          <a:prstGeom prst="rect">
+            <a:avLst/>
+          </a:prstGeom>
+          <a:noFill/>
+          <a:ln>
+            <a:noFill/>
+          </a:ln>
+          <a:extLst>
+            <a:ext uri="{909E8E84-426E-40DD-AFC4-6F175D3DCCD1}">
+              <a14:hiddenFill xmlns:a14="http://schemas.microsoft.com/office/drawing/2010/main">
+                <a:solidFill>
+                  <a:schemeClr val="accent1"/>
+                </a:solidFill>
+              </a14:hiddenFill>
+            </a:ext>
+            <a:ext uri="{91240B29-F687-4F45-9708-019B960494DF}">
+              <a14:hiddenLine xmlns:a14="http://schemas.microsoft.com/office/drawing/2010/main" w="9525">
+                <a:solidFill>
+                  <a:schemeClr val="tx1"/>
+                </a:solidFill>
+                <a:miter lim="800000"/>
+                <a:headEnd/>
+                <a:tailEnd/>
+              </a14:hiddenLine>
+            </a:ext>
+          </a:extLst>
+        </p:spPr>
+      </p:pic>
+    </p:spTree>
+    <p:extLst>
+      <p:ext uri="{BB962C8B-B14F-4D97-AF65-F5344CB8AC3E}">
+        <p14:creationId xmlns:p14="http://schemas.microsoft.com/office/powerpoint/2010/main" val="3332836522"/>
+      </p:ext>
+    </p:extLst>
+  </p:cSld>
+  <p:clrMapOvr>
+    <a:masterClrMapping/>
+  </p:clrMapOvr>
+</p:sld>
+</file>
+
+<file path=ppt/slides/slide7.xml><?xml version="1.0" encoding="utf-8"?>
+<p:sld xmlns:a="http://schemas.openxmlformats.org/drawingml/2006/main" xmlns:r="http://schemas.openxmlformats.org/officeDocument/2006/relationships" xmlns:p="http://schemas.openxmlformats.org/presentationml/2006/main">
+  <p:cSld>
+    <p:spTree>
+      <p:nvGrpSpPr>
+        <p:cNvPr id="1" name=""/>
+        <p:cNvGrpSpPr/>
+        <p:nvPr/>
+      </p:nvGrpSpPr>
+      <p:grpSpPr>
+        <a:xfrm>
+          <a:off x="0" y="0"/>
+          <a:ext cx="0" cy="0"/>
+          <a:chOff x="0" y="0"/>
+          <a:chExt cx="0" cy="0"/>
+        </a:xfrm>
+      </p:grpSpPr>
+      <p:pic>
+        <p:nvPicPr>
+          <p:cNvPr id="2050" name="Picture 2"/>
+          <p:cNvPicPr>
+            <a:picLocks noChangeAspect="1" noChangeArrowheads="1"/>
+          </p:cNvPicPr>
+          <p:nvPr/>
+        </p:nvPicPr>
+        <p:blipFill rotWithShape="1">
+          <a:blip r:embed="rId2">
+            <a:extLst>
+              <a:ext uri="{28A0092B-C50C-407E-A947-70E740481C1C}">
+                <a14:useLocalDpi xmlns:a14="http://schemas.microsoft.com/office/drawing/2010/main" val="0"/>
+              </a:ext>
+            </a:extLst>
+          </a:blip>
+          <a:srcRect l="50587" t="38679" r="23010" b="14477"/>
+          <a:stretch/>
+        </p:blipFill>
+        <p:spPr bwMode="auto">
+          <a:xfrm>
+            <a:off x="2743200" y="1752600"/>
+            <a:ext cx="3219062" cy="3069772"/>
+          </a:xfrm>
+          <a:prstGeom prst="rect">
+            <a:avLst/>
+          </a:prstGeom>
+          <a:noFill/>
+          <a:ln>
+            <a:noFill/>
+          </a:ln>
+          <a:extLst>
+            <a:ext uri="{909E8E84-426E-40DD-AFC4-6F175D3DCCD1}">
+              <a14:hiddenFill xmlns:a14="http://schemas.microsoft.com/office/drawing/2010/main">
+                <a:solidFill>
+                  <a:schemeClr val="accent1"/>
+                </a:solidFill>
+              </a14:hiddenFill>
+            </a:ext>
+            <a:ext uri="{91240B29-F687-4F45-9708-019B960494DF}">
+              <a14:hiddenLine xmlns:a14="http://schemas.microsoft.com/office/drawing/2010/main" w="9525">
+                <a:solidFill>
+                  <a:schemeClr val="tx1"/>
+                </a:solidFill>
+                <a:miter lim="800000"/>
+                <a:headEnd/>
+                <a:tailEnd/>
+              </a14:hiddenLine>
+            </a:ext>
+          </a:extLst>
+        </p:spPr>
+      </p:pic>
+    </p:spTree>
+    <p:extLst>
+      <p:ext uri="{BB962C8B-B14F-4D97-AF65-F5344CB8AC3E}">
+        <p14:creationId xmlns:p14="http://schemas.microsoft.com/office/powerpoint/2010/main" val="4205785642"/>
+      </p:ext>
+    </p:extLst>
+  </p:cSld>
+  <p:clrMapOvr>
+    <a:masterClrMapping/>
+  </p:clrMapOvr>
+</p:sld>
+</file>
+
 <file path=ppt/theme/theme1.xml><?xml version="1.0" encoding="utf-8"?>
 <a:theme xmlns:a="http://schemas.openxmlformats.org/drawingml/2006/main" name="Office Theme">
   <a:themeElements>

--- a/quantum3/final/figs/figures.pptx
+++ b/quantum3/final/figs/figures.pptx
@@ -6619,13 +6619,13 @@
               </a:ext>
             </a:extLst>
           </a:blip>
-          <a:srcRect l="9414" t="30992" r="20484" b="17039"/>
+          <a:srcRect l="32279" t="30992" r="20484" b="17039"/>
           <a:stretch/>
         </p:blipFill>
         <p:spPr bwMode="auto">
           <a:xfrm>
-            <a:off x="381000" y="1752600"/>
-            <a:ext cx="8546842" cy="3405674"/>
+            <a:off x="1219200" y="1784287"/>
+            <a:ext cx="5759129" cy="3405674"/>
           </a:xfrm>
           <a:prstGeom prst="rect">
             <a:avLst/>

--- a/quantum3/final/figs/figures.pptx
+++ b/quantum3/final/figs/figures.pptx
@@ -12,6 +12,7 @@
     <p:sldId id="260" r:id="rId6"/>
     <p:sldId id="261" r:id="rId7"/>
     <p:sldId id="262" r:id="rId8"/>
+    <p:sldId id="263" r:id="rId9"/>
   </p:sldIdLst>
   <p:sldSz cx="9144000" cy="6858000" type="screen4x3"/>
   <p:notesSz cx="6858000" cy="9144000"/>
@@ -6750,6 +6751,88 @@
 </p:sld>
 </file>
 
+<file path=ppt/slides/slide8.xml><?xml version="1.0" encoding="utf-8"?>
+<p:sld xmlns:a="http://schemas.openxmlformats.org/drawingml/2006/main" xmlns:r="http://schemas.openxmlformats.org/officeDocument/2006/relationships" xmlns:p="http://schemas.openxmlformats.org/presentationml/2006/main">
+  <p:cSld>
+    <p:spTree>
+      <p:nvGrpSpPr>
+        <p:cNvPr id="1" name=""/>
+        <p:cNvGrpSpPr/>
+        <p:nvPr/>
+      </p:nvGrpSpPr>
+      <p:grpSpPr>
+        <a:xfrm>
+          <a:off x="0" y="0"/>
+          <a:ext cx="0" cy="0"/>
+          <a:chOff x="0" y="0"/>
+          <a:chExt cx="0" cy="0"/>
+        </a:xfrm>
+      </p:grpSpPr>
+      <p:pic>
+        <p:nvPicPr>
+          <p:cNvPr id="1026" name="Picture 2"/>
+          <p:cNvPicPr>
+            <a:picLocks noChangeAspect="1" noChangeArrowheads="1"/>
+          </p:cNvPicPr>
+          <p:nvPr/>
+        </p:nvPicPr>
+        <p:blipFill rotWithShape="1">
+          <a:blip r:embed="rId2">
+            <a:extLst>
+              <a:ext uri="{28A0092B-C50C-407E-A947-70E740481C1C}">
+                <a14:useLocalDpi xmlns:a14="http://schemas.microsoft.com/office/drawing/2010/main" val="0"/>
+              </a:ext>
+            </a:extLst>
+          </a:blip>
+          <a:srcRect l="48520" t="10204" r="27220" b="9493"/>
+          <a:stretch/>
+        </p:blipFill>
+        <p:spPr bwMode="auto">
+          <a:xfrm>
+            <a:off x="2667000" y="685800"/>
+            <a:ext cx="2957804" cy="5262465"/>
+          </a:xfrm>
+          <a:prstGeom prst="rect">
+            <a:avLst/>
+          </a:prstGeom>
+          <a:noFill/>
+          <a:ln>
+            <a:noFill/>
+          </a:ln>
+          <a:extLst>
+            <a:ext uri="{909E8E84-426E-40DD-AFC4-6F175D3DCCD1}">
+              <a14:hiddenFill xmlns:a14="http://schemas.microsoft.com/office/drawing/2010/main">
+                <a:solidFill>
+                  <a:schemeClr val="accent1"/>
+                </a:solidFill>
+              </a14:hiddenFill>
+            </a:ext>
+            <a:ext uri="{91240B29-F687-4F45-9708-019B960494DF}">
+              <a14:hiddenLine xmlns:a14="http://schemas.microsoft.com/office/drawing/2010/main" w="9525">
+                <a:solidFill>
+                  <a:schemeClr val="tx1"/>
+                </a:solidFill>
+                <a:miter lim="800000"/>
+                <a:headEnd/>
+                <a:tailEnd/>
+              </a14:hiddenLine>
+            </a:ext>
+          </a:extLst>
+        </p:spPr>
+      </p:pic>
+    </p:spTree>
+    <p:extLst>
+      <p:ext uri="{BB962C8B-B14F-4D97-AF65-F5344CB8AC3E}">
+        <p14:creationId xmlns:p14="http://schemas.microsoft.com/office/powerpoint/2010/main" val="3128051070"/>
+      </p:ext>
+    </p:extLst>
+  </p:cSld>
+  <p:clrMapOvr>
+    <a:masterClrMapping/>
+  </p:clrMapOvr>
+</p:sld>
+</file>
+
 <file path=ppt/theme/theme1.xml><?xml version="1.0" encoding="utf-8"?>
 <a:theme xmlns:a="http://schemas.openxmlformats.org/drawingml/2006/main" name="Office Theme">
   <a:themeElements>

--- a/quantum3/final/figs/figures.pptx
+++ b/quantum3/final/figs/figures.pptx
@@ -3234,78 +3234,32 @@
           <a:chExt cx="0" cy="0"/>
         </a:xfrm>
       </p:grpSpPr>
-      <p:sp>
-        <p:nvSpPr>
-          <p:cNvPr id="2" name="Trapezoid 1"/>
-          <p:cNvSpPr/>
-          <p:nvPr/>
-        </p:nvSpPr>
-        <p:spPr>
-          <a:xfrm rot="16200000">
-            <a:off x="2175103" y="1862571"/>
-            <a:ext cx="608076" cy="533400"/>
-          </a:xfrm>
-          <a:prstGeom prst="trapezoid">
-            <a:avLst/>
-          </a:prstGeom>
-          <a:noFill/>
-          <a:ln>
-            <a:solidFill>
-              <a:schemeClr val="tx1"/>
-            </a:solidFill>
-          </a:ln>
-        </p:spPr>
-        <p:style>
-          <a:lnRef idx="2">
-            <a:schemeClr val="accent1">
-              <a:shade val="50000"/>
-            </a:schemeClr>
-          </a:lnRef>
-          <a:fillRef idx="1">
-            <a:schemeClr val="accent1"/>
-          </a:fillRef>
-          <a:effectRef idx="0">
-            <a:schemeClr val="accent1"/>
-          </a:effectRef>
-          <a:fontRef idx="minor">
-            <a:schemeClr val="lt1"/>
-          </a:fontRef>
-        </p:style>
-        <p:txBody>
-          <a:bodyPr rtlCol="0" anchor="ctr"/>
-          <a:lstStyle/>
-          <a:p>
-            <a:pPr algn="ctr"/>
-            <a:endParaRPr lang="en-US"/>
-          </a:p>
-        </p:txBody>
-      </p:sp>
       <p:grpSp>
         <p:nvGrpSpPr>
-          <p:cNvPr id="5" name="Group 4"/>
+          <p:cNvPr id="24" name="Group 23"/>
           <p:cNvGrpSpPr/>
           <p:nvPr/>
         </p:nvGrpSpPr>
         <p:grpSpPr>
           <a:xfrm>
-            <a:off x="609600" y="1862570"/>
-            <a:ext cx="485489" cy="533400"/>
-            <a:chOff x="3126841" y="3886200"/>
-            <a:chExt cx="914400" cy="914400"/>
+            <a:off x="609600" y="914400"/>
+            <a:ext cx="6462865" cy="4572000"/>
+            <a:chOff x="609600" y="914400"/>
+            <a:chExt cx="6462865" cy="4572000"/>
           </a:xfrm>
         </p:grpSpPr>
         <p:sp>
           <p:nvSpPr>
-            <p:cNvPr id="3" name="Oval 2"/>
+            <p:cNvPr id="2" name="Trapezoid 1"/>
             <p:cNvSpPr/>
             <p:nvPr/>
           </p:nvSpPr>
           <p:spPr>
-            <a:xfrm>
-              <a:off x="3126841" y="3886200"/>
-              <a:ext cx="914400" cy="914400"/>
+            <a:xfrm rot="16200000">
+              <a:off x="2175103" y="1862571"/>
+              <a:ext cx="608076" cy="533400"/>
             </a:xfrm>
-            <a:prstGeom prst="ellipse">
+            <a:prstGeom prst="trapezoid">
               <a:avLst/>
             </a:prstGeom>
             <a:noFill/>
@@ -3340,1874 +3294,15 @@
             </a:p>
           </p:txBody>
         </p:sp>
-        <p:sp>
-          <p:nvSpPr>
-            <p:cNvPr id="4" name="Freeform 3"/>
-            <p:cNvSpPr/>
-            <p:nvPr/>
-          </p:nvSpPr>
-          <p:spPr>
-            <a:xfrm>
-              <a:off x="3340726" y="4137422"/>
-              <a:ext cx="543208" cy="416472"/>
-            </a:xfrm>
-            <a:custGeom>
-              <a:avLst/>
-              <a:gdLst>
-                <a:gd name="connsiteX0" fmla="*/ 0 w 543208"/>
-                <a:gd name="connsiteY0" fmla="*/ 226336 h 416472"/>
-                <a:gd name="connsiteX1" fmla="*/ 181069 w 543208"/>
-                <a:gd name="connsiteY1" fmla="*/ 0 h 416472"/>
-                <a:gd name="connsiteX2" fmla="*/ 316871 w 543208"/>
-                <a:gd name="connsiteY2" fmla="*/ 226336 h 416472"/>
-                <a:gd name="connsiteX3" fmla="*/ 398352 w 543208"/>
-                <a:gd name="connsiteY3" fmla="*/ 416459 h 416472"/>
-                <a:gd name="connsiteX4" fmla="*/ 543208 w 543208"/>
-                <a:gd name="connsiteY4" fmla="*/ 217283 h 416472"/>
-              </a:gdLst>
-              <a:ahLst/>
-              <a:cxnLst>
-                <a:cxn ang="0">
-                  <a:pos x="connsiteX0" y="connsiteY0"/>
-                </a:cxn>
-                <a:cxn ang="0">
-                  <a:pos x="connsiteX1" y="connsiteY1"/>
-                </a:cxn>
-                <a:cxn ang="0">
-                  <a:pos x="connsiteX2" y="connsiteY2"/>
-                </a:cxn>
-                <a:cxn ang="0">
-                  <a:pos x="connsiteX3" y="connsiteY3"/>
-                </a:cxn>
-                <a:cxn ang="0">
-                  <a:pos x="connsiteX4" y="connsiteY4"/>
-                </a:cxn>
-              </a:cxnLst>
-              <a:rect l="l" t="t" r="r" b="b"/>
-              <a:pathLst>
-                <a:path w="543208" h="416472">
-                  <a:moveTo>
-                    <a:pt x="0" y="226336"/>
-                  </a:moveTo>
-                  <a:cubicBezTo>
-                    <a:pt x="64128" y="113168"/>
-                    <a:pt x="128257" y="0"/>
-                    <a:pt x="181069" y="0"/>
-                  </a:cubicBezTo>
-                  <a:cubicBezTo>
-                    <a:pt x="233881" y="0"/>
-                    <a:pt x="280657" y="156926"/>
-                    <a:pt x="316871" y="226336"/>
-                  </a:cubicBezTo>
-                  <a:cubicBezTo>
-                    <a:pt x="353085" y="295746"/>
-                    <a:pt x="360629" y="417968"/>
-                    <a:pt x="398352" y="416459"/>
-                  </a:cubicBezTo>
-                  <a:cubicBezTo>
-                    <a:pt x="436075" y="414950"/>
-                    <a:pt x="489641" y="316116"/>
-                    <a:pt x="543208" y="217283"/>
-                  </a:cubicBezTo>
-                </a:path>
-              </a:pathLst>
-            </a:custGeom>
-            <a:noFill/>
-            <a:ln>
-              <a:solidFill>
-                <a:schemeClr val="tx1"/>
-              </a:solidFill>
-            </a:ln>
-          </p:spPr>
-          <p:style>
-            <a:lnRef idx="2">
-              <a:schemeClr val="accent1">
-                <a:shade val="50000"/>
-              </a:schemeClr>
-            </a:lnRef>
-            <a:fillRef idx="1">
-              <a:schemeClr val="accent1"/>
-            </a:fillRef>
-            <a:effectRef idx="0">
-              <a:schemeClr val="accent1"/>
-            </a:effectRef>
-            <a:fontRef idx="minor">
-              <a:schemeClr val="lt1"/>
-            </a:fontRef>
-          </p:style>
-          <p:txBody>
-            <a:bodyPr rtlCol="0" anchor="ctr"/>
-            <a:lstStyle/>
-            <a:p>
-              <a:pPr algn="ctr"/>
-              <a:endParaRPr lang="en-US"/>
-            </a:p>
-          </p:txBody>
-        </p:sp>
-      </p:grpSp>
-      <p:sp>
-        <p:nvSpPr>
-          <p:cNvPr id="6" name="Isosceles Triangle 5"/>
-          <p:cNvSpPr/>
-          <p:nvPr/>
-        </p:nvSpPr>
-        <p:spPr>
-          <a:xfrm rot="5400000">
-            <a:off x="1330629" y="1959141"/>
-            <a:ext cx="574600" cy="340259"/>
-          </a:xfrm>
-          <a:prstGeom prst="triangle">
-            <a:avLst/>
-          </a:prstGeom>
-          <a:solidFill>
-            <a:schemeClr val="tx1"/>
-          </a:solidFill>
-          <a:ln>
-            <a:noFill/>
-          </a:ln>
-        </p:spPr>
-        <p:style>
-          <a:lnRef idx="2">
-            <a:schemeClr val="accent1">
-              <a:shade val="50000"/>
-            </a:schemeClr>
-          </a:lnRef>
-          <a:fillRef idx="1">
-            <a:schemeClr val="accent1"/>
-          </a:fillRef>
-          <a:effectRef idx="0">
-            <a:schemeClr val="accent1"/>
-          </a:effectRef>
-          <a:fontRef idx="minor">
-            <a:schemeClr val="lt1"/>
-          </a:fontRef>
-        </p:style>
-        <p:txBody>
-          <a:bodyPr rtlCol="0" anchor="ctr"/>
-          <a:lstStyle/>
-          <a:p>
-            <a:pPr algn="ctr"/>
-            <a:endParaRPr lang="en-US"/>
-          </a:p>
-        </p:txBody>
-      </p:sp>
-      <p:cxnSp>
-        <p:nvCxnSpPr>
-          <p:cNvPr id="27" name="Straight Arrow Connector 26"/>
-          <p:cNvCxnSpPr/>
-          <p:nvPr/>
-        </p:nvCxnSpPr>
-        <p:spPr>
-          <a:xfrm flipV="1">
-            <a:off x="2745841" y="1447800"/>
-            <a:ext cx="1292759" cy="377432"/>
-          </a:xfrm>
-          <a:prstGeom prst="straightConnector1">
-            <a:avLst/>
-          </a:prstGeom>
-          <a:ln w="12700">
-            <a:solidFill>
-              <a:schemeClr val="accent2"/>
-            </a:solidFill>
-            <a:tailEnd type="arrow"/>
-          </a:ln>
-        </p:spPr>
-        <p:style>
-          <a:lnRef idx="1">
-            <a:schemeClr val="accent1"/>
-          </a:lnRef>
-          <a:fillRef idx="0">
-            <a:schemeClr val="accent1"/>
-          </a:fillRef>
-          <a:effectRef idx="0">
-            <a:schemeClr val="accent1"/>
-          </a:effectRef>
-          <a:fontRef idx="minor">
-            <a:schemeClr val="tx1"/>
-          </a:fontRef>
-        </p:style>
-      </p:cxnSp>
-      <p:cxnSp>
-        <p:nvCxnSpPr>
-          <p:cNvPr id="29" name="Straight Arrow Connector 28"/>
-          <p:cNvCxnSpPr/>
-          <p:nvPr/>
-        </p:nvCxnSpPr>
-        <p:spPr>
-          <a:xfrm>
-            <a:off x="2745841" y="2433309"/>
-            <a:ext cx="1292759" cy="690891"/>
-          </a:xfrm>
-          <a:prstGeom prst="straightConnector1">
-            <a:avLst/>
-          </a:prstGeom>
-          <a:ln w="12700">
-            <a:solidFill>
-              <a:schemeClr val="accent2"/>
-            </a:solidFill>
-            <a:tailEnd type="arrow"/>
-          </a:ln>
-        </p:spPr>
-        <p:style>
-          <a:lnRef idx="1">
-            <a:schemeClr val="accent1"/>
-          </a:lnRef>
-          <a:fillRef idx="0">
-            <a:schemeClr val="accent1"/>
-          </a:fillRef>
-          <a:effectRef idx="0">
-            <a:schemeClr val="accent1"/>
-          </a:effectRef>
-          <a:fontRef idx="minor">
-            <a:schemeClr val="tx1"/>
-          </a:fontRef>
-        </p:style>
-      </p:cxnSp>
-      <p:cxnSp>
-        <p:nvCxnSpPr>
-          <p:cNvPr id="30" name="Straight Arrow Connector 29"/>
-          <p:cNvCxnSpPr/>
-          <p:nvPr/>
-        </p:nvCxnSpPr>
-        <p:spPr>
-          <a:xfrm flipV="1">
-            <a:off x="2745841" y="914400"/>
-            <a:ext cx="2130959" cy="927570"/>
-          </a:xfrm>
-          <a:prstGeom prst="straightConnector1">
-            <a:avLst/>
-          </a:prstGeom>
-          <a:ln w="12700">
-            <a:solidFill>
-              <a:schemeClr val="accent2"/>
-            </a:solidFill>
-            <a:tailEnd type="arrow"/>
-          </a:ln>
-        </p:spPr>
-        <p:style>
-          <a:lnRef idx="1">
-            <a:schemeClr val="accent1"/>
-          </a:lnRef>
-          <a:fillRef idx="0">
-            <a:schemeClr val="accent1"/>
-          </a:fillRef>
-          <a:effectRef idx="0">
-            <a:schemeClr val="accent1"/>
-          </a:effectRef>
-          <a:fontRef idx="minor">
-            <a:schemeClr val="tx1"/>
-          </a:fontRef>
-        </p:style>
-      </p:cxnSp>
-      <p:cxnSp>
-        <p:nvCxnSpPr>
-          <p:cNvPr id="33" name="Straight Arrow Connector 32"/>
-          <p:cNvCxnSpPr/>
-          <p:nvPr/>
-        </p:nvCxnSpPr>
-        <p:spPr>
-          <a:xfrm>
-            <a:off x="2745841" y="2416572"/>
-            <a:ext cx="2130959" cy="174228"/>
-          </a:xfrm>
-          <a:prstGeom prst="straightConnector1">
-            <a:avLst/>
-          </a:prstGeom>
-          <a:ln w="12700">
-            <a:solidFill>
-              <a:schemeClr val="accent2"/>
-            </a:solidFill>
-            <a:tailEnd type="arrow"/>
-          </a:ln>
-        </p:spPr>
-        <p:style>
-          <a:lnRef idx="1">
-            <a:schemeClr val="accent1"/>
-          </a:lnRef>
-          <a:fillRef idx="0">
-            <a:schemeClr val="accent1"/>
-          </a:fillRef>
-          <a:effectRef idx="0">
-            <a:schemeClr val="accent1"/>
-          </a:effectRef>
-          <a:fontRef idx="minor">
-            <a:schemeClr val="tx1"/>
-          </a:fontRef>
-        </p:style>
-      </p:cxnSp>
-      <p:grpSp>
-        <p:nvGrpSpPr>
-          <p:cNvPr id="23" name="Group 22"/>
-          <p:cNvGrpSpPr/>
-          <p:nvPr/>
-        </p:nvGrpSpPr>
-        <p:grpSpPr>
-          <a:xfrm>
-            <a:off x="3581400" y="1094716"/>
-            <a:ext cx="1828800" cy="1828800"/>
-            <a:chOff x="4876800" y="2514600"/>
-            <a:chExt cx="1828800" cy="1828800"/>
-          </a:xfrm>
-          <a:scene3d>
-            <a:camera prst="isometricOffAxis2Right"/>
-            <a:lightRig rig="threePt" dir="t"/>
-          </a:scene3d>
-        </p:grpSpPr>
-        <p:sp>
-          <p:nvSpPr>
-            <p:cNvPr id="7" name="Rectangle 6"/>
-            <p:cNvSpPr/>
-            <p:nvPr/>
-          </p:nvSpPr>
-          <p:spPr>
-            <a:xfrm>
-              <a:off x="4876800" y="2514600"/>
-              <a:ext cx="457200" cy="457200"/>
-            </a:xfrm>
-            <a:prstGeom prst="rect">
-              <a:avLst/>
-            </a:prstGeom>
-            <a:solidFill>
-              <a:schemeClr val="accent3">
-                <a:alpha val="31000"/>
-              </a:schemeClr>
-            </a:solidFill>
-          </p:spPr>
-          <p:style>
-            <a:lnRef idx="2">
-              <a:schemeClr val="accent1">
-                <a:shade val="50000"/>
-              </a:schemeClr>
-            </a:lnRef>
-            <a:fillRef idx="1">
-              <a:schemeClr val="accent1"/>
-            </a:fillRef>
-            <a:effectRef idx="0">
-              <a:schemeClr val="accent1"/>
-            </a:effectRef>
-            <a:fontRef idx="minor">
-              <a:schemeClr val="lt1"/>
-            </a:fontRef>
-          </p:style>
-          <p:txBody>
-            <a:bodyPr rtlCol="0" anchor="ctr"/>
-            <a:lstStyle/>
-            <a:p>
-              <a:pPr algn="ctr"/>
-              <a:endParaRPr lang="en-US"/>
-            </a:p>
-          </p:txBody>
-        </p:sp>
-        <p:sp>
-          <p:nvSpPr>
-            <p:cNvPr id="8" name="Rectangle 7"/>
-            <p:cNvSpPr/>
-            <p:nvPr/>
-          </p:nvSpPr>
-          <p:spPr>
-            <a:xfrm>
-              <a:off x="5334000" y="2514600"/>
-              <a:ext cx="457200" cy="457200"/>
-            </a:xfrm>
-            <a:prstGeom prst="rect">
-              <a:avLst/>
-            </a:prstGeom>
-            <a:solidFill>
-              <a:schemeClr val="accent3">
-                <a:alpha val="31000"/>
-              </a:schemeClr>
-            </a:solidFill>
-          </p:spPr>
-          <p:style>
-            <a:lnRef idx="2">
-              <a:schemeClr val="accent1">
-                <a:shade val="50000"/>
-              </a:schemeClr>
-            </a:lnRef>
-            <a:fillRef idx="1">
-              <a:schemeClr val="accent1"/>
-            </a:fillRef>
-            <a:effectRef idx="0">
-              <a:schemeClr val="accent1"/>
-            </a:effectRef>
-            <a:fontRef idx="minor">
-              <a:schemeClr val="lt1"/>
-            </a:fontRef>
-          </p:style>
-          <p:txBody>
-            <a:bodyPr rtlCol="0" anchor="ctr"/>
-            <a:lstStyle/>
-            <a:p>
-              <a:pPr algn="ctr"/>
-              <a:endParaRPr lang="en-US"/>
-            </a:p>
-          </p:txBody>
-        </p:sp>
-        <p:sp>
-          <p:nvSpPr>
-            <p:cNvPr id="9" name="Rectangle 8"/>
-            <p:cNvSpPr/>
-            <p:nvPr/>
-          </p:nvSpPr>
-          <p:spPr>
-            <a:xfrm>
-              <a:off x="5791200" y="2514600"/>
-              <a:ext cx="457200" cy="457200"/>
-            </a:xfrm>
-            <a:prstGeom prst="rect">
-              <a:avLst/>
-            </a:prstGeom>
-            <a:solidFill>
-              <a:schemeClr val="accent3">
-                <a:alpha val="31000"/>
-              </a:schemeClr>
-            </a:solidFill>
-          </p:spPr>
-          <p:style>
-            <a:lnRef idx="2">
-              <a:schemeClr val="accent1">
-                <a:shade val="50000"/>
-              </a:schemeClr>
-            </a:lnRef>
-            <a:fillRef idx="1">
-              <a:schemeClr val="accent1"/>
-            </a:fillRef>
-            <a:effectRef idx="0">
-              <a:schemeClr val="accent1"/>
-            </a:effectRef>
-            <a:fontRef idx="minor">
-              <a:schemeClr val="lt1"/>
-            </a:fontRef>
-          </p:style>
-          <p:txBody>
-            <a:bodyPr rtlCol="0" anchor="ctr"/>
-            <a:lstStyle/>
-            <a:p>
-              <a:pPr algn="ctr"/>
-              <a:endParaRPr lang="en-US"/>
-            </a:p>
-          </p:txBody>
-        </p:sp>
-        <p:sp>
-          <p:nvSpPr>
-            <p:cNvPr id="10" name="Rectangle 9"/>
-            <p:cNvSpPr/>
-            <p:nvPr/>
-          </p:nvSpPr>
-          <p:spPr>
-            <a:xfrm>
-              <a:off x="6248400" y="2514600"/>
-              <a:ext cx="457200" cy="457200"/>
-            </a:xfrm>
-            <a:prstGeom prst="rect">
-              <a:avLst/>
-            </a:prstGeom>
-            <a:solidFill>
-              <a:schemeClr val="accent3">
-                <a:alpha val="31000"/>
-              </a:schemeClr>
-            </a:solidFill>
-          </p:spPr>
-          <p:style>
-            <a:lnRef idx="2">
-              <a:schemeClr val="accent1">
-                <a:shade val="50000"/>
-              </a:schemeClr>
-            </a:lnRef>
-            <a:fillRef idx="1">
-              <a:schemeClr val="accent1"/>
-            </a:fillRef>
-            <a:effectRef idx="0">
-              <a:schemeClr val="accent1"/>
-            </a:effectRef>
-            <a:fontRef idx="minor">
-              <a:schemeClr val="lt1"/>
-            </a:fontRef>
-          </p:style>
-          <p:txBody>
-            <a:bodyPr rtlCol="0" anchor="ctr"/>
-            <a:lstStyle/>
-            <a:p>
-              <a:pPr algn="ctr"/>
-              <a:endParaRPr lang="en-US"/>
-            </a:p>
-          </p:txBody>
-        </p:sp>
-        <p:sp>
-          <p:nvSpPr>
-            <p:cNvPr id="11" name="Rectangle 10"/>
-            <p:cNvSpPr/>
-            <p:nvPr/>
-          </p:nvSpPr>
-          <p:spPr>
-            <a:xfrm>
-              <a:off x="4876800" y="2971800"/>
-              <a:ext cx="457200" cy="457200"/>
-            </a:xfrm>
-            <a:prstGeom prst="rect">
-              <a:avLst/>
-            </a:prstGeom>
-            <a:solidFill>
-              <a:schemeClr val="accent3">
-                <a:alpha val="31000"/>
-              </a:schemeClr>
-            </a:solidFill>
-          </p:spPr>
-          <p:style>
-            <a:lnRef idx="2">
-              <a:schemeClr val="accent1">
-                <a:shade val="50000"/>
-              </a:schemeClr>
-            </a:lnRef>
-            <a:fillRef idx="1">
-              <a:schemeClr val="accent1"/>
-            </a:fillRef>
-            <a:effectRef idx="0">
-              <a:schemeClr val="accent1"/>
-            </a:effectRef>
-            <a:fontRef idx="minor">
-              <a:schemeClr val="lt1"/>
-            </a:fontRef>
-          </p:style>
-          <p:txBody>
-            <a:bodyPr rtlCol="0" anchor="ctr"/>
-            <a:lstStyle/>
-            <a:p>
-              <a:pPr algn="ctr"/>
-              <a:endParaRPr lang="en-US"/>
-            </a:p>
-          </p:txBody>
-        </p:sp>
-        <p:sp>
-          <p:nvSpPr>
-            <p:cNvPr id="12" name="Rectangle 11"/>
-            <p:cNvSpPr/>
-            <p:nvPr/>
-          </p:nvSpPr>
-          <p:spPr>
-            <a:xfrm>
-              <a:off x="5334000" y="2971800"/>
-              <a:ext cx="457200" cy="457200"/>
-            </a:xfrm>
-            <a:prstGeom prst="rect">
-              <a:avLst/>
-            </a:prstGeom>
-            <a:solidFill>
-              <a:schemeClr val="accent3">
-                <a:alpha val="31000"/>
-              </a:schemeClr>
-            </a:solidFill>
-          </p:spPr>
-          <p:style>
-            <a:lnRef idx="2">
-              <a:schemeClr val="accent1">
-                <a:shade val="50000"/>
-              </a:schemeClr>
-            </a:lnRef>
-            <a:fillRef idx="1">
-              <a:schemeClr val="accent1"/>
-            </a:fillRef>
-            <a:effectRef idx="0">
-              <a:schemeClr val="accent1"/>
-            </a:effectRef>
-            <a:fontRef idx="minor">
-              <a:schemeClr val="lt1"/>
-            </a:fontRef>
-          </p:style>
-          <p:txBody>
-            <a:bodyPr rtlCol="0" anchor="ctr"/>
-            <a:lstStyle/>
-            <a:p>
-              <a:pPr algn="ctr"/>
-              <a:endParaRPr lang="en-US"/>
-            </a:p>
-          </p:txBody>
-        </p:sp>
-        <p:sp>
-          <p:nvSpPr>
-            <p:cNvPr id="13" name="Rectangle 12"/>
-            <p:cNvSpPr/>
-            <p:nvPr/>
-          </p:nvSpPr>
-          <p:spPr>
-            <a:xfrm>
-              <a:off x="5791200" y="2971800"/>
-              <a:ext cx="457200" cy="457200"/>
-            </a:xfrm>
-            <a:prstGeom prst="rect">
-              <a:avLst/>
-            </a:prstGeom>
-            <a:solidFill>
-              <a:schemeClr val="accent3">
-                <a:alpha val="31000"/>
-              </a:schemeClr>
-            </a:solidFill>
-          </p:spPr>
-          <p:style>
-            <a:lnRef idx="2">
-              <a:schemeClr val="accent1">
-                <a:shade val="50000"/>
-              </a:schemeClr>
-            </a:lnRef>
-            <a:fillRef idx="1">
-              <a:schemeClr val="accent1"/>
-            </a:fillRef>
-            <a:effectRef idx="0">
-              <a:schemeClr val="accent1"/>
-            </a:effectRef>
-            <a:fontRef idx="minor">
-              <a:schemeClr val="lt1"/>
-            </a:fontRef>
-          </p:style>
-          <p:txBody>
-            <a:bodyPr rtlCol="0" anchor="ctr"/>
-            <a:lstStyle/>
-            <a:p>
-              <a:pPr algn="ctr"/>
-              <a:endParaRPr lang="en-US"/>
-            </a:p>
-          </p:txBody>
-        </p:sp>
-        <p:sp>
-          <p:nvSpPr>
-            <p:cNvPr id="14" name="Rectangle 13"/>
-            <p:cNvSpPr/>
-            <p:nvPr/>
-          </p:nvSpPr>
-          <p:spPr>
-            <a:xfrm>
-              <a:off x="6248400" y="2971800"/>
-              <a:ext cx="457200" cy="457200"/>
-            </a:xfrm>
-            <a:prstGeom prst="rect">
-              <a:avLst/>
-            </a:prstGeom>
-            <a:solidFill>
-              <a:schemeClr val="accent3">
-                <a:alpha val="31000"/>
-              </a:schemeClr>
-            </a:solidFill>
-          </p:spPr>
-          <p:style>
-            <a:lnRef idx="2">
-              <a:schemeClr val="accent1">
-                <a:shade val="50000"/>
-              </a:schemeClr>
-            </a:lnRef>
-            <a:fillRef idx="1">
-              <a:schemeClr val="accent1"/>
-            </a:fillRef>
-            <a:effectRef idx="0">
-              <a:schemeClr val="accent1"/>
-            </a:effectRef>
-            <a:fontRef idx="minor">
-              <a:schemeClr val="lt1"/>
-            </a:fontRef>
-          </p:style>
-          <p:txBody>
-            <a:bodyPr rtlCol="0" anchor="ctr"/>
-            <a:lstStyle/>
-            <a:p>
-              <a:pPr algn="ctr"/>
-              <a:endParaRPr lang="en-US"/>
-            </a:p>
-          </p:txBody>
-        </p:sp>
-        <p:sp>
-          <p:nvSpPr>
-            <p:cNvPr id="15" name="Rectangle 14"/>
-            <p:cNvSpPr/>
-            <p:nvPr/>
-          </p:nvSpPr>
-          <p:spPr>
-            <a:xfrm>
-              <a:off x="4876800" y="3429000"/>
-              <a:ext cx="457200" cy="457200"/>
-            </a:xfrm>
-            <a:prstGeom prst="rect">
-              <a:avLst/>
-            </a:prstGeom>
-            <a:solidFill>
-              <a:schemeClr val="accent3">
-                <a:alpha val="31000"/>
-              </a:schemeClr>
-            </a:solidFill>
-          </p:spPr>
-          <p:style>
-            <a:lnRef idx="2">
-              <a:schemeClr val="accent1">
-                <a:shade val="50000"/>
-              </a:schemeClr>
-            </a:lnRef>
-            <a:fillRef idx="1">
-              <a:schemeClr val="accent1"/>
-            </a:fillRef>
-            <a:effectRef idx="0">
-              <a:schemeClr val="accent1"/>
-            </a:effectRef>
-            <a:fontRef idx="minor">
-              <a:schemeClr val="lt1"/>
-            </a:fontRef>
-          </p:style>
-          <p:txBody>
-            <a:bodyPr rtlCol="0" anchor="ctr"/>
-            <a:lstStyle/>
-            <a:p>
-              <a:pPr algn="ctr"/>
-              <a:endParaRPr lang="en-US"/>
-            </a:p>
-          </p:txBody>
-        </p:sp>
-        <p:sp>
-          <p:nvSpPr>
-            <p:cNvPr id="16" name="Rectangle 15"/>
-            <p:cNvSpPr/>
-            <p:nvPr/>
-          </p:nvSpPr>
-          <p:spPr>
-            <a:xfrm>
-              <a:off x="5334000" y="3429000"/>
-              <a:ext cx="457200" cy="457200"/>
-            </a:xfrm>
-            <a:prstGeom prst="rect">
-              <a:avLst/>
-            </a:prstGeom>
-            <a:solidFill>
-              <a:schemeClr val="accent3">
-                <a:alpha val="31000"/>
-              </a:schemeClr>
-            </a:solidFill>
-          </p:spPr>
-          <p:style>
-            <a:lnRef idx="2">
-              <a:schemeClr val="accent1">
-                <a:shade val="50000"/>
-              </a:schemeClr>
-            </a:lnRef>
-            <a:fillRef idx="1">
-              <a:schemeClr val="accent1"/>
-            </a:fillRef>
-            <a:effectRef idx="0">
-              <a:schemeClr val="accent1"/>
-            </a:effectRef>
-            <a:fontRef idx="minor">
-              <a:schemeClr val="lt1"/>
-            </a:fontRef>
-          </p:style>
-          <p:txBody>
-            <a:bodyPr rtlCol="0" anchor="ctr"/>
-            <a:lstStyle/>
-            <a:p>
-              <a:pPr algn="ctr"/>
-              <a:endParaRPr lang="en-US"/>
-            </a:p>
-          </p:txBody>
-        </p:sp>
-        <p:sp>
-          <p:nvSpPr>
-            <p:cNvPr id="17" name="Rectangle 16"/>
-            <p:cNvSpPr/>
-            <p:nvPr/>
-          </p:nvSpPr>
-          <p:spPr>
-            <a:xfrm>
-              <a:off x="5791200" y="3429000"/>
-              <a:ext cx="457200" cy="457200"/>
-            </a:xfrm>
-            <a:prstGeom prst="rect">
-              <a:avLst/>
-            </a:prstGeom>
-            <a:solidFill>
-              <a:schemeClr val="accent3">
-                <a:alpha val="31000"/>
-              </a:schemeClr>
-            </a:solidFill>
-          </p:spPr>
-          <p:style>
-            <a:lnRef idx="2">
-              <a:schemeClr val="accent1">
-                <a:shade val="50000"/>
-              </a:schemeClr>
-            </a:lnRef>
-            <a:fillRef idx="1">
-              <a:schemeClr val="accent1"/>
-            </a:fillRef>
-            <a:effectRef idx="0">
-              <a:schemeClr val="accent1"/>
-            </a:effectRef>
-            <a:fontRef idx="minor">
-              <a:schemeClr val="lt1"/>
-            </a:fontRef>
-          </p:style>
-          <p:txBody>
-            <a:bodyPr rtlCol="0" anchor="ctr"/>
-            <a:lstStyle/>
-            <a:p>
-              <a:pPr algn="ctr"/>
-              <a:endParaRPr lang="en-US"/>
-            </a:p>
-          </p:txBody>
-        </p:sp>
-        <p:sp>
-          <p:nvSpPr>
-            <p:cNvPr id="18" name="Rectangle 17"/>
-            <p:cNvSpPr/>
-            <p:nvPr/>
-          </p:nvSpPr>
-          <p:spPr>
-            <a:xfrm>
-              <a:off x="6248400" y="3429000"/>
-              <a:ext cx="457200" cy="457200"/>
-            </a:xfrm>
-            <a:prstGeom prst="rect">
-              <a:avLst/>
-            </a:prstGeom>
-            <a:solidFill>
-              <a:schemeClr val="accent3">
-                <a:alpha val="31000"/>
-              </a:schemeClr>
-            </a:solidFill>
-          </p:spPr>
-          <p:style>
-            <a:lnRef idx="2">
-              <a:schemeClr val="accent1">
-                <a:shade val="50000"/>
-              </a:schemeClr>
-            </a:lnRef>
-            <a:fillRef idx="1">
-              <a:schemeClr val="accent1"/>
-            </a:fillRef>
-            <a:effectRef idx="0">
-              <a:schemeClr val="accent1"/>
-            </a:effectRef>
-            <a:fontRef idx="minor">
-              <a:schemeClr val="lt1"/>
-            </a:fontRef>
-          </p:style>
-          <p:txBody>
-            <a:bodyPr rtlCol="0" anchor="ctr"/>
-            <a:lstStyle/>
-            <a:p>
-              <a:pPr algn="ctr"/>
-              <a:endParaRPr lang="en-US"/>
-            </a:p>
-          </p:txBody>
-        </p:sp>
-        <p:sp>
-          <p:nvSpPr>
-            <p:cNvPr id="19" name="Rectangle 18"/>
-            <p:cNvSpPr/>
-            <p:nvPr/>
-          </p:nvSpPr>
-          <p:spPr>
-            <a:xfrm>
-              <a:off x="4876800" y="3886200"/>
-              <a:ext cx="457200" cy="457200"/>
-            </a:xfrm>
-            <a:prstGeom prst="rect">
-              <a:avLst/>
-            </a:prstGeom>
-            <a:solidFill>
-              <a:schemeClr val="accent3">
-                <a:alpha val="31000"/>
-              </a:schemeClr>
-            </a:solidFill>
-          </p:spPr>
-          <p:style>
-            <a:lnRef idx="2">
-              <a:schemeClr val="accent1">
-                <a:shade val="50000"/>
-              </a:schemeClr>
-            </a:lnRef>
-            <a:fillRef idx="1">
-              <a:schemeClr val="accent1"/>
-            </a:fillRef>
-            <a:effectRef idx="0">
-              <a:schemeClr val="accent1"/>
-            </a:effectRef>
-            <a:fontRef idx="minor">
-              <a:schemeClr val="lt1"/>
-            </a:fontRef>
-          </p:style>
-          <p:txBody>
-            <a:bodyPr rtlCol="0" anchor="ctr"/>
-            <a:lstStyle/>
-            <a:p>
-              <a:pPr algn="ctr"/>
-              <a:endParaRPr lang="en-US"/>
-            </a:p>
-          </p:txBody>
-        </p:sp>
-        <p:sp>
-          <p:nvSpPr>
-            <p:cNvPr id="20" name="Rectangle 19"/>
-            <p:cNvSpPr/>
-            <p:nvPr/>
-          </p:nvSpPr>
-          <p:spPr>
-            <a:xfrm>
-              <a:off x="5334000" y="3886200"/>
-              <a:ext cx="457200" cy="457200"/>
-            </a:xfrm>
-            <a:prstGeom prst="rect">
-              <a:avLst/>
-            </a:prstGeom>
-            <a:solidFill>
-              <a:schemeClr val="accent3">
-                <a:alpha val="31000"/>
-              </a:schemeClr>
-            </a:solidFill>
-          </p:spPr>
-          <p:style>
-            <a:lnRef idx="2">
-              <a:schemeClr val="accent1">
-                <a:shade val="50000"/>
-              </a:schemeClr>
-            </a:lnRef>
-            <a:fillRef idx="1">
-              <a:schemeClr val="accent1"/>
-            </a:fillRef>
-            <a:effectRef idx="0">
-              <a:schemeClr val="accent1"/>
-            </a:effectRef>
-            <a:fontRef idx="minor">
-              <a:schemeClr val="lt1"/>
-            </a:fontRef>
-          </p:style>
-          <p:txBody>
-            <a:bodyPr rtlCol="0" anchor="ctr"/>
-            <a:lstStyle/>
-            <a:p>
-              <a:pPr algn="ctr"/>
-              <a:endParaRPr lang="en-US"/>
-            </a:p>
-          </p:txBody>
-        </p:sp>
-        <p:sp>
-          <p:nvSpPr>
-            <p:cNvPr id="21" name="Rectangle 20"/>
-            <p:cNvSpPr/>
-            <p:nvPr/>
-          </p:nvSpPr>
-          <p:spPr>
-            <a:xfrm>
-              <a:off x="5791200" y="3886200"/>
-              <a:ext cx="457200" cy="457200"/>
-            </a:xfrm>
-            <a:prstGeom prst="rect">
-              <a:avLst/>
-            </a:prstGeom>
-            <a:solidFill>
-              <a:schemeClr val="accent3">
-                <a:alpha val="31000"/>
-              </a:schemeClr>
-            </a:solidFill>
-          </p:spPr>
-          <p:style>
-            <a:lnRef idx="2">
-              <a:schemeClr val="accent1">
-                <a:shade val="50000"/>
-              </a:schemeClr>
-            </a:lnRef>
-            <a:fillRef idx="1">
-              <a:schemeClr val="accent1"/>
-            </a:fillRef>
-            <a:effectRef idx="0">
-              <a:schemeClr val="accent1"/>
-            </a:effectRef>
-            <a:fontRef idx="minor">
-              <a:schemeClr val="lt1"/>
-            </a:fontRef>
-          </p:style>
-          <p:txBody>
-            <a:bodyPr rtlCol="0" anchor="ctr"/>
-            <a:lstStyle/>
-            <a:p>
-              <a:pPr algn="ctr"/>
-              <a:endParaRPr lang="en-US"/>
-            </a:p>
-          </p:txBody>
-        </p:sp>
-        <p:sp>
-          <p:nvSpPr>
-            <p:cNvPr id="22" name="Rectangle 21"/>
-            <p:cNvSpPr/>
-            <p:nvPr/>
-          </p:nvSpPr>
-          <p:spPr>
-            <a:xfrm>
-              <a:off x="6248400" y="3886200"/>
-              <a:ext cx="457200" cy="457200"/>
-            </a:xfrm>
-            <a:prstGeom prst="rect">
-              <a:avLst/>
-            </a:prstGeom>
-            <a:solidFill>
-              <a:schemeClr val="accent3">
-                <a:alpha val="31000"/>
-              </a:schemeClr>
-            </a:solidFill>
-          </p:spPr>
-          <p:style>
-            <a:lnRef idx="2">
-              <a:schemeClr val="accent1">
-                <a:shade val="50000"/>
-              </a:schemeClr>
-            </a:lnRef>
-            <a:fillRef idx="1">
-              <a:schemeClr val="accent1"/>
-            </a:fillRef>
-            <a:effectRef idx="0">
-              <a:schemeClr val="accent1"/>
-            </a:effectRef>
-            <a:fontRef idx="minor">
-              <a:schemeClr val="lt1"/>
-            </a:fontRef>
-          </p:style>
-          <p:txBody>
-            <a:bodyPr rtlCol="0" anchor="ctr"/>
-            <a:lstStyle/>
-            <a:p>
-              <a:pPr algn="ctr"/>
-              <a:endParaRPr lang="en-US"/>
-            </a:p>
-          </p:txBody>
-        </p:sp>
-      </p:grpSp>
-      <p:cxnSp>
-        <p:nvCxnSpPr>
-          <p:cNvPr id="38" name="Elbow Connector 37"/>
-          <p:cNvCxnSpPr/>
-          <p:nvPr/>
-        </p:nvCxnSpPr>
-        <p:spPr>
-          <a:xfrm>
-            <a:off x="1095089" y="2129270"/>
-            <a:ext cx="352711" cy="1"/>
-          </a:xfrm>
-          <a:prstGeom prst="bentConnector3">
-            <a:avLst/>
-          </a:prstGeom>
-          <a:ln w="12700">
-            <a:solidFill>
-              <a:schemeClr val="tx1"/>
-            </a:solidFill>
-            <a:tailEnd type="arrow"/>
-          </a:ln>
-        </p:spPr>
-        <p:style>
-          <a:lnRef idx="1">
-            <a:schemeClr val="accent1"/>
-          </a:lnRef>
-          <a:fillRef idx="0">
-            <a:schemeClr val="accent1"/>
-          </a:fillRef>
-          <a:effectRef idx="0">
-            <a:schemeClr val="accent1"/>
-          </a:effectRef>
-          <a:fontRef idx="minor">
-            <a:schemeClr val="tx1"/>
-          </a:fontRef>
-        </p:style>
-      </p:cxnSp>
-      <p:cxnSp>
-        <p:nvCxnSpPr>
-          <p:cNvPr id="41" name="Elbow Connector 40"/>
-          <p:cNvCxnSpPr/>
-          <p:nvPr/>
-        </p:nvCxnSpPr>
-        <p:spPr>
-          <a:xfrm>
-            <a:off x="1788059" y="2122920"/>
-            <a:ext cx="424382" cy="12700"/>
-          </a:xfrm>
-          <a:prstGeom prst="bentConnector3">
-            <a:avLst/>
-          </a:prstGeom>
-          <a:ln w="12700">
-            <a:solidFill>
-              <a:schemeClr val="tx1"/>
-            </a:solidFill>
-            <a:tailEnd type="arrow"/>
-          </a:ln>
-        </p:spPr>
-        <p:style>
-          <a:lnRef idx="1">
-            <a:schemeClr val="accent1"/>
-          </a:lnRef>
-          <a:fillRef idx="0">
-            <a:schemeClr val="accent1"/>
-          </a:fillRef>
-          <a:effectRef idx="0">
-            <a:schemeClr val="accent1"/>
-          </a:effectRef>
-          <a:fontRef idx="minor">
-            <a:schemeClr val="tx1"/>
-          </a:fontRef>
-        </p:style>
-      </p:cxnSp>
-      <p:grpSp>
-        <p:nvGrpSpPr>
-          <p:cNvPr id="46" name="Group 45"/>
-          <p:cNvGrpSpPr/>
-          <p:nvPr/>
-        </p:nvGrpSpPr>
-        <p:grpSpPr>
-          <a:xfrm>
-            <a:off x="3581400" y="3657600"/>
-            <a:ext cx="1828800" cy="1828800"/>
-            <a:chOff x="4876800" y="2514600"/>
-            <a:chExt cx="1828800" cy="1828800"/>
-          </a:xfrm>
-          <a:scene3d>
-            <a:camera prst="isometricOffAxis2Right"/>
-            <a:lightRig rig="threePt" dir="t"/>
-          </a:scene3d>
-        </p:grpSpPr>
-        <p:sp>
-          <p:nvSpPr>
-            <p:cNvPr id="47" name="Rectangle 46"/>
-            <p:cNvSpPr/>
-            <p:nvPr/>
-          </p:nvSpPr>
-          <p:spPr>
-            <a:xfrm>
-              <a:off x="4876800" y="2514600"/>
-              <a:ext cx="457200" cy="457200"/>
-            </a:xfrm>
-            <a:prstGeom prst="rect">
-              <a:avLst/>
-            </a:prstGeom>
-            <a:solidFill>
-              <a:schemeClr val="accent3">
-                <a:alpha val="31000"/>
-              </a:schemeClr>
-            </a:solidFill>
-          </p:spPr>
-          <p:style>
-            <a:lnRef idx="2">
-              <a:schemeClr val="accent1">
-                <a:shade val="50000"/>
-              </a:schemeClr>
-            </a:lnRef>
-            <a:fillRef idx="1">
-              <a:schemeClr val="accent1"/>
-            </a:fillRef>
-            <a:effectRef idx="0">
-              <a:schemeClr val="accent1"/>
-            </a:effectRef>
-            <a:fontRef idx="minor">
-              <a:schemeClr val="lt1"/>
-            </a:fontRef>
-          </p:style>
-          <p:txBody>
-            <a:bodyPr rtlCol="0" anchor="ctr"/>
-            <a:lstStyle/>
-            <a:p>
-              <a:pPr algn="ctr"/>
-              <a:endParaRPr lang="en-US"/>
-            </a:p>
-          </p:txBody>
-        </p:sp>
-        <p:sp>
-          <p:nvSpPr>
-            <p:cNvPr id="48" name="Rectangle 47"/>
-            <p:cNvSpPr/>
-            <p:nvPr/>
-          </p:nvSpPr>
-          <p:spPr>
-            <a:xfrm>
-              <a:off x="5334000" y="2514600"/>
-              <a:ext cx="457200" cy="457200"/>
-            </a:xfrm>
-            <a:prstGeom prst="rect">
-              <a:avLst/>
-            </a:prstGeom>
-            <a:solidFill>
-              <a:schemeClr val="accent3">
-                <a:alpha val="31000"/>
-              </a:schemeClr>
-            </a:solidFill>
-          </p:spPr>
-          <p:style>
-            <a:lnRef idx="2">
-              <a:schemeClr val="accent1">
-                <a:shade val="50000"/>
-              </a:schemeClr>
-            </a:lnRef>
-            <a:fillRef idx="1">
-              <a:schemeClr val="accent1"/>
-            </a:fillRef>
-            <a:effectRef idx="0">
-              <a:schemeClr val="accent1"/>
-            </a:effectRef>
-            <a:fontRef idx="minor">
-              <a:schemeClr val="lt1"/>
-            </a:fontRef>
-          </p:style>
-          <p:txBody>
-            <a:bodyPr rtlCol="0" anchor="ctr"/>
-            <a:lstStyle/>
-            <a:p>
-              <a:pPr algn="ctr"/>
-              <a:endParaRPr lang="en-US"/>
-            </a:p>
-          </p:txBody>
-        </p:sp>
-        <p:sp>
-          <p:nvSpPr>
-            <p:cNvPr id="49" name="Rectangle 48"/>
-            <p:cNvSpPr/>
-            <p:nvPr/>
-          </p:nvSpPr>
-          <p:spPr>
-            <a:xfrm>
-              <a:off x="5791200" y="2514600"/>
-              <a:ext cx="457200" cy="457200"/>
-            </a:xfrm>
-            <a:prstGeom prst="rect">
-              <a:avLst/>
-            </a:prstGeom>
-            <a:solidFill>
-              <a:schemeClr val="accent3">
-                <a:alpha val="31000"/>
-              </a:schemeClr>
-            </a:solidFill>
-          </p:spPr>
-          <p:style>
-            <a:lnRef idx="2">
-              <a:schemeClr val="accent1">
-                <a:shade val="50000"/>
-              </a:schemeClr>
-            </a:lnRef>
-            <a:fillRef idx="1">
-              <a:schemeClr val="accent1"/>
-            </a:fillRef>
-            <a:effectRef idx="0">
-              <a:schemeClr val="accent1"/>
-            </a:effectRef>
-            <a:fontRef idx="minor">
-              <a:schemeClr val="lt1"/>
-            </a:fontRef>
-          </p:style>
-          <p:txBody>
-            <a:bodyPr rtlCol="0" anchor="ctr"/>
-            <a:lstStyle/>
-            <a:p>
-              <a:pPr algn="ctr"/>
-              <a:endParaRPr lang="en-US"/>
-            </a:p>
-          </p:txBody>
-        </p:sp>
-        <p:sp>
-          <p:nvSpPr>
-            <p:cNvPr id="50" name="Rectangle 49"/>
-            <p:cNvSpPr/>
-            <p:nvPr/>
-          </p:nvSpPr>
-          <p:spPr>
-            <a:xfrm>
-              <a:off x="6248400" y="2514600"/>
-              <a:ext cx="457200" cy="457200"/>
-            </a:xfrm>
-            <a:prstGeom prst="rect">
-              <a:avLst/>
-            </a:prstGeom>
-            <a:solidFill>
-              <a:schemeClr val="accent3">
-                <a:alpha val="31000"/>
-              </a:schemeClr>
-            </a:solidFill>
-          </p:spPr>
-          <p:style>
-            <a:lnRef idx="2">
-              <a:schemeClr val="accent1">
-                <a:shade val="50000"/>
-              </a:schemeClr>
-            </a:lnRef>
-            <a:fillRef idx="1">
-              <a:schemeClr val="accent1"/>
-            </a:fillRef>
-            <a:effectRef idx="0">
-              <a:schemeClr val="accent1"/>
-            </a:effectRef>
-            <a:fontRef idx="minor">
-              <a:schemeClr val="lt1"/>
-            </a:fontRef>
-          </p:style>
-          <p:txBody>
-            <a:bodyPr rtlCol="0" anchor="ctr"/>
-            <a:lstStyle/>
-            <a:p>
-              <a:pPr algn="ctr"/>
-              <a:endParaRPr lang="en-US"/>
-            </a:p>
-          </p:txBody>
-        </p:sp>
-        <p:sp>
-          <p:nvSpPr>
-            <p:cNvPr id="51" name="Rectangle 50"/>
-            <p:cNvSpPr/>
-            <p:nvPr/>
-          </p:nvSpPr>
-          <p:spPr>
-            <a:xfrm>
-              <a:off x="4876800" y="2971800"/>
-              <a:ext cx="457200" cy="457200"/>
-            </a:xfrm>
-            <a:prstGeom prst="rect">
-              <a:avLst/>
-            </a:prstGeom>
-            <a:solidFill>
-              <a:schemeClr val="accent3">
-                <a:alpha val="31000"/>
-              </a:schemeClr>
-            </a:solidFill>
-          </p:spPr>
-          <p:style>
-            <a:lnRef idx="2">
-              <a:schemeClr val="accent1">
-                <a:shade val="50000"/>
-              </a:schemeClr>
-            </a:lnRef>
-            <a:fillRef idx="1">
-              <a:schemeClr val="accent1"/>
-            </a:fillRef>
-            <a:effectRef idx="0">
-              <a:schemeClr val="accent1"/>
-            </a:effectRef>
-            <a:fontRef idx="minor">
-              <a:schemeClr val="lt1"/>
-            </a:fontRef>
-          </p:style>
-          <p:txBody>
-            <a:bodyPr rtlCol="0" anchor="ctr"/>
-            <a:lstStyle/>
-            <a:p>
-              <a:pPr algn="ctr"/>
-              <a:endParaRPr lang="en-US"/>
-            </a:p>
-          </p:txBody>
-        </p:sp>
-        <p:sp>
-          <p:nvSpPr>
-            <p:cNvPr id="52" name="Rectangle 51"/>
-            <p:cNvSpPr/>
-            <p:nvPr/>
-          </p:nvSpPr>
-          <p:spPr>
-            <a:xfrm>
-              <a:off x="5334000" y="2971800"/>
-              <a:ext cx="457200" cy="457200"/>
-            </a:xfrm>
-            <a:prstGeom prst="rect">
-              <a:avLst/>
-            </a:prstGeom>
-            <a:solidFill>
-              <a:schemeClr val="accent3">
-                <a:alpha val="31000"/>
-              </a:schemeClr>
-            </a:solidFill>
-          </p:spPr>
-          <p:style>
-            <a:lnRef idx="2">
-              <a:schemeClr val="accent1">
-                <a:shade val="50000"/>
-              </a:schemeClr>
-            </a:lnRef>
-            <a:fillRef idx="1">
-              <a:schemeClr val="accent1"/>
-            </a:fillRef>
-            <a:effectRef idx="0">
-              <a:schemeClr val="accent1"/>
-            </a:effectRef>
-            <a:fontRef idx="minor">
-              <a:schemeClr val="lt1"/>
-            </a:fontRef>
-          </p:style>
-          <p:txBody>
-            <a:bodyPr rtlCol="0" anchor="ctr"/>
-            <a:lstStyle/>
-            <a:p>
-              <a:pPr algn="ctr"/>
-              <a:endParaRPr lang="en-US"/>
-            </a:p>
-          </p:txBody>
-        </p:sp>
-        <p:sp>
-          <p:nvSpPr>
-            <p:cNvPr id="53" name="Rectangle 52"/>
-            <p:cNvSpPr/>
-            <p:nvPr/>
-          </p:nvSpPr>
-          <p:spPr>
-            <a:xfrm>
-              <a:off x="5791200" y="2971800"/>
-              <a:ext cx="457200" cy="457200"/>
-            </a:xfrm>
-            <a:prstGeom prst="rect">
-              <a:avLst/>
-            </a:prstGeom>
-            <a:solidFill>
-              <a:schemeClr val="accent3">
-                <a:alpha val="31000"/>
-              </a:schemeClr>
-            </a:solidFill>
-          </p:spPr>
-          <p:style>
-            <a:lnRef idx="2">
-              <a:schemeClr val="accent1">
-                <a:shade val="50000"/>
-              </a:schemeClr>
-            </a:lnRef>
-            <a:fillRef idx="1">
-              <a:schemeClr val="accent1"/>
-            </a:fillRef>
-            <a:effectRef idx="0">
-              <a:schemeClr val="accent1"/>
-            </a:effectRef>
-            <a:fontRef idx="minor">
-              <a:schemeClr val="lt1"/>
-            </a:fontRef>
-          </p:style>
-          <p:txBody>
-            <a:bodyPr rtlCol="0" anchor="ctr"/>
-            <a:lstStyle/>
-            <a:p>
-              <a:pPr algn="ctr"/>
-              <a:endParaRPr lang="en-US"/>
-            </a:p>
-          </p:txBody>
-        </p:sp>
-        <p:sp>
-          <p:nvSpPr>
-            <p:cNvPr id="54" name="Rectangle 53"/>
-            <p:cNvSpPr/>
-            <p:nvPr/>
-          </p:nvSpPr>
-          <p:spPr>
-            <a:xfrm>
-              <a:off x="6248400" y="2971800"/>
-              <a:ext cx="457200" cy="457200"/>
-            </a:xfrm>
-            <a:prstGeom prst="rect">
-              <a:avLst/>
-            </a:prstGeom>
-            <a:solidFill>
-              <a:schemeClr val="accent3">
-                <a:alpha val="31000"/>
-              </a:schemeClr>
-            </a:solidFill>
-          </p:spPr>
-          <p:style>
-            <a:lnRef idx="2">
-              <a:schemeClr val="accent1">
-                <a:shade val="50000"/>
-              </a:schemeClr>
-            </a:lnRef>
-            <a:fillRef idx="1">
-              <a:schemeClr val="accent1"/>
-            </a:fillRef>
-            <a:effectRef idx="0">
-              <a:schemeClr val="accent1"/>
-            </a:effectRef>
-            <a:fontRef idx="minor">
-              <a:schemeClr val="lt1"/>
-            </a:fontRef>
-          </p:style>
-          <p:txBody>
-            <a:bodyPr rtlCol="0" anchor="ctr"/>
-            <a:lstStyle/>
-            <a:p>
-              <a:pPr algn="ctr"/>
-              <a:endParaRPr lang="en-US"/>
-            </a:p>
-          </p:txBody>
-        </p:sp>
-        <p:sp>
-          <p:nvSpPr>
-            <p:cNvPr id="55" name="Rectangle 54"/>
-            <p:cNvSpPr/>
-            <p:nvPr/>
-          </p:nvSpPr>
-          <p:spPr>
-            <a:xfrm>
-              <a:off x="4876800" y="3429000"/>
-              <a:ext cx="457200" cy="457200"/>
-            </a:xfrm>
-            <a:prstGeom prst="rect">
-              <a:avLst/>
-            </a:prstGeom>
-            <a:solidFill>
-              <a:schemeClr val="accent3">
-                <a:alpha val="31000"/>
-              </a:schemeClr>
-            </a:solidFill>
-          </p:spPr>
-          <p:style>
-            <a:lnRef idx="2">
-              <a:schemeClr val="accent1">
-                <a:shade val="50000"/>
-              </a:schemeClr>
-            </a:lnRef>
-            <a:fillRef idx="1">
-              <a:schemeClr val="accent1"/>
-            </a:fillRef>
-            <a:effectRef idx="0">
-              <a:schemeClr val="accent1"/>
-            </a:effectRef>
-            <a:fontRef idx="minor">
-              <a:schemeClr val="lt1"/>
-            </a:fontRef>
-          </p:style>
-          <p:txBody>
-            <a:bodyPr rtlCol="0" anchor="ctr"/>
-            <a:lstStyle/>
-            <a:p>
-              <a:pPr algn="ctr"/>
-              <a:endParaRPr lang="en-US"/>
-            </a:p>
-          </p:txBody>
-        </p:sp>
-        <p:sp>
-          <p:nvSpPr>
-            <p:cNvPr id="56" name="Rectangle 55"/>
-            <p:cNvSpPr/>
-            <p:nvPr/>
-          </p:nvSpPr>
-          <p:spPr>
-            <a:xfrm>
-              <a:off x="5334000" y="3429000"/>
-              <a:ext cx="457200" cy="457200"/>
-            </a:xfrm>
-            <a:prstGeom prst="rect">
-              <a:avLst/>
-            </a:prstGeom>
-            <a:solidFill>
-              <a:schemeClr val="accent3">
-                <a:alpha val="31000"/>
-              </a:schemeClr>
-            </a:solidFill>
-          </p:spPr>
-          <p:style>
-            <a:lnRef idx="2">
-              <a:schemeClr val="accent1">
-                <a:shade val="50000"/>
-              </a:schemeClr>
-            </a:lnRef>
-            <a:fillRef idx="1">
-              <a:schemeClr val="accent1"/>
-            </a:fillRef>
-            <a:effectRef idx="0">
-              <a:schemeClr val="accent1"/>
-            </a:effectRef>
-            <a:fontRef idx="minor">
-              <a:schemeClr val="lt1"/>
-            </a:fontRef>
-          </p:style>
-          <p:txBody>
-            <a:bodyPr rtlCol="0" anchor="ctr"/>
-            <a:lstStyle/>
-            <a:p>
-              <a:pPr algn="ctr"/>
-              <a:endParaRPr lang="en-US"/>
-            </a:p>
-          </p:txBody>
-        </p:sp>
-        <p:sp>
-          <p:nvSpPr>
-            <p:cNvPr id="57" name="Rectangle 56"/>
-            <p:cNvSpPr/>
-            <p:nvPr/>
-          </p:nvSpPr>
-          <p:spPr>
-            <a:xfrm>
-              <a:off x="5791200" y="3429000"/>
-              <a:ext cx="457200" cy="457200"/>
-            </a:xfrm>
-            <a:prstGeom prst="rect">
-              <a:avLst/>
-            </a:prstGeom>
-            <a:solidFill>
-              <a:schemeClr val="accent3">
-                <a:alpha val="31000"/>
-              </a:schemeClr>
-            </a:solidFill>
-          </p:spPr>
-          <p:style>
-            <a:lnRef idx="2">
-              <a:schemeClr val="accent1">
-                <a:shade val="50000"/>
-              </a:schemeClr>
-            </a:lnRef>
-            <a:fillRef idx="1">
-              <a:schemeClr val="accent1"/>
-            </a:fillRef>
-            <a:effectRef idx="0">
-              <a:schemeClr val="accent1"/>
-            </a:effectRef>
-            <a:fontRef idx="minor">
-              <a:schemeClr val="lt1"/>
-            </a:fontRef>
-          </p:style>
-          <p:txBody>
-            <a:bodyPr rtlCol="0" anchor="ctr"/>
-            <a:lstStyle/>
-            <a:p>
-              <a:pPr algn="ctr"/>
-              <a:endParaRPr lang="en-US"/>
-            </a:p>
-          </p:txBody>
-        </p:sp>
-        <p:sp>
-          <p:nvSpPr>
-            <p:cNvPr id="58" name="Rectangle 57"/>
-            <p:cNvSpPr/>
-            <p:nvPr/>
-          </p:nvSpPr>
-          <p:spPr>
-            <a:xfrm>
-              <a:off x="6248400" y="3429000"/>
-              <a:ext cx="457200" cy="457200"/>
-            </a:xfrm>
-            <a:prstGeom prst="rect">
-              <a:avLst/>
-            </a:prstGeom>
-            <a:solidFill>
-              <a:schemeClr val="accent3">
-                <a:alpha val="31000"/>
-              </a:schemeClr>
-            </a:solidFill>
-          </p:spPr>
-          <p:style>
-            <a:lnRef idx="2">
-              <a:schemeClr val="accent1">
-                <a:shade val="50000"/>
-              </a:schemeClr>
-            </a:lnRef>
-            <a:fillRef idx="1">
-              <a:schemeClr val="accent1"/>
-            </a:fillRef>
-            <a:effectRef idx="0">
-              <a:schemeClr val="accent1"/>
-            </a:effectRef>
-            <a:fontRef idx="minor">
-              <a:schemeClr val="lt1"/>
-            </a:fontRef>
-          </p:style>
-          <p:txBody>
-            <a:bodyPr rtlCol="0" anchor="ctr"/>
-            <a:lstStyle/>
-            <a:p>
-              <a:pPr algn="ctr"/>
-              <a:endParaRPr lang="en-US"/>
-            </a:p>
-          </p:txBody>
-        </p:sp>
-        <p:sp>
-          <p:nvSpPr>
-            <p:cNvPr id="59" name="Rectangle 58"/>
-            <p:cNvSpPr/>
-            <p:nvPr/>
-          </p:nvSpPr>
-          <p:spPr>
-            <a:xfrm>
-              <a:off x="4876800" y="3886200"/>
-              <a:ext cx="457200" cy="457200"/>
-            </a:xfrm>
-            <a:prstGeom prst="rect">
-              <a:avLst/>
-            </a:prstGeom>
-            <a:solidFill>
-              <a:schemeClr val="accent3">
-                <a:alpha val="31000"/>
-              </a:schemeClr>
-            </a:solidFill>
-          </p:spPr>
-          <p:style>
-            <a:lnRef idx="2">
-              <a:schemeClr val="accent1">
-                <a:shade val="50000"/>
-              </a:schemeClr>
-            </a:lnRef>
-            <a:fillRef idx="1">
-              <a:schemeClr val="accent1"/>
-            </a:fillRef>
-            <a:effectRef idx="0">
-              <a:schemeClr val="accent1"/>
-            </a:effectRef>
-            <a:fontRef idx="minor">
-              <a:schemeClr val="lt1"/>
-            </a:fontRef>
-          </p:style>
-          <p:txBody>
-            <a:bodyPr rtlCol="0" anchor="ctr"/>
-            <a:lstStyle/>
-            <a:p>
-              <a:pPr algn="ctr"/>
-              <a:endParaRPr lang="en-US"/>
-            </a:p>
-          </p:txBody>
-        </p:sp>
-        <p:sp>
-          <p:nvSpPr>
-            <p:cNvPr id="60" name="Rectangle 59"/>
-            <p:cNvSpPr/>
-            <p:nvPr/>
-          </p:nvSpPr>
-          <p:spPr>
-            <a:xfrm>
-              <a:off x="5334000" y="3886200"/>
-              <a:ext cx="457200" cy="457200"/>
-            </a:xfrm>
-            <a:prstGeom prst="rect">
-              <a:avLst/>
-            </a:prstGeom>
-            <a:solidFill>
-              <a:schemeClr val="accent3">
-                <a:alpha val="31000"/>
-              </a:schemeClr>
-            </a:solidFill>
-          </p:spPr>
-          <p:style>
-            <a:lnRef idx="2">
-              <a:schemeClr val="accent1">
-                <a:shade val="50000"/>
-              </a:schemeClr>
-            </a:lnRef>
-            <a:fillRef idx="1">
-              <a:schemeClr val="accent1"/>
-            </a:fillRef>
-            <a:effectRef idx="0">
-              <a:schemeClr val="accent1"/>
-            </a:effectRef>
-            <a:fontRef idx="minor">
-              <a:schemeClr val="lt1"/>
-            </a:fontRef>
-          </p:style>
-          <p:txBody>
-            <a:bodyPr rtlCol="0" anchor="ctr"/>
-            <a:lstStyle/>
-            <a:p>
-              <a:pPr algn="ctr"/>
-              <a:endParaRPr lang="en-US"/>
-            </a:p>
-          </p:txBody>
-        </p:sp>
-        <p:sp>
-          <p:nvSpPr>
-            <p:cNvPr id="61" name="Rectangle 60"/>
-            <p:cNvSpPr/>
-            <p:nvPr/>
-          </p:nvSpPr>
-          <p:spPr>
-            <a:xfrm>
-              <a:off x="5791200" y="3886200"/>
-              <a:ext cx="457200" cy="457200"/>
-            </a:xfrm>
-            <a:prstGeom prst="rect">
-              <a:avLst/>
-            </a:prstGeom>
-            <a:solidFill>
-              <a:schemeClr val="accent3">
-                <a:alpha val="31000"/>
-              </a:schemeClr>
-            </a:solidFill>
-          </p:spPr>
-          <p:style>
-            <a:lnRef idx="2">
-              <a:schemeClr val="accent1">
-                <a:shade val="50000"/>
-              </a:schemeClr>
-            </a:lnRef>
-            <a:fillRef idx="1">
-              <a:schemeClr val="accent1"/>
-            </a:fillRef>
-            <a:effectRef idx="0">
-              <a:schemeClr val="accent1"/>
-            </a:effectRef>
-            <a:fontRef idx="minor">
-              <a:schemeClr val="lt1"/>
-            </a:fontRef>
-          </p:style>
-          <p:txBody>
-            <a:bodyPr rtlCol="0" anchor="ctr"/>
-            <a:lstStyle/>
-            <a:p>
-              <a:pPr algn="ctr"/>
-              <a:endParaRPr lang="en-US"/>
-            </a:p>
-          </p:txBody>
-        </p:sp>
-        <p:sp>
-          <p:nvSpPr>
-            <p:cNvPr id="62" name="Rectangle 61"/>
-            <p:cNvSpPr/>
-            <p:nvPr/>
-          </p:nvSpPr>
-          <p:spPr>
-            <a:xfrm>
-              <a:off x="6248400" y="3886200"/>
-              <a:ext cx="457200" cy="457200"/>
-            </a:xfrm>
-            <a:prstGeom prst="rect">
-              <a:avLst/>
-            </a:prstGeom>
-            <a:solidFill>
-              <a:schemeClr val="accent3">
-                <a:alpha val="31000"/>
-              </a:schemeClr>
-            </a:solidFill>
-          </p:spPr>
-          <p:style>
-            <a:lnRef idx="2">
-              <a:schemeClr val="accent1">
-                <a:shade val="50000"/>
-              </a:schemeClr>
-            </a:lnRef>
-            <a:fillRef idx="1">
-              <a:schemeClr val="accent1"/>
-            </a:fillRef>
-            <a:effectRef idx="0">
-              <a:schemeClr val="accent1"/>
-            </a:effectRef>
-            <a:fontRef idx="minor">
-              <a:schemeClr val="lt1"/>
-            </a:fontRef>
-          </p:style>
-          <p:txBody>
-            <a:bodyPr rtlCol="0" anchor="ctr"/>
-            <a:lstStyle/>
-            <a:p>
-              <a:pPr algn="ctr"/>
-              <a:endParaRPr lang="en-US"/>
-            </a:p>
-          </p:txBody>
-        </p:sp>
-      </p:grpSp>
-      <p:grpSp>
-        <p:nvGrpSpPr>
-          <p:cNvPr id="70" name="Group 69"/>
-          <p:cNvGrpSpPr/>
-          <p:nvPr/>
-        </p:nvGrpSpPr>
-        <p:grpSpPr>
-          <a:xfrm>
-            <a:off x="1871442" y="3676423"/>
-            <a:ext cx="1629597" cy="825433"/>
-            <a:chOff x="3281142" y="3676423"/>
-            <a:chExt cx="1629597" cy="825433"/>
-          </a:xfrm>
-        </p:grpSpPr>
         <p:grpSp>
           <p:nvGrpSpPr>
-            <p:cNvPr id="63" name="Group 62"/>
+            <p:cNvPr id="5" name="Group 4"/>
             <p:cNvGrpSpPr/>
             <p:nvPr/>
           </p:nvGrpSpPr>
           <p:grpSpPr>
             <a:xfrm>
-              <a:off x="3507460" y="3789400"/>
+              <a:off x="609600" y="1862570"/>
               <a:ext cx="485489" cy="533400"/>
               <a:chOff x="3126841" y="3886200"/>
               <a:chExt cx="914400" cy="914400"/>
@@ -5215,7 +3310,7 @@
           </p:grpSpPr>
           <p:sp>
             <p:nvSpPr>
-              <p:cNvPr id="64" name="Oval 63"/>
+              <p:cNvPr id="3" name="Oval 2"/>
               <p:cNvSpPr/>
               <p:nvPr/>
             </p:nvSpPr>
@@ -5261,7 +3356,7 @@
           </p:sp>
           <p:sp>
             <p:nvSpPr>
-              <p:cNvPr id="65" name="Freeform 64"/>
+              <p:cNvPr id="4" name="Freeform 3"/>
               <p:cNvSpPr/>
               <p:nvPr/>
             </p:nvSpPr>
@@ -5366,13 +3461,13 @@
         </p:grpSp>
         <p:sp>
           <p:nvSpPr>
-            <p:cNvPr id="66" name="Isosceles Triangle 65"/>
+            <p:cNvPr id="6" name="Isosceles Triangle 5"/>
             <p:cNvSpPr/>
             <p:nvPr/>
           </p:nvSpPr>
           <p:spPr>
             <a:xfrm rot="5400000">
-              <a:off x="4228489" y="3885971"/>
+              <a:off x="1330629" y="1959141"/>
               <a:ext cx="574600" cy="340259"/>
             </a:xfrm>
             <a:prstGeom prst="triangle">
@@ -5412,13 +3507,896 @@
         </p:sp>
         <p:cxnSp>
           <p:nvCxnSpPr>
-            <p:cNvPr id="67" name="Elbow Connector 66"/>
+            <p:cNvPr id="27" name="Straight Arrow Connector 26"/>
+            <p:cNvCxnSpPr/>
+            <p:nvPr/>
+          </p:nvCxnSpPr>
+          <p:spPr>
+            <a:xfrm flipV="1">
+              <a:off x="2745841" y="1447800"/>
+              <a:ext cx="1292759" cy="377432"/>
+            </a:xfrm>
+            <a:prstGeom prst="straightConnector1">
+              <a:avLst/>
+            </a:prstGeom>
+            <a:ln w="12700">
+              <a:solidFill>
+                <a:schemeClr val="accent2"/>
+              </a:solidFill>
+              <a:tailEnd type="arrow"/>
+            </a:ln>
+          </p:spPr>
+          <p:style>
+            <a:lnRef idx="1">
+              <a:schemeClr val="accent1"/>
+            </a:lnRef>
+            <a:fillRef idx="0">
+              <a:schemeClr val="accent1"/>
+            </a:fillRef>
+            <a:effectRef idx="0">
+              <a:schemeClr val="accent1"/>
+            </a:effectRef>
+            <a:fontRef idx="minor">
+              <a:schemeClr val="tx1"/>
+            </a:fontRef>
+          </p:style>
+        </p:cxnSp>
+        <p:cxnSp>
+          <p:nvCxnSpPr>
+            <p:cNvPr id="29" name="Straight Arrow Connector 28"/>
             <p:cNvCxnSpPr/>
             <p:nvPr/>
           </p:nvCxnSpPr>
           <p:spPr>
             <a:xfrm>
-              <a:off x="3992949" y="4056100"/>
+              <a:off x="2745841" y="2433309"/>
+              <a:ext cx="1292759" cy="690891"/>
+            </a:xfrm>
+            <a:prstGeom prst="straightConnector1">
+              <a:avLst/>
+            </a:prstGeom>
+            <a:ln w="12700">
+              <a:solidFill>
+                <a:schemeClr val="accent2"/>
+              </a:solidFill>
+              <a:tailEnd type="arrow"/>
+            </a:ln>
+          </p:spPr>
+          <p:style>
+            <a:lnRef idx="1">
+              <a:schemeClr val="accent1"/>
+            </a:lnRef>
+            <a:fillRef idx="0">
+              <a:schemeClr val="accent1"/>
+            </a:fillRef>
+            <a:effectRef idx="0">
+              <a:schemeClr val="accent1"/>
+            </a:effectRef>
+            <a:fontRef idx="minor">
+              <a:schemeClr val="tx1"/>
+            </a:fontRef>
+          </p:style>
+        </p:cxnSp>
+        <p:cxnSp>
+          <p:nvCxnSpPr>
+            <p:cNvPr id="30" name="Straight Arrow Connector 29"/>
+            <p:cNvCxnSpPr/>
+            <p:nvPr/>
+          </p:nvCxnSpPr>
+          <p:spPr>
+            <a:xfrm flipV="1">
+              <a:off x="2745841" y="914400"/>
+              <a:ext cx="2130959" cy="927570"/>
+            </a:xfrm>
+            <a:prstGeom prst="straightConnector1">
+              <a:avLst/>
+            </a:prstGeom>
+            <a:ln w="12700">
+              <a:solidFill>
+                <a:schemeClr val="accent2"/>
+              </a:solidFill>
+              <a:tailEnd type="arrow"/>
+            </a:ln>
+          </p:spPr>
+          <p:style>
+            <a:lnRef idx="1">
+              <a:schemeClr val="accent1"/>
+            </a:lnRef>
+            <a:fillRef idx="0">
+              <a:schemeClr val="accent1"/>
+            </a:fillRef>
+            <a:effectRef idx="0">
+              <a:schemeClr val="accent1"/>
+            </a:effectRef>
+            <a:fontRef idx="minor">
+              <a:schemeClr val="tx1"/>
+            </a:fontRef>
+          </p:style>
+        </p:cxnSp>
+        <p:cxnSp>
+          <p:nvCxnSpPr>
+            <p:cNvPr id="33" name="Straight Arrow Connector 32"/>
+            <p:cNvCxnSpPr/>
+            <p:nvPr/>
+          </p:nvCxnSpPr>
+          <p:spPr>
+            <a:xfrm>
+              <a:off x="2745841" y="2416572"/>
+              <a:ext cx="2130959" cy="174228"/>
+            </a:xfrm>
+            <a:prstGeom prst="straightConnector1">
+              <a:avLst/>
+            </a:prstGeom>
+            <a:ln w="12700">
+              <a:solidFill>
+                <a:schemeClr val="accent2"/>
+              </a:solidFill>
+              <a:tailEnd type="arrow"/>
+            </a:ln>
+          </p:spPr>
+          <p:style>
+            <a:lnRef idx="1">
+              <a:schemeClr val="accent1"/>
+            </a:lnRef>
+            <a:fillRef idx="0">
+              <a:schemeClr val="accent1"/>
+            </a:fillRef>
+            <a:effectRef idx="0">
+              <a:schemeClr val="accent1"/>
+            </a:effectRef>
+            <a:fontRef idx="minor">
+              <a:schemeClr val="tx1"/>
+            </a:fontRef>
+          </p:style>
+        </p:cxnSp>
+        <p:grpSp>
+          <p:nvGrpSpPr>
+            <p:cNvPr id="23" name="Group 22"/>
+            <p:cNvGrpSpPr/>
+            <p:nvPr/>
+          </p:nvGrpSpPr>
+          <p:grpSpPr>
+            <a:xfrm>
+              <a:off x="3581400" y="1094716"/>
+              <a:ext cx="1828800" cy="1828800"/>
+              <a:chOff x="4876800" y="2514600"/>
+              <a:chExt cx="1828800" cy="1828800"/>
+            </a:xfrm>
+            <a:scene3d>
+              <a:camera prst="isometricOffAxis2Right"/>
+              <a:lightRig rig="threePt" dir="t"/>
+            </a:scene3d>
+          </p:grpSpPr>
+          <p:sp>
+            <p:nvSpPr>
+              <p:cNvPr id="7" name="Rectangle 6"/>
+              <p:cNvSpPr/>
+              <p:nvPr/>
+            </p:nvSpPr>
+            <p:spPr>
+              <a:xfrm>
+                <a:off x="4876800" y="2514600"/>
+                <a:ext cx="457200" cy="457200"/>
+              </a:xfrm>
+              <a:prstGeom prst="rect">
+                <a:avLst/>
+              </a:prstGeom>
+              <a:solidFill>
+                <a:schemeClr val="accent3">
+                  <a:alpha val="31000"/>
+                </a:schemeClr>
+              </a:solidFill>
+            </p:spPr>
+            <p:style>
+              <a:lnRef idx="2">
+                <a:schemeClr val="accent1">
+                  <a:shade val="50000"/>
+                </a:schemeClr>
+              </a:lnRef>
+              <a:fillRef idx="1">
+                <a:schemeClr val="accent1"/>
+              </a:fillRef>
+              <a:effectRef idx="0">
+                <a:schemeClr val="accent1"/>
+              </a:effectRef>
+              <a:fontRef idx="minor">
+                <a:schemeClr val="lt1"/>
+              </a:fontRef>
+            </p:style>
+            <p:txBody>
+              <a:bodyPr rtlCol="0" anchor="ctr"/>
+              <a:lstStyle/>
+              <a:p>
+                <a:pPr algn="ctr"/>
+                <a:endParaRPr lang="en-US"/>
+              </a:p>
+            </p:txBody>
+          </p:sp>
+          <p:sp>
+            <p:nvSpPr>
+              <p:cNvPr id="8" name="Rectangle 7"/>
+              <p:cNvSpPr/>
+              <p:nvPr/>
+            </p:nvSpPr>
+            <p:spPr>
+              <a:xfrm>
+                <a:off x="5334000" y="2514600"/>
+                <a:ext cx="457200" cy="457200"/>
+              </a:xfrm>
+              <a:prstGeom prst="rect">
+                <a:avLst/>
+              </a:prstGeom>
+              <a:solidFill>
+                <a:schemeClr val="accent3">
+                  <a:alpha val="31000"/>
+                </a:schemeClr>
+              </a:solidFill>
+            </p:spPr>
+            <p:style>
+              <a:lnRef idx="2">
+                <a:schemeClr val="accent1">
+                  <a:shade val="50000"/>
+                </a:schemeClr>
+              </a:lnRef>
+              <a:fillRef idx="1">
+                <a:schemeClr val="accent1"/>
+              </a:fillRef>
+              <a:effectRef idx="0">
+                <a:schemeClr val="accent1"/>
+              </a:effectRef>
+              <a:fontRef idx="minor">
+                <a:schemeClr val="lt1"/>
+              </a:fontRef>
+            </p:style>
+            <p:txBody>
+              <a:bodyPr rtlCol="0" anchor="ctr"/>
+              <a:lstStyle/>
+              <a:p>
+                <a:pPr algn="ctr"/>
+                <a:endParaRPr lang="en-US"/>
+              </a:p>
+            </p:txBody>
+          </p:sp>
+          <p:sp>
+            <p:nvSpPr>
+              <p:cNvPr id="9" name="Rectangle 8"/>
+              <p:cNvSpPr/>
+              <p:nvPr/>
+            </p:nvSpPr>
+            <p:spPr>
+              <a:xfrm>
+                <a:off x="5791200" y="2514600"/>
+                <a:ext cx="457200" cy="457200"/>
+              </a:xfrm>
+              <a:prstGeom prst="rect">
+                <a:avLst/>
+              </a:prstGeom>
+              <a:solidFill>
+                <a:schemeClr val="accent3">
+                  <a:alpha val="31000"/>
+                </a:schemeClr>
+              </a:solidFill>
+            </p:spPr>
+            <p:style>
+              <a:lnRef idx="2">
+                <a:schemeClr val="accent1">
+                  <a:shade val="50000"/>
+                </a:schemeClr>
+              </a:lnRef>
+              <a:fillRef idx="1">
+                <a:schemeClr val="accent1"/>
+              </a:fillRef>
+              <a:effectRef idx="0">
+                <a:schemeClr val="accent1"/>
+              </a:effectRef>
+              <a:fontRef idx="minor">
+                <a:schemeClr val="lt1"/>
+              </a:fontRef>
+            </p:style>
+            <p:txBody>
+              <a:bodyPr rtlCol="0" anchor="ctr"/>
+              <a:lstStyle/>
+              <a:p>
+                <a:pPr algn="ctr"/>
+                <a:endParaRPr lang="en-US"/>
+              </a:p>
+            </p:txBody>
+          </p:sp>
+          <p:sp>
+            <p:nvSpPr>
+              <p:cNvPr id="10" name="Rectangle 9"/>
+              <p:cNvSpPr/>
+              <p:nvPr/>
+            </p:nvSpPr>
+            <p:spPr>
+              <a:xfrm>
+                <a:off x="6248400" y="2514600"/>
+                <a:ext cx="457200" cy="457200"/>
+              </a:xfrm>
+              <a:prstGeom prst="rect">
+                <a:avLst/>
+              </a:prstGeom>
+              <a:solidFill>
+                <a:schemeClr val="accent3">
+                  <a:alpha val="31000"/>
+                </a:schemeClr>
+              </a:solidFill>
+            </p:spPr>
+            <p:style>
+              <a:lnRef idx="2">
+                <a:schemeClr val="accent1">
+                  <a:shade val="50000"/>
+                </a:schemeClr>
+              </a:lnRef>
+              <a:fillRef idx="1">
+                <a:schemeClr val="accent1"/>
+              </a:fillRef>
+              <a:effectRef idx="0">
+                <a:schemeClr val="accent1"/>
+              </a:effectRef>
+              <a:fontRef idx="minor">
+                <a:schemeClr val="lt1"/>
+              </a:fontRef>
+            </p:style>
+            <p:txBody>
+              <a:bodyPr rtlCol="0" anchor="ctr"/>
+              <a:lstStyle/>
+              <a:p>
+                <a:pPr algn="ctr"/>
+                <a:endParaRPr lang="en-US"/>
+              </a:p>
+            </p:txBody>
+          </p:sp>
+          <p:sp>
+            <p:nvSpPr>
+              <p:cNvPr id="11" name="Rectangle 10"/>
+              <p:cNvSpPr/>
+              <p:nvPr/>
+            </p:nvSpPr>
+            <p:spPr>
+              <a:xfrm>
+                <a:off x="4876800" y="2971800"/>
+                <a:ext cx="457200" cy="457200"/>
+              </a:xfrm>
+              <a:prstGeom prst="rect">
+                <a:avLst/>
+              </a:prstGeom>
+              <a:solidFill>
+                <a:schemeClr val="accent3">
+                  <a:alpha val="31000"/>
+                </a:schemeClr>
+              </a:solidFill>
+            </p:spPr>
+            <p:style>
+              <a:lnRef idx="2">
+                <a:schemeClr val="accent1">
+                  <a:shade val="50000"/>
+                </a:schemeClr>
+              </a:lnRef>
+              <a:fillRef idx="1">
+                <a:schemeClr val="accent1"/>
+              </a:fillRef>
+              <a:effectRef idx="0">
+                <a:schemeClr val="accent1"/>
+              </a:effectRef>
+              <a:fontRef idx="minor">
+                <a:schemeClr val="lt1"/>
+              </a:fontRef>
+            </p:style>
+            <p:txBody>
+              <a:bodyPr rtlCol="0" anchor="ctr"/>
+              <a:lstStyle/>
+              <a:p>
+                <a:pPr algn="ctr"/>
+                <a:endParaRPr lang="en-US"/>
+              </a:p>
+            </p:txBody>
+          </p:sp>
+          <p:sp>
+            <p:nvSpPr>
+              <p:cNvPr id="12" name="Rectangle 11"/>
+              <p:cNvSpPr/>
+              <p:nvPr/>
+            </p:nvSpPr>
+            <p:spPr>
+              <a:xfrm>
+                <a:off x="5334000" y="2971800"/>
+                <a:ext cx="457200" cy="457200"/>
+              </a:xfrm>
+              <a:prstGeom prst="rect">
+                <a:avLst/>
+              </a:prstGeom>
+              <a:solidFill>
+                <a:schemeClr val="accent3">
+                  <a:alpha val="31000"/>
+                </a:schemeClr>
+              </a:solidFill>
+            </p:spPr>
+            <p:style>
+              <a:lnRef idx="2">
+                <a:schemeClr val="accent1">
+                  <a:shade val="50000"/>
+                </a:schemeClr>
+              </a:lnRef>
+              <a:fillRef idx="1">
+                <a:schemeClr val="accent1"/>
+              </a:fillRef>
+              <a:effectRef idx="0">
+                <a:schemeClr val="accent1"/>
+              </a:effectRef>
+              <a:fontRef idx="minor">
+                <a:schemeClr val="lt1"/>
+              </a:fontRef>
+            </p:style>
+            <p:txBody>
+              <a:bodyPr rtlCol="0" anchor="ctr"/>
+              <a:lstStyle/>
+              <a:p>
+                <a:pPr algn="ctr"/>
+                <a:endParaRPr lang="en-US"/>
+              </a:p>
+            </p:txBody>
+          </p:sp>
+          <p:sp>
+            <p:nvSpPr>
+              <p:cNvPr id="13" name="Rectangle 12"/>
+              <p:cNvSpPr/>
+              <p:nvPr/>
+            </p:nvSpPr>
+            <p:spPr>
+              <a:xfrm>
+                <a:off x="5791200" y="2971800"/>
+                <a:ext cx="457200" cy="457200"/>
+              </a:xfrm>
+              <a:prstGeom prst="rect">
+                <a:avLst/>
+              </a:prstGeom>
+              <a:solidFill>
+                <a:schemeClr val="accent3">
+                  <a:alpha val="31000"/>
+                </a:schemeClr>
+              </a:solidFill>
+            </p:spPr>
+            <p:style>
+              <a:lnRef idx="2">
+                <a:schemeClr val="accent1">
+                  <a:shade val="50000"/>
+                </a:schemeClr>
+              </a:lnRef>
+              <a:fillRef idx="1">
+                <a:schemeClr val="accent1"/>
+              </a:fillRef>
+              <a:effectRef idx="0">
+                <a:schemeClr val="accent1"/>
+              </a:effectRef>
+              <a:fontRef idx="minor">
+                <a:schemeClr val="lt1"/>
+              </a:fontRef>
+            </p:style>
+            <p:txBody>
+              <a:bodyPr rtlCol="0" anchor="ctr"/>
+              <a:lstStyle/>
+              <a:p>
+                <a:pPr algn="ctr"/>
+                <a:endParaRPr lang="en-US"/>
+              </a:p>
+            </p:txBody>
+          </p:sp>
+          <p:sp>
+            <p:nvSpPr>
+              <p:cNvPr id="14" name="Rectangle 13"/>
+              <p:cNvSpPr/>
+              <p:nvPr/>
+            </p:nvSpPr>
+            <p:spPr>
+              <a:xfrm>
+                <a:off x="6248400" y="2971800"/>
+                <a:ext cx="457200" cy="457200"/>
+              </a:xfrm>
+              <a:prstGeom prst="rect">
+                <a:avLst/>
+              </a:prstGeom>
+              <a:solidFill>
+                <a:schemeClr val="accent3">
+                  <a:alpha val="31000"/>
+                </a:schemeClr>
+              </a:solidFill>
+            </p:spPr>
+            <p:style>
+              <a:lnRef idx="2">
+                <a:schemeClr val="accent1">
+                  <a:shade val="50000"/>
+                </a:schemeClr>
+              </a:lnRef>
+              <a:fillRef idx="1">
+                <a:schemeClr val="accent1"/>
+              </a:fillRef>
+              <a:effectRef idx="0">
+                <a:schemeClr val="accent1"/>
+              </a:effectRef>
+              <a:fontRef idx="minor">
+                <a:schemeClr val="lt1"/>
+              </a:fontRef>
+            </p:style>
+            <p:txBody>
+              <a:bodyPr rtlCol="0" anchor="ctr"/>
+              <a:lstStyle/>
+              <a:p>
+                <a:pPr algn="ctr"/>
+                <a:endParaRPr lang="en-US"/>
+              </a:p>
+            </p:txBody>
+          </p:sp>
+          <p:sp>
+            <p:nvSpPr>
+              <p:cNvPr id="15" name="Rectangle 14"/>
+              <p:cNvSpPr/>
+              <p:nvPr/>
+            </p:nvSpPr>
+            <p:spPr>
+              <a:xfrm>
+                <a:off x="4876800" y="3429000"/>
+                <a:ext cx="457200" cy="457200"/>
+              </a:xfrm>
+              <a:prstGeom prst="rect">
+                <a:avLst/>
+              </a:prstGeom>
+              <a:solidFill>
+                <a:schemeClr val="accent3">
+                  <a:alpha val="31000"/>
+                </a:schemeClr>
+              </a:solidFill>
+            </p:spPr>
+            <p:style>
+              <a:lnRef idx="2">
+                <a:schemeClr val="accent1">
+                  <a:shade val="50000"/>
+                </a:schemeClr>
+              </a:lnRef>
+              <a:fillRef idx="1">
+                <a:schemeClr val="accent1"/>
+              </a:fillRef>
+              <a:effectRef idx="0">
+                <a:schemeClr val="accent1"/>
+              </a:effectRef>
+              <a:fontRef idx="minor">
+                <a:schemeClr val="lt1"/>
+              </a:fontRef>
+            </p:style>
+            <p:txBody>
+              <a:bodyPr rtlCol="0" anchor="ctr"/>
+              <a:lstStyle/>
+              <a:p>
+                <a:pPr algn="ctr"/>
+                <a:endParaRPr lang="en-US"/>
+              </a:p>
+            </p:txBody>
+          </p:sp>
+          <p:sp>
+            <p:nvSpPr>
+              <p:cNvPr id="16" name="Rectangle 15"/>
+              <p:cNvSpPr/>
+              <p:nvPr/>
+            </p:nvSpPr>
+            <p:spPr>
+              <a:xfrm>
+                <a:off x="5334000" y="3429000"/>
+                <a:ext cx="457200" cy="457200"/>
+              </a:xfrm>
+              <a:prstGeom prst="rect">
+                <a:avLst/>
+              </a:prstGeom>
+              <a:solidFill>
+                <a:schemeClr val="accent3">
+                  <a:alpha val="31000"/>
+                </a:schemeClr>
+              </a:solidFill>
+            </p:spPr>
+            <p:style>
+              <a:lnRef idx="2">
+                <a:schemeClr val="accent1">
+                  <a:shade val="50000"/>
+                </a:schemeClr>
+              </a:lnRef>
+              <a:fillRef idx="1">
+                <a:schemeClr val="accent1"/>
+              </a:fillRef>
+              <a:effectRef idx="0">
+                <a:schemeClr val="accent1"/>
+              </a:effectRef>
+              <a:fontRef idx="minor">
+                <a:schemeClr val="lt1"/>
+              </a:fontRef>
+            </p:style>
+            <p:txBody>
+              <a:bodyPr rtlCol="0" anchor="ctr"/>
+              <a:lstStyle/>
+              <a:p>
+                <a:pPr algn="ctr"/>
+                <a:endParaRPr lang="en-US"/>
+              </a:p>
+            </p:txBody>
+          </p:sp>
+          <p:sp>
+            <p:nvSpPr>
+              <p:cNvPr id="17" name="Rectangle 16"/>
+              <p:cNvSpPr/>
+              <p:nvPr/>
+            </p:nvSpPr>
+            <p:spPr>
+              <a:xfrm>
+                <a:off x="5791200" y="3429000"/>
+                <a:ext cx="457200" cy="457200"/>
+              </a:xfrm>
+              <a:prstGeom prst="rect">
+                <a:avLst/>
+              </a:prstGeom>
+              <a:solidFill>
+                <a:schemeClr val="accent3">
+                  <a:alpha val="31000"/>
+                </a:schemeClr>
+              </a:solidFill>
+            </p:spPr>
+            <p:style>
+              <a:lnRef idx="2">
+                <a:schemeClr val="accent1">
+                  <a:shade val="50000"/>
+                </a:schemeClr>
+              </a:lnRef>
+              <a:fillRef idx="1">
+                <a:schemeClr val="accent1"/>
+              </a:fillRef>
+              <a:effectRef idx="0">
+                <a:schemeClr val="accent1"/>
+              </a:effectRef>
+              <a:fontRef idx="minor">
+                <a:schemeClr val="lt1"/>
+              </a:fontRef>
+            </p:style>
+            <p:txBody>
+              <a:bodyPr rtlCol="0" anchor="ctr"/>
+              <a:lstStyle/>
+              <a:p>
+                <a:pPr algn="ctr"/>
+                <a:endParaRPr lang="en-US"/>
+              </a:p>
+            </p:txBody>
+          </p:sp>
+          <p:sp>
+            <p:nvSpPr>
+              <p:cNvPr id="18" name="Rectangle 17"/>
+              <p:cNvSpPr/>
+              <p:nvPr/>
+            </p:nvSpPr>
+            <p:spPr>
+              <a:xfrm>
+                <a:off x="6248400" y="3429000"/>
+                <a:ext cx="457200" cy="457200"/>
+              </a:xfrm>
+              <a:prstGeom prst="rect">
+                <a:avLst/>
+              </a:prstGeom>
+              <a:solidFill>
+                <a:schemeClr val="accent3">
+                  <a:alpha val="31000"/>
+                </a:schemeClr>
+              </a:solidFill>
+            </p:spPr>
+            <p:style>
+              <a:lnRef idx="2">
+                <a:schemeClr val="accent1">
+                  <a:shade val="50000"/>
+                </a:schemeClr>
+              </a:lnRef>
+              <a:fillRef idx="1">
+                <a:schemeClr val="accent1"/>
+              </a:fillRef>
+              <a:effectRef idx="0">
+                <a:schemeClr val="accent1"/>
+              </a:effectRef>
+              <a:fontRef idx="minor">
+                <a:schemeClr val="lt1"/>
+              </a:fontRef>
+            </p:style>
+            <p:txBody>
+              <a:bodyPr rtlCol="0" anchor="ctr"/>
+              <a:lstStyle/>
+              <a:p>
+                <a:pPr algn="ctr"/>
+                <a:endParaRPr lang="en-US"/>
+              </a:p>
+            </p:txBody>
+          </p:sp>
+          <p:sp>
+            <p:nvSpPr>
+              <p:cNvPr id="19" name="Rectangle 18"/>
+              <p:cNvSpPr/>
+              <p:nvPr/>
+            </p:nvSpPr>
+            <p:spPr>
+              <a:xfrm>
+                <a:off x="4876800" y="3886200"/>
+                <a:ext cx="457200" cy="457200"/>
+              </a:xfrm>
+              <a:prstGeom prst="rect">
+                <a:avLst/>
+              </a:prstGeom>
+              <a:solidFill>
+                <a:schemeClr val="accent3">
+                  <a:alpha val="31000"/>
+                </a:schemeClr>
+              </a:solidFill>
+            </p:spPr>
+            <p:style>
+              <a:lnRef idx="2">
+                <a:schemeClr val="accent1">
+                  <a:shade val="50000"/>
+                </a:schemeClr>
+              </a:lnRef>
+              <a:fillRef idx="1">
+                <a:schemeClr val="accent1"/>
+              </a:fillRef>
+              <a:effectRef idx="0">
+                <a:schemeClr val="accent1"/>
+              </a:effectRef>
+              <a:fontRef idx="minor">
+                <a:schemeClr val="lt1"/>
+              </a:fontRef>
+            </p:style>
+            <p:txBody>
+              <a:bodyPr rtlCol="0" anchor="ctr"/>
+              <a:lstStyle/>
+              <a:p>
+                <a:pPr algn="ctr"/>
+                <a:endParaRPr lang="en-US"/>
+              </a:p>
+            </p:txBody>
+          </p:sp>
+          <p:sp>
+            <p:nvSpPr>
+              <p:cNvPr id="20" name="Rectangle 19"/>
+              <p:cNvSpPr/>
+              <p:nvPr/>
+            </p:nvSpPr>
+            <p:spPr>
+              <a:xfrm>
+                <a:off x="5334000" y="3886200"/>
+                <a:ext cx="457200" cy="457200"/>
+              </a:xfrm>
+              <a:prstGeom prst="rect">
+                <a:avLst/>
+              </a:prstGeom>
+              <a:solidFill>
+                <a:schemeClr val="accent3">
+                  <a:alpha val="31000"/>
+                </a:schemeClr>
+              </a:solidFill>
+            </p:spPr>
+            <p:style>
+              <a:lnRef idx="2">
+                <a:schemeClr val="accent1">
+                  <a:shade val="50000"/>
+                </a:schemeClr>
+              </a:lnRef>
+              <a:fillRef idx="1">
+                <a:schemeClr val="accent1"/>
+              </a:fillRef>
+              <a:effectRef idx="0">
+                <a:schemeClr val="accent1"/>
+              </a:effectRef>
+              <a:fontRef idx="minor">
+                <a:schemeClr val="lt1"/>
+              </a:fontRef>
+            </p:style>
+            <p:txBody>
+              <a:bodyPr rtlCol="0" anchor="ctr"/>
+              <a:lstStyle/>
+              <a:p>
+                <a:pPr algn="ctr"/>
+                <a:endParaRPr lang="en-US"/>
+              </a:p>
+            </p:txBody>
+          </p:sp>
+          <p:sp>
+            <p:nvSpPr>
+              <p:cNvPr id="21" name="Rectangle 20"/>
+              <p:cNvSpPr/>
+              <p:nvPr/>
+            </p:nvSpPr>
+            <p:spPr>
+              <a:xfrm>
+                <a:off x="5791200" y="3886200"/>
+                <a:ext cx="457200" cy="457200"/>
+              </a:xfrm>
+              <a:prstGeom prst="rect">
+                <a:avLst/>
+              </a:prstGeom>
+              <a:solidFill>
+                <a:schemeClr val="accent3">
+                  <a:alpha val="31000"/>
+                </a:schemeClr>
+              </a:solidFill>
+            </p:spPr>
+            <p:style>
+              <a:lnRef idx="2">
+                <a:schemeClr val="accent1">
+                  <a:shade val="50000"/>
+                </a:schemeClr>
+              </a:lnRef>
+              <a:fillRef idx="1">
+                <a:schemeClr val="accent1"/>
+              </a:fillRef>
+              <a:effectRef idx="0">
+                <a:schemeClr val="accent1"/>
+              </a:effectRef>
+              <a:fontRef idx="minor">
+                <a:schemeClr val="lt1"/>
+              </a:fontRef>
+            </p:style>
+            <p:txBody>
+              <a:bodyPr rtlCol="0" anchor="ctr"/>
+              <a:lstStyle/>
+              <a:p>
+                <a:pPr algn="ctr"/>
+                <a:endParaRPr lang="en-US"/>
+              </a:p>
+            </p:txBody>
+          </p:sp>
+          <p:sp>
+            <p:nvSpPr>
+              <p:cNvPr id="22" name="Rectangle 21"/>
+              <p:cNvSpPr/>
+              <p:nvPr/>
+            </p:nvSpPr>
+            <p:spPr>
+              <a:xfrm>
+                <a:off x="6248400" y="3886200"/>
+                <a:ext cx="457200" cy="457200"/>
+              </a:xfrm>
+              <a:prstGeom prst="rect">
+                <a:avLst/>
+              </a:prstGeom>
+              <a:solidFill>
+                <a:schemeClr val="accent3">
+                  <a:alpha val="31000"/>
+                </a:schemeClr>
+              </a:solidFill>
+            </p:spPr>
+            <p:style>
+              <a:lnRef idx="2">
+                <a:schemeClr val="accent1">
+                  <a:shade val="50000"/>
+                </a:schemeClr>
+              </a:lnRef>
+              <a:fillRef idx="1">
+                <a:schemeClr val="accent1"/>
+              </a:fillRef>
+              <a:effectRef idx="0">
+                <a:schemeClr val="accent1"/>
+              </a:effectRef>
+              <a:fontRef idx="minor">
+                <a:schemeClr val="lt1"/>
+              </a:fontRef>
+            </p:style>
+            <p:txBody>
+              <a:bodyPr rtlCol="0" anchor="ctr"/>
+              <a:lstStyle/>
+              <a:p>
+                <a:pPr algn="ctr"/>
+                <a:endParaRPr lang="en-US"/>
+              </a:p>
+            </p:txBody>
+          </p:sp>
+        </p:grpSp>
+        <p:cxnSp>
+          <p:nvCxnSpPr>
+            <p:cNvPr id="38" name="Elbow Connector 37"/>
+            <p:cNvCxnSpPr/>
+            <p:nvPr/>
+          </p:nvCxnSpPr>
+          <p:spPr>
+            <a:xfrm>
+              <a:off x="1095089" y="2129270"/>
               <a:ext cx="352711" cy="1"/>
             </a:xfrm>
             <a:prstGeom prst="bentConnector3">
@@ -5446,24 +4424,25 @@
             </a:fontRef>
           </p:style>
         </p:cxnSp>
-        <p:sp>
-          <p:nvSpPr>
-            <p:cNvPr id="68" name="Left Brace 67"/>
-            <p:cNvSpPr/>
+        <p:cxnSp>
+          <p:nvCxnSpPr>
+            <p:cNvPr id="41" name="Elbow Connector 40"/>
+            <p:cNvCxnSpPr/>
             <p:nvPr/>
-          </p:nvSpPr>
+          </p:nvCxnSpPr>
           <p:spPr>
             <a:xfrm>
-              <a:off x="3281142" y="3676423"/>
-              <a:ext cx="226318" cy="774112"/>
+              <a:off x="1788059" y="2122920"/>
+              <a:ext cx="424382" cy="12700"/>
             </a:xfrm>
-            <a:prstGeom prst="leftBrace">
+            <a:prstGeom prst="bentConnector3">
               <a:avLst/>
             </a:prstGeom>
             <a:ln w="12700">
               <a:solidFill>
                 <a:schemeClr val="tx1"/>
               </a:solidFill>
+              <a:tailEnd type="arrow"/>
             </a:ln>
           </p:spPr>
           <p:style>
@@ -5480,33 +4459,1116 @@
               <a:schemeClr val="tx1"/>
             </a:fontRef>
           </p:style>
-          <p:txBody>
-            <a:bodyPr rtlCol="0" anchor="ctr"/>
-            <a:lstStyle/>
-            <a:p>
-              <a:pPr algn="ctr"/>
-              <a:endParaRPr lang="en-US"/>
-            </a:p>
-          </p:txBody>
-        </p:sp>
-        <p:sp>
-          <p:nvSpPr>
-            <p:cNvPr id="69" name="Left Brace 68"/>
-            <p:cNvSpPr/>
+        </p:cxnSp>
+        <p:grpSp>
+          <p:nvGrpSpPr>
+            <p:cNvPr id="46" name="Group 45"/>
+            <p:cNvGrpSpPr/>
             <p:nvPr/>
-          </p:nvSpPr>
-          <p:spPr>
-            <a:xfrm rot="10800000">
-              <a:off x="4684421" y="3727744"/>
-              <a:ext cx="226318" cy="774112"/>
+          </p:nvGrpSpPr>
+          <p:grpSpPr>
+            <a:xfrm>
+              <a:off x="3581400" y="3657600"/>
+              <a:ext cx="1828800" cy="1828800"/>
+              <a:chOff x="4876800" y="2514600"/>
+              <a:chExt cx="1828800" cy="1828800"/>
             </a:xfrm>
-            <a:prstGeom prst="leftBrace">
-              <a:avLst/>
-            </a:prstGeom>
-            <a:ln w="12700">
+            <a:scene3d>
+              <a:camera prst="isometricOffAxis2Right"/>
+              <a:lightRig rig="threePt" dir="t"/>
+            </a:scene3d>
+          </p:grpSpPr>
+          <p:sp>
+            <p:nvSpPr>
+              <p:cNvPr id="47" name="Rectangle 46"/>
+              <p:cNvSpPr/>
+              <p:nvPr/>
+            </p:nvSpPr>
+            <p:spPr>
+              <a:xfrm>
+                <a:off x="4876800" y="2514600"/>
+                <a:ext cx="457200" cy="457200"/>
+              </a:xfrm>
+              <a:prstGeom prst="rect">
+                <a:avLst/>
+              </a:prstGeom>
+              <a:solidFill>
+                <a:schemeClr val="accent3">
+                  <a:alpha val="31000"/>
+                </a:schemeClr>
+              </a:solidFill>
+            </p:spPr>
+            <p:style>
+              <a:lnRef idx="2">
+                <a:schemeClr val="accent1">
+                  <a:shade val="50000"/>
+                </a:schemeClr>
+              </a:lnRef>
+              <a:fillRef idx="1">
+                <a:schemeClr val="accent1"/>
+              </a:fillRef>
+              <a:effectRef idx="0">
+                <a:schemeClr val="accent1"/>
+              </a:effectRef>
+              <a:fontRef idx="minor">
+                <a:schemeClr val="lt1"/>
+              </a:fontRef>
+            </p:style>
+            <p:txBody>
+              <a:bodyPr rtlCol="0" anchor="ctr"/>
+              <a:lstStyle/>
+              <a:p>
+                <a:pPr algn="ctr"/>
+                <a:endParaRPr lang="en-US"/>
+              </a:p>
+            </p:txBody>
+          </p:sp>
+          <p:sp>
+            <p:nvSpPr>
+              <p:cNvPr id="48" name="Rectangle 47"/>
+              <p:cNvSpPr/>
+              <p:nvPr/>
+            </p:nvSpPr>
+            <p:spPr>
+              <a:xfrm>
+                <a:off x="5334000" y="2514600"/>
+                <a:ext cx="457200" cy="457200"/>
+              </a:xfrm>
+              <a:prstGeom prst="rect">
+                <a:avLst/>
+              </a:prstGeom>
+              <a:solidFill>
+                <a:schemeClr val="accent3">
+                  <a:alpha val="31000"/>
+                </a:schemeClr>
+              </a:solidFill>
+            </p:spPr>
+            <p:style>
+              <a:lnRef idx="2">
+                <a:schemeClr val="accent1">
+                  <a:shade val="50000"/>
+                </a:schemeClr>
+              </a:lnRef>
+              <a:fillRef idx="1">
+                <a:schemeClr val="accent1"/>
+              </a:fillRef>
+              <a:effectRef idx="0">
+                <a:schemeClr val="accent1"/>
+              </a:effectRef>
+              <a:fontRef idx="minor">
+                <a:schemeClr val="lt1"/>
+              </a:fontRef>
+            </p:style>
+            <p:txBody>
+              <a:bodyPr rtlCol="0" anchor="ctr"/>
+              <a:lstStyle/>
+              <a:p>
+                <a:pPr algn="ctr"/>
+                <a:endParaRPr lang="en-US"/>
+              </a:p>
+            </p:txBody>
+          </p:sp>
+          <p:sp>
+            <p:nvSpPr>
+              <p:cNvPr id="49" name="Rectangle 48"/>
+              <p:cNvSpPr/>
+              <p:nvPr/>
+            </p:nvSpPr>
+            <p:spPr>
+              <a:xfrm>
+                <a:off x="5791200" y="2514600"/>
+                <a:ext cx="457200" cy="457200"/>
+              </a:xfrm>
+              <a:prstGeom prst="rect">
+                <a:avLst/>
+              </a:prstGeom>
+              <a:solidFill>
+                <a:schemeClr val="accent3">
+                  <a:alpha val="31000"/>
+                </a:schemeClr>
+              </a:solidFill>
+            </p:spPr>
+            <p:style>
+              <a:lnRef idx="2">
+                <a:schemeClr val="accent1">
+                  <a:shade val="50000"/>
+                </a:schemeClr>
+              </a:lnRef>
+              <a:fillRef idx="1">
+                <a:schemeClr val="accent1"/>
+              </a:fillRef>
+              <a:effectRef idx="0">
+                <a:schemeClr val="accent1"/>
+              </a:effectRef>
+              <a:fontRef idx="minor">
+                <a:schemeClr val="lt1"/>
+              </a:fontRef>
+            </p:style>
+            <p:txBody>
+              <a:bodyPr rtlCol="0" anchor="ctr"/>
+              <a:lstStyle/>
+              <a:p>
+                <a:pPr algn="ctr"/>
+                <a:endParaRPr lang="en-US"/>
+              </a:p>
+            </p:txBody>
+          </p:sp>
+          <p:sp>
+            <p:nvSpPr>
+              <p:cNvPr id="50" name="Rectangle 49"/>
+              <p:cNvSpPr/>
+              <p:nvPr/>
+            </p:nvSpPr>
+            <p:spPr>
+              <a:xfrm>
+                <a:off x="6248400" y="2514600"/>
+                <a:ext cx="457200" cy="457200"/>
+              </a:xfrm>
+              <a:prstGeom prst="rect">
+                <a:avLst/>
+              </a:prstGeom>
+              <a:solidFill>
+                <a:schemeClr val="accent3">
+                  <a:alpha val="31000"/>
+                </a:schemeClr>
+              </a:solidFill>
+            </p:spPr>
+            <p:style>
+              <a:lnRef idx="2">
+                <a:schemeClr val="accent1">
+                  <a:shade val="50000"/>
+                </a:schemeClr>
+              </a:lnRef>
+              <a:fillRef idx="1">
+                <a:schemeClr val="accent1"/>
+              </a:fillRef>
+              <a:effectRef idx="0">
+                <a:schemeClr val="accent1"/>
+              </a:effectRef>
+              <a:fontRef idx="minor">
+                <a:schemeClr val="lt1"/>
+              </a:fontRef>
+            </p:style>
+            <p:txBody>
+              <a:bodyPr rtlCol="0" anchor="ctr"/>
+              <a:lstStyle/>
+              <a:p>
+                <a:pPr algn="ctr"/>
+                <a:endParaRPr lang="en-US"/>
+              </a:p>
+            </p:txBody>
+          </p:sp>
+          <p:sp>
+            <p:nvSpPr>
+              <p:cNvPr id="51" name="Rectangle 50"/>
+              <p:cNvSpPr/>
+              <p:nvPr/>
+            </p:nvSpPr>
+            <p:spPr>
+              <a:xfrm>
+                <a:off x="4876800" y="2971800"/>
+                <a:ext cx="457200" cy="457200"/>
+              </a:xfrm>
+              <a:prstGeom prst="rect">
+                <a:avLst/>
+              </a:prstGeom>
+              <a:solidFill>
+                <a:schemeClr val="accent3">
+                  <a:alpha val="31000"/>
+                </a:schemeClr>
+              </a:solidFill>
+            </p:spPr>
+            <p:style>
+              <a:lnRef idx="2">
+                <a:schemeClr val="accent1">
+                  <a:shade val="50000"/>
+                </a:schemeClr>
+              </a:lnRef>
+              <a:fillRef idx="1">
+                <a:schemeClr val="accent1"/>
+              </a:fillRef>
+              <a:effectRef idx="0">
+                <a:schemeClr val="accent1"/>
+              </a:effectRef>
+              <a:fontRef idx="minor">
+                <a:schemeClr val="lt1"/>
+              </a:fontRef>
+            </p:style>
+            <p:txBody>
+              <a:bodyPr rtlCol="0" anchor="ctr"/>
+              <a:lstStyle/>
+              <a:p>
+                <a:pPr algn="ctr"/>
+                <a:endParaRPr lang="en-US"/>
+              </a:p>
+            </p:txBody>
+          </p:sp>
+          <p:sp>
+            <p:nvSpPr>
+              <p:cNvPr id="52" name="Rectangle 51"/>
+              <p:cNvSpPr/>
+              <p:nvPr/>
+            </p:nvSpPr>
+            <p:spPr>
+              <a:xfrm>
+                <a:off x="5334000" y="2971800"/>
+                <a:ext cx="457200" cy="457200"/>
+              </a:xfrm>
+              <a:prstGeom prst="rect">
+                <a:avLst/>
+              </a:prstGeom>
+              <a:solidFill>
+                <a:schemeClr val="accent3">
+                  <a:alpha val="31000"/>
+                </a:schemeClr>
+              </a:solidFill>
+            </p:spPr>
+            <p:style>
+              <a:lnRef idx="2">
+                <a:schemeClr val="accent1">
+                  <a:shade val="50000"/>
+                </a:schemeClr>
+              </a:lnRef>
+              <a:fillRef idx="1">
+                <a:schemeClr val="accent1"/>
+              </a:fillRef>
+              <a:effectRef idx="0">
+                <a:schemeClr val="accent1"/>
+              </a:effectRef>
+              <a:fontRef idx="minor">
+                <a:schemeClr val="lt1"/>
+              </a:fontRef>
+            </p:style>
+            <p:txBody>
+              <a:bodyPr rtlCol="0" anchor="ctr"/>
+              <a:lstStyle/>
+              <a:p>
+                <a:pPr algn="ctr"/>
+                <a:endParaRPr lang="en-US"/>
+              </a:p>
+            </p:txBody>
+          </p:sp>
+          <p:sp>
+            <p:nvSpPr>
+              <p:cNvPr id="53" name="Rectangle 52"/>
+              <p:cNvSpPr/>
+              <p:nvPr/>
+            </p:nvSpPr>
+            <p:spPr>
+              <a:xfrm>
+                <a:off x="5791200" y="2971800"/>
+                <a:ext cx="457200" cy="457200"/>
+              </a:xfrm>
+              <a:prstGeom prst="rect">
+                <a:avLst/>
+              </a:prstGeom>
+              <a:solidFill>
+                <a:schemeClr val="accent3">
+                  <a:alpha val="31000"/>
+                </a:schemeClr>
+              </a:solidFill>
+            </p:spPr>
+            <p:style>
+              <a:lnRef idx="2">
+                <a:schemeClr val="accent1">
+                  <a:shade val="50000"/>
+                </a:schemeClr>
+              </a:lnRef>
+              <a:fillRef idx="1">
+                <a:schemeClr val="accent1"/>
+              </a:fillRef>
+              <a:effectRef idx="0">
+                <a:schemeClr val="accent1"/>
+              </a:effectRef>
+              <a:fontRef idx="minor">
+                <a:schemeClr val="lt1"/>
+              </a:fontRef>
+            </p:style>
+            <p:txBody>
+              <a:bodyPr rtlCol="0" anchor="ctr"/>
+              <a:lstStyle/>
+              <a:p>
+                <a:pPr algn="ctr"/>
+                <a:endParaRPr lang="en-US"/>
+              </a:p>
+            </p:txBody>
+          </p:sp>
+          <p:sp>
+            <p:nvSpPr>
+              <p:cNvPr id="54" name="Rectangle 53"/>
+              <p:cNvSpPr/>
+              <p:nvPr/>
+            </p:nvSpPr>
+            <p:spPr>
+              <a:xfrm>
+                <a:off x="6248400" y="2971800"/>
+                <a:ext cx="457200" cy="457200"/>
+              </a:xfrm>
+              <a:prstGeom prst="rect">
+                <a:avLst/>
+              </a:prstGeom>
+              <a:solidFill>
+                <a:schemeClr val="accent3">
+                  <a:alpha val="31000"/>
+                </a:schemeClr>
+              </a:solidFill>
+            </p:spPr>
+            <p:style>
+              <a:lnRef idx="2">
+                <a:schemeClr val="accent1">
+                  <a:shade val="50000"/>
+                </a:schemeClr>
+              </a:lnRef>
+              <a:fillRef idx="1">
+                <a:schemeClr val="accent1"/>
+              </a:fillRef>
+              <a:effectRef idx="0">
+                <a:schemeClr val="accent1"/>
+              </a:effectRef>
+              <a:fontRef idx="minor">
+                <a:schemeClr val="lt1"/>
+              </a:fontRef>
+            </p:style>
+            <p:txBody>
+              <a:bodyPr rtlCol="0" anchor="ctr"/>
+              <a:lstStyle/>
+              <a:p>
+                <a:pPr algn="ctr"/>
+                <a:endParaRPr lang="en-US"/>
+              </a:p>
+            </p:txBody>
+          </p:sp>
+          <p:sp>
+            <p:nvSpPr>
+              <p:cNvPr id="55" name="Rectangle 54"/>
+              <p:cNvSpPr/>
+              <p:nvPr/>
+            </p:nvSpPr>
+            <p:spPr>
+              <a:xfrm>
+                <a:off x="4876800" y="3429000"/>
+                <a:ext cx="457200" cy="457200"/>
+              </a:xfrm>
+              <a:prstGeom prst="rect">
+                <a:avLst/>
+              </a:prstGeom>
+              <a:solidFill>
+                <a:schemeClr val="accent3">
+                  <a:alpha val="31000"/>
+                </a:schemeClr>
+              </a:solidFill>
+            </p:spPr>
+            <p:style>
+              <a:lnRef idx="2">
+                <a:schemeClr val="accent1">
+                  <a:shade val="50000"/>
+                </a:schemeClr>
+              </a:lnRef>
+              <a:fillRef idx="1">
+                <a:schemeClr val="accent1"/>
+              </a:fillRef>
+              <a:effectRef idx="0">
+                <a:schemeClr val="accent1"/>
+              </a:effectRef>
+              <a:fontRef idx="minor">
+                <a:schemeClr val="lt1"/>
+              </a:fontRef>
+            </p:style>
+            <p:txBody>
+              <a:bodyPr rtlCol="0" anchor="ctr"/>
+              <a:lstStyle/>
+              <a:p>
+                <a:pPr algn="ctr"/>
+                <a:endParaRPr lang="en-US"/>
+              </a:p>
+            </p:txBody>
+          </p:sp>
+          <p:sp>
+            <p:nvSpPr>
+              <p:cNvPr id="56" name="Rectangle 55"/>
+              <p:cNvSpPr/>
+              <p:nvPr/>
+            </p:nvSpPr>
+            <p:spPr>
+              <a:xfrm>
+                <a:off x="5334000" y="3429000"/>
+                <a:ext cx="457200" cy="457200"/>
+              </a:xfrm>
+              <a:prstGeom prst="rect">
+                <a:avLst/>
+              </a:prstGeom>
+              <a:solidFill>
+                <a:schemeClr val="accent3">
+                  <a:alpha val="31000"/>
+                </a:schemeClr>
+              </a:solidFill>
+            </p:spPr>
+            <p:style>
+              <a:lnRef idx="2">
+                <a:schemeClr val="accent1">
+                  <a:shade val="50000"/>
+                </a:schemeClr>
+              </a:lnRef>
+              <a:fillRef idx="1">
+                <a:schemeClr val="accent1"/>
+              </a:fillRef>
+              <a:effectRef idx="0">
+                <a:schemeClr val="accent1"/>
+              </a:effectRef>
+              <a:fontRef idx="minor">
+                <a:schemeClr val="lt1"/>
+              </a:fontRef>
+            </p:style>
+            <p:txBody>
+              <a:bodyPr rtlCol="0" anchor="ctr"/>
+              <a:lstStyle/>
+              <a:p>
+                <a:pPr algn="ctr"/>
+                <a:endParaRPr lang="en-US"/>
+              </a:p>
+            </p:txBody>
+          </p:sp>
+          <p:sp>
+            <p:nvSpPr>
+              <p:cNvPr id="57" name="Rectangle 56"/>
+              <p:cNvSpPr/>
+              <p:nvPr/>
+            </p:nvSpPr>
+            <p:spPr>
+              <a:xfrm>
+                <a:off x="5791200" y="3429000"/>
+                <a:ext cx="457200" cy="457200"/>
+              </a:xfrm>
+              <a:prstGeom prst="rect">
+                <a:avLst/>
+              </a:prstGeom>
+              <a:solidFill>
+                <a:schemeClr val="accent3">
+                  <a:alpha val="31000"/>
+                </a:schemeClr>
+              </a:solidFill>
+            </p:spPr>
+            <p:style>
+              <a:lnRef idx="2">
+                <a:schemeClr val="accent1">
+                  <a:shade val="50000"/>
+                </a:schemeClr>
+              </a:lnRef>
+              <a:fillRef idx="1">
+                <a:schemeClr val="accent1"/>
+              </a:fillRef>
+              <a:effectRef idx="0">
+                <a:schemeClr val="accent1"/>
+              </a:effectRef>
+              <a:fontRef idx="minor">
+                <a:schemeClr val="lt1"/>
+              </a:fontRef>
+            </p:style>
+            <p:txBody>
+              <a:bodyPr rtlCol="0" anchor="ctr"/>
+              <a:lstStyle/>
+              <a:p>
+                <a:pPr algn="ctr"/>
+                <a:endParaRPr lang="en-US"/>
+              </a:p>
+            </p:txBody>
+          </p:sp>
+          <p:sp>
+            <p:nvSpPr>
+              <p:cNvPr id="58" name="Rectangle 57"/>
+              <p:cNvSpPr/>
+              <p:nvPr/>
+            </p:nvSpPr>
+            <p:spPr>
+              <a:xfrm>
+                <a:off x="6248400" y="3429000"/>
+                <a:ext cx="457200" cy="457200"/>
+              </a:xfrm>
+              <a:prstGeom prst="rect">
+                <a:avLst/>
+              </a:prstGeom>
+              <a:solidFill>
+                <a:schemeClr val="accent3">
+                  <a:alpha val="31000"/>
+                </a:schemeClr>
+              </a:solidFill>
+            </p:spPr>
+            <p:style>
+              <a:lnRef idx="2">
+                <a:schemeClr val="accent1">
+                  <a:shade val="50000"/>
+                </a:schemeClr>
+              </a:lnRef>
+              <a:fillRef idx="1">
+                <a:schemeClr val="accent1"/>
+              </a:fillRef>
+              <a:effectRef idx="0">
+                <a:schemeClr val="accent1"/>
+              </a:effectRef>
+              <a:fontRef idx="minor">
+                <a:schemeClr val="lt1"/>
+              </a:fontRef>
+            </p:style>
+            <p:txBody>
+              <a:bodyPr rtlCol="0" anchor="ctr"/>
+              <a:lstStyle/>
+              <a:p>
+                <a:pPr algn="ctr"/>
+                <a:endParaRPr lang="en-US"/>
+              </a:p>
+            </p:txBody>
+          </p:sp>
+          <p:sp>
+            <p:nvSpPr>
+              <p:cNvPr id="59" name="Rectangle 58"/>
+              <p:cNvSpPr/>
+              <p:nvPr/>
+            </p:nvSpPr>
+            <p:spPr>
+              <a:xfrm>
+                <a:off x="4876800" y="3886200"/>
+                <a:ext cx="457200" cy="457200"/>
+              </a:xfrm>
+              <a:prstGeom prst="rect">
+                <a:avLst/>
+              </a:prstGeom>
+              <a:solidFill>
+                <a:schemeClr val="accent3">
+                  <a:alpha val="31000"/>
+                </a:schemeClr>
+              </a:solidFill>
+            </p:spPr>
+            <p:style>
+              <a:lnRef idx="2">
+                <a:schemeClr val="accent1">
+                  <a:shade val="50000"/>
+                </a:schemeClr>
+              </a:lnRef>
+              <a:fillRef idx="1">
+                <a:schemeClr val="accent1"/>
+              </a:fillRef>
+              <a:effectRef idx="0">
+                <a:schemeClr val="accent1"/>
+              </a:effectRef>
+              <a:fontRef idx="minor">
+                <a:schemeClr val="lt1"/>
+              </a:fontRef>
+            </p:style>
+            <p:txBody>
+              <a:bodyPr rtlCol="0" anchor="ctr"/>
+              <a:lstStyle/>
+              <a:p>
+                <a:pPr algn="ctr"/>
+                <a:endParaRPr lang="en-US"/>
+              </a:p>
+            </p:txBody>
+          </p:sp>
+          <p:sp>
+            <p:nvSpPr>
+              <p:cNvPr id="60" name="Rectangle 59"/>
+              <p:cNvSpPr/>
+              <p:nvPr/>
+            </p:nvSpPr>
+            <p:spPr>
+              <a:xfrm>
+                <a:off x="5334000" y="3886200"/>
+                <a:ext cx="457200" cy="457200"/>
+              </a:xfrm>
+              <a:prstGeom prst="rect">
+                <a:avLst/>
+              </a:prstGeom>
+              <a:solidFill>
+                <a:schemeClr val="accent3">
+                  <a:alpha val="31000"/>
+                </a:schemeClr>
+              </a:solidFill>
+            </p:spPr>
+            <p:style>
+              <a:lnRef idx="2">
+                <a:schemeClr val="accent1">
+                  <a:shade val="50000"/>
+                </a:schemeClr>
+              </a:lnRef>
+              <a:fillRef idx="1">
+                <a:schemeClr val="accent1"/>
+              </a:fillRef>
+              <a:effectRef idx="0">
+                <a:schemeClr val="accent1"/>
+              </a:effectRef>
+              <a:fontRef idx="minor">
+                <a:schemeClr val="lt1"/>
+              </a:fontRef>
+            </p:style>
+            <p:txBody>
+              <a:bodyPr rtlCol="0" anchor="ctr"/>
+              <a:lstStyle/>
+              <a:p>
+                <a:pPr algn="ctr"/>
+                <a:endParaRPr lang="en-US"/>
+              </a:p>
+            </p:txBody>
+          </p:sp>
+          <p:sp>
+            <p:nvSpPr>
+              <p:cNvPr id="61" name="Rectangle 60"/>
+              <p:cNvSpPr/>
+              <p:nvPr/>
+            </p:nvSpPr>
+            <p:spPr>
+              <a:xfrm>
+                <a:off x="5791200" y="3886200"/>
+                <a:ext cx="457200" cy="457200"/>
+              </a:xfrm>
+              <a:prstGeom prst="rect">
+                <a:avLst/>
+              </a:prstGeom>
+              <a:solidFill>
+                <a:schemeClr val="accent3">
+                  <a:alpha val="31000"/>
+                </a:schemeClr>
+              </a:solidFill>
+            </p:spPr>
+            <p:style>
+              <a:lnRef idx="2">
+                <a:schemeClr val="accent1">
+                  <a:shade val="50000"/>
+                </a:schemeClr>
+              </a:lnRef>
+              <a:fillRef idx="1">
+                <a:schemeClr val="accent1"/>
+              </a:fillRef>
+              <a:effectRef idx="0">
+                <a:schemeClr val="accent1"/>
+              </a:effectRef>
+              <a:fontRef idx="minor">
+                <a:schemeClr val="lt1"/>
+              </a:fontRef>
+            </p:style>
+            <p:txBody>
+              <a:bodyPr rtlCol="0" anchor="ctr"/>
+              <a:lstStyle/>
+              <a:p>
+                <a:pPr algn="ctr"/>
+                <a:endParaRPr lang="en-US"/>
+              </a:p>
+            </p:txBody>
+          </p:sp>
+          <p:sp>
+            <p:nvSpPr>
+              <p:cNvPr id="62" name="Rectangle 61"/>
+              <p:cNvSpPr/>
+              <p:nvPr/>
+            </p:nvSpPr>
+            <p:spPr>
+              <a:xfrm>
+                <a:off x="6248400" y="3886200"/>
+                <a:ext cx="457200" cy="457200"/>
+              </a:xfrm>
+              <a:prstGeom prst="rect">
+                <a:avLst/>
+              </a:prstGeom>
+              <a:solidFill>
+                <a:schemeClr val="accent3">
+                  <a:alpha val="31000"/>
+                </a:schemeClr>
+              </a:solidFill>
+            </p:spPr>
+            <p:style>
+              <a:lnRef idx="2">
+                <a:schemeClr val="accent1">
+                  <a:shade val="50000"/>
+                </a:schemeClr>
+              </a:lnRef>
+              <a:fillRef idx="1">
+                <a:schemeClr val="accent1"/>
+              </a:fillRef>
+              <a:effectRef idx="0">
+                <a:schemeClr val="accent1"/>
+              </a:effectRef>
+              <a:fontRef idx="minor">
+                <a:schemeClr val="lt1"/>
+              </a:fontRef>
+            </p:style>
+            <p:txBody>
+              <a:bodyPr rtlCol="0" anchor="ctr"/>
+              <a:lstStyle/>
+              <a:p>
+                <a:pPr algn="ctr"/>
+                <a:endParaRPr lang="en-US"/>
+              </a:p>
+            </p:txBody>
+          </p:sp>
+        </p:grpSp>
+        <p:grpSp>
+          <p:nvGrpSpPr>
+            <p:cNvPr id="70" name="Group 69"/>
+            <p:cNvGrpSpPr/>
+            <p:nvPr/>
+          </p:nvGrpSpPr>
+          <p:grpSpPr>
+            <a:xfrm>
+              <a:off x="1871442" y="3676423"/>
+              <a:ext cx="1629597" cy="825433"/>
+              <a:chOff x="3281142" y="3676423"/>
+              <a:chExt cx="1629597" cy="825433"/>
+            </a:xfrm>
+          </p:grpSpPr>
+          <p:grpSp>
+            <p:nvGrpSpPr>
+              <p:cNvPr id="63" name="Group 62"/>
+              <p:cNvGrpSpPr/>
+              <p:nvPr/>
+            </p:nvGrpSpPr>
+            <p:grpSpPr>
+              <a:xfrm>
+                <a:off x="3507460" y="3789400"/>
+                <a:ext cx="485489" cy="533400"/>
+                <a:chOff x="3126841" y="3886200"/>
+                <a:chExt cx="914400" cy="914400"/>
+              </a:xfrm>
+            </p:grpSpPr>
+            <p:sp>
+              <p:nvSpPr>
+                <p:cNvPr id="64" name="Oval 63"/>
+                <p:cNvSpPr/>
+                <p:nvPr/>
+              </p:nvSpPr>
+              <p:spPr>
+                <a:xfrm>
+                  <a:off x="3126841" y="3886200"/>
+                  <a:ext cx="914400" cy="914400"/>
+                </a:xfrm>
+                <a:prstGeom prst="ellipse">
+                  <a:avLst/>
+                </a:prstGeom>
+                <a:noFill/>
+                <a:ln>
+                  <a:solidFill>
+                    <a:schemeClr val="tx1"/>
+                  </a:solidFill>
+                </a:ln>
+              </p:spPr>
+              <p:style>
+                <a:lnRef idx="2">
+                  <a:schemeClr val="accent1">
+                    <a:shade val="50000"/>
+                  </a:schemeClr>
+                </a:lnRef>
+                <a:fillRef idx="1">
+                  <a:schemeClr val="accent1"/>
+                </a:fillRef>
+                <a:effectRef idx="0">
+                  <a:schemeClr val="accent1"/>
+                </a:effectRef>
+                <a:fontRef idx="minor">
+                  <a:schemeClr val="lt1"/>
+                </a:fontRef>
+              </p:style>
+              <p:txBody>
+                <a:bodyPr rtlCol="0" anchor="ctr"/>
+                <a:lstStyle/>
+                <a:p>
+                  <a:pPr algn="ctr"/>
+                  <a:endParaRPr lang="en-US"/>
+                </a:p>
+              </p:txBody>
+            </p:sp>
+            <p:sp>
+              <p:nvSpPr>
+                <p:cNvPr id="65" name="Freeform 64"/>
+                <p:cNvSpPr/>
+                <p:nvPr/>
+              </p:nvSpPr>
+              <p:spPr>
+                <a:xfrm>
+                  <a:off x="3340726" y="4137422"/>
+                  <a:ext cx="543208" cy="416472"/>
+                </a:xfrm>
+                <a:custGeom>
+                  <a:avLst/>
+                  <a:gdLst>
+                    <a:gd name="connsiteX0" fmla="*/ 0 w 543208"/>
+                    <a:gd name="connsiteY0" fmla="*/ 226336 h 416472"/>
+                    <a:gd name="connsiteX1" fmla="*/ 181069 w 543208"/>
+                    <a:gd name="connsiteY1" fmla="*/ 0 h 416472"/>
+                    <a:gd name="connsiteX2" fmla="*/ 316871 w 543208"/>
+                    <a:gd name="connsiteY2" fmla="*/ 226336 h 416472"/>
+                    <a:gd name="connsiteX3" fmla="*/ 398352 w 543208"/>
+                    <a:gd name="connsiteY3" fmla="*/ 416459 h 416472"/>
+                    <a:gd name="connsiteX4" fmla="*/ 543208 w 543208"/>
+                    <a:gd name="connsiteY4" fmla="*/ 217283 h 416472"/>
+                  </a:gdLst>
+                  <a:ahLst/>
+                  <a:cxnLst>
+                    <a:cxn ang="0">
+                      <a:pos x="connsiteX0" y="connsiteY0"/>
+                    </a:cxn>
+                    <a:cxn ang="0">
+                      <a:pos x="connsiteX1" y="connsiteY1"/>
+                    </a:cxn>
+                    <a:cxn ang="0">
+                      <a:pos x="connsiteX2" y="connsiteY2"/>
+                    </a:cxn>
+                    <a:cxn ang="0">
+                      <a:pos x="connsiteX3" y="connsiteY3"/>
+                    </a:cxn>
+                    <a:cxn ang="0">
+                      <a:pos x="connsiteX4" y="connsiteY4"/>
+                    </a:cxn>
+                  </a:cxnLst>
+                  <a:rect l="l" t="t" r="r" b="b"/>
+                  <a:pathLst>
+                    <a:path w="543208" h="416472">
+                      <a:moveTo>
+                        <a:pt x="0" y="226336"/>
+                      </a:moveTo>
+                      <a:cubicBezTo>
+                        <a:pt x="64128" y="113168"/>
+                        <a:pt x="128257" y="0"/>
+                        <a:pt x="181069" y="0"/>
+                      </a:cubicBezTo>
+                      <a:cubicBezTo>
+                        <a:pt x="233881" y="0"/>
+                        <a:pt x="280657" y="156926"/>
+                        <a:pt x="316871" y="226336"/>
+                      </a:cubicBezTo>
+                      <a:cubicBezTo>
+                        <a:pt x="353085" y="295746"/>
+                        <a:pt x="360629" y="417968"/>
+                        <a:pt x="398352" y="416459"/>
+                      </a:cubicBezTo>
+                      <a:cubicBezTo>
+                        <a:pt x="436075" y="414950"/>
+                        <a:pt x="489641" y="316116"/>
+                        <a:pt x="543208" y="217283"/>
+                      </a:cubicBezTo>
+                    </a:path>
+                  </a:pathLst>
+                </a:custGeom>
+                <a:noFill/>
+                <a:ln>
+                  <a:solidFill>
+                    <a:schemeClr val="tx1"/>
+                  </a:solidFill>
+                </a:ln>
+              </p:spPr>
+              <p:style>
+                <a:lnRef idx="2">
+                  <a:schemeClr val="accent1">
+                    <a:shade val="50000"/>
+                  </a:schemeClr>
+                </a:lnRef>
+                <a:fillRef idx="1">
+                  <a:schemeClr val="accent1"/>
+                </a:fillRef>
+                <a:effectRef idx="0">
+                  <a:schemeClr val="accent1"/>
+                </a:effectRef>
+                <a:fontRef idx="minor">
+                  <a:schemeClr val="lt1"/>
+                </a:fontRef>
+              </p:style>
+              <p:txBody>
+                <a:bodyPr rtlCol="0" anchor="ctr"/>
+                <a:lstStyle/>
+                <a:p>
+                  <a:pPr algn="ctr"/>
+                  <a:endParaRPr lang="en-US"/>
+                </a:p>
+              </p:txBody>
+            </p:sp>
+          </p:grpSp>
+          <p:sp>
+            <p:nvSpPr>
+              <p:cNvPr id="66" name="Isosceles Triangle 65"/>
+              <p:cNvSpPr/>
+              <p:nvPr/>
+            </p:nvSpPr>
+            <p:spPr>
+              <a:xfrm rot="5400000">
+                <a:off x="4228489" y="3885971"/>
+                <a:ext cx="574600" cy="340259"/>
+              </a:xfrm>
+              <a:prstGeom prst="triangle">
+                <a:avLst/>
+              </a:prstGeom>
               <a:solidFill>
                 <a:schemeClr val="tx1"/>
               </a:solidFill>
+              <a:ln>
+                <a:noFill/>
+              </a:ln>
+            </p:spPr>
+            <p:style>
+              <a:lnRef idx="2">
+                <a:schemeClr val="accent1">
+                  <a:shade val="50000"/>
+                </a:schemeClr>
+              </a:lnRef>
+              <a:fillRef idx="1">
+                <a:schemeClr val="accent1"/>
+              </a:fillRef>
+              <a:effectRef idx="0">
+                <a:schemeClr val="accent1"/>
+              </a:effectRef>
+              <a:fontRef idx="minor">
+                <a:schemeClr val="lt1"/>
+              </a:fontRef>
+            </p:style>
+            <p:txBody>
+              <a:bodyPr rtlCol="0" anchor="ctr"/>
+              <a:lstStyle/>
+              <a:p>
+                <a:pPr algn="ctr"/>
+                <a:endParaRPr lang="en-US"/>
+              </a:p>
+            </p:txBody>
+          </p:sp>
+          <p:cxnSp>
+            <p:nvCxnSpPr>
+              <p:cNvPr id="67" name="Elbow Connector 66"/>
+              <p:cNvCxnSpPr/>
+              <p:nvPr/>
+            </p:nvCxnSpPr>
+            <p:spPr>
+              <a:xfrm>
+                <a:off x="3992949" y="4056100"/>
+                <a:ext cx="352711" cy="1"/>
+              </a:xfrm>
+              <a:prstGeom prst="bentConnector3">
+                <a:avLst/>
+              </a:prstGeom>
+              <a:ln w="12700">
+                <a:solidFill>
+                  <a:schemeClr val="tx1"/>
+                </a:solidFill>
+                <a:tailEnd type="arrow"/>
+              </a:ln>
+            </p:spPr>
+            <p:style>
+              <a:lnRef idx="1">
+                <a:schemeClr val="accent1"/>
+              </a:lnRef>
+              <a:fillRef idx="0">
+                <a:schemeClr val="accent1"/>
+              </a:fillRef>
+              <a:effectRef idx="0">
+                <a:schemeClr val="accent1"/>
+              </a:effectRef>
+              <a:fontRef idx="minor">
+                <a:schemeClr val="tx1"/>
+              </a:fontRef>
+            </p:style>
+          </p:cxnSp>
+          <p:sp>
+            <p:nvSpPr>
+              <p:cNvPr id="68" name="Left Brace 67"/>
+              <p:cNvSpPr/>
+              <p:nvPr/>
+            </p:nvSpPr>
+            <p:spPr>
+              <a:xfrm>
+                <a:off x="3281142" y="3676423"/>
+                <a:ext cx="226318" cy="774112"/>
+              </a:xfrm>
+              <a:prstGeom prst="leftBrace">
+                <a:avLst/>
+              </a:prstGeom>
+              <a:ln w="12700">
+                <a:solidFill>
+                  <a:schemeClr val="tx1"/>
+                </a:solidFill>
+              </a:ln>
+            </p:spPr>
+            <p:style>
+              <a:lnRef idx="1">
+                <a:schemeClr val="accent1"/>
+              </a:lnRef>
+              <a:fillRef idx="0">
+                <a:schemeClr val="accent1"/>
+              </a:fillRef>
+              <a:effectRef idx="0">
+                <a:schemeClr val="accent1"/>
+              </a:effectRef>
+              <a:fontRef idx="minor">
+                <a:schemeClr val="tx1"/>
+              </a:fontRef>
+            </p:style>
+            <p:txBody>
+              <a:bodyPr rtlCol="0" anchor="ctr"/>
+              <a:lstStyle/>
+              <a:p>
+                <a:pPr algn="ctr"/>
+                <a:endParaRPr lang="en-US"/>
+              </a:p>
+            </p:txBody>
+          </p:sp>
+          <p:sp>
+            <p:nvSpPr>
+              <p:cNvPr id="69" name="Left Brace 68"/>
+              <p:cNvSpPr/>
+              <p:nvPr/>
+            </p:nvSpPr>
+            <p:spPr>
+              <a:xfrm rot="10800000">
+                <a:off x="4684421" y="3727744"/>
+                <a:ext cx="226318" cy="774112"/>
+              </a:xfrm>
+              <a:prstGeom prst="leftBrace">
+                <a:avLst/>
+              </a:prstGeom>
+              <a:ln w="12700">
+                <a:solidFill>
+                  <a:schemeClr val="tx1"/>
+                </a:solidFill>
+              </a:ln>
+            </p:spPr>
+            <p:style>
+              <a:lnRef idx="1">
+                <a:schemeClr val="accent1"/>
+              </a:lnRef>
+              <a:fillRef idx="0">
+                <a:schemeClr val="accent1"/>
+              </a:fillRef>
+              <a:effectRef idx="0">
+                <a:schemeClr val="accent1"/>
+              </a:effectRef>
+              <a:fontRef idx="minor">
+                <a:schemeClr val="tx1"/>
+              </a:fontRef>
+            </p:style>
+            <p:txBody>
+              <a:bodyPr rtlCol="0" anchor="ctr"/>
+              <a:lstStyle/>
+              <a:p>
+                <a:pPr algn="ctr"/>
+                <a:endParaRPr lang="en-US"/>
+              </a:p>
+            </p:txBody>
+          </p:sp>
+        </p:grpSp>
+        <p:cxnSp>
+          <p:nvCxnSpPr>
+            <p:cNvPr id="72" name="Straight Arrow Connector 71"/>
+            <p:cNvCxnSpPr>
+              <a:stCxn id="69" idx="1"/>
+            </p:cNvCxnSpPr>
+            <p:nvPr/>
+          </p:nvCxnSpPr>
+          <p:spPr>
+            <a:xfrm>
+              <a:off x="3501039" y="4114800"/>
+              <a:ext cx="651861" cy="0"/>
+            </a:xfrm>
+            <a:prstGeom prst="straightConnector1">
+              <a:avLst/>
+            </a:prstGeom>
+            <a:ln w="15875">
+              <a:solidFill>
+                <a:schemeClr val="tx1"/>
+              </a:solidFill>
+              <a:prstDash val="dash"/>
+              <a:tailEnd type="arrow"/>
             </a:ln>
           </p:spPr>
           <p:style>
@@ -5523,892 +5585,845 @@
               <a:schemeClr val="tx1"/>
             </a:fontRef>
           </p:style>
-          <p:txBody>
-            <a:bodyPr rtlCol="0" anchor="ctr"/>
-            <a:lstStyle/>
-            <a:p>
-              <a:pPr algn="ctr"/>
-              <a:endParaRPr lang="en-US"/>
-            </a:p>
-          </p:txBody>
-        </p:sp>
-      </p:grpSp>
-      <p:cxnSp>
-        <p:nvCxnSpPr>
-          <p:cNvPr id="72" name="Straight Arrow Connector 71"/>
-          <p:cNvCxnSpPr>
-            <a:stCxn id="69" idx="1"/>
-          </p:cNvCxnSpPr>
-          <p:nvPr/>
-        </p:nvCxnSpPr>
-        <p:spPr>
-          <a:xfrm>
-            <a:off x="3501039" y="4114800"/>
-            <a:ext cx="651861" cy="0"/>
-          </a:xfrm>
-          <a:prstGeom prst="straightConnector1">
-            <a:avLst/>
-          </a:prstGeom>
-          <a:ln w="15875">
-            <a:solidFill>
-              <a:schemeClr val="tx1"/>
-            </a:solidFill>
-            <a:prstDash val="dash"/>
-            <a:tailEnd type="arrow"/>
-          </a:ln>
-        </p:spPr>
-        <p:style>
-          <a:lnRef idx="1">
-            <a:schemeClr val="accent1"/>
-          </a:lnRef>
-          <a:fillRef idx="0">
-            <a:schemeClr val="accent1"/>
-          </a:fillRef>
-          <a:effectRef idx="0">
-            <a:schemeClr val="accent1"/>
-          </a:effectRef>
-          <a:fontRef idx="minor">
-            <a:schemeClr val="tx1"/>
-          </a:fontRef>
-        </p:style>
-      </p:cxnSp>
-      <p:cxnSp>
-        <p:nvCxnSpPr>
-          <p:cNvPr id="73" name="Straight Arrow Connector 72"/>
-          <p:cNvCxnSpPr/>
-          <p:nvPr/>
-        </p:nvCxnSpPr>
-        <p:spPr>
-          <a:xfrm flipV="1">
-            <a:off x="3507634" y="3768800"/>
-            <a:ext cx="1369166" cy="346000"/>
-          </a:xfrm>
-          <a:prstGeom prst="straightConnector1">
-            <a:avLst/>
-          </a:prstGeom>
-          <a:ln w="15875">
-            <a:solidFill>
-              <a:schemeClr val="tx1"/>
-            </a:solidFill>
-            <a:prstDash val="dash"/>
-            <a:tailEnd type="arrow"/>
-          </a:ln>
-        </p:spPr>
-        <p:style>
-          <a:lnRef idx="1">
-            <a:schemeClr val="accent1"/>
-          </a:lnRef>
-          <a:fillRef idx="0">
-            <a:schemeClr val="accent1"/>
-          </a:fillRef>
-          <a:effectRef idx="0">
-            <a:schemeClr val="accent1"/>
-          </a:effectRef>
-          <a:fontRef idx="minor">
-            <a:schemeClr val="tx1"/>
-          </a:fontRef>
-        </p:style>
-      </p:cxnSp>
-      <p:cxnSp>
-        <p:nvCxnSpPr>
-          <p:cNvPr id="77" name="Straight Arrow Connector 76"/>
-          <p:cNvCxnSpPr>
-            <a:stCxn id="69" idx="1"/>
-          </p:cNvCxnSpPr>
-          <p:nvPr/>
-        </p:nvCxnSpPr>
-        <p:spPr>
-          <a:xfrm>
-            <a:off x="3501039" y="4114800"/>
-            <a:ext cx="766161" cy="1371600"/>
-          </a:xfrm>
-          <a:prstGeom prst="straightConnector1">
-            <a:avLst/>
-          </a:prstGeom>
-          <a:ln w="15875">
-            <a:solidFill>
-              <a:schemeClr val="tx1"/>
-            </a:solidFill>
-            <a:prstDash val="dash"/>
-            <a:tailEnd type="arrow"/>
-          </a:ln>
-        </p:spPr>
-        <p:style>
-          <a:lnRef idx="1">
-            <a:schemeClr val="accent1"/>
-          </a:lnRef>
-          <a:fillRef idx="0">
-            <a:schemeClr val="accent1"/>
-          </a:fillRef>
-          <a:effectRef idx="0">
-            <a:schemeClr val="accent1"/>
-          </a:effectRef>
-          <a:fontRef idx="minor">
-            <a:schemeClr val="tx1"/>
-          </a:fontRef>
-        </p:style>
-      </p:cxnSp>
-      <p:grpSp>
-        <p:nvGrpSpPr>
-          <p:cNvPr id="88" name="Group 87"/>
-          <p:cNvGrpSpPr/>
-          <p:nvPr/>
-        </p:nvGrpSpPr>
-        <p:grpSpPr>
-          <a:xfrm rot="5400000">
-            <a:off x="5422236" y="690982"/>
-            <a:ext cx="664189" cy="2636268"/>
-            <a:chOff x="7136698" y="3789400"/>
-            <a:chExt cx="664189" cy="1751321"/>
-          </a:xfrm>
-        </p:grpSpPr>
-        <p:sp>
-          <p:nvSpPr>
-            <p:cNvPr id="84" name="Freeform 83"/>
-            <p:cNvSpPr/>
+        </p:cxnSp>
+        <p:cxnSp>
+          <p:nvCxnSpPr>
+            <p:cNvPr id="73" name="Straight Arrow Connector 72"/>
+            <p:cNvCxnSpPr/>
             <p:nvPr/>
-          </p:nvSpPr>
+          </p:nvCxnSpPr>
           <p:spPr>
-            <a:xfrm>
-              <a:off x="7239000" y="3789400"/>
-              <a:ext cx="381000" cy="1751321"/>
+            <a:xfrm flipV="1">
+              <a:off x="3507634" y="3768800"/>
+              <a:ext cx="1369166" cy="346000"/>
             </a:xfrm>
-            <a:custGeom>
+            <a:prstGeom prst="straightConnector1">
               <a:avLst/>
-              <a:gdLst>
-                <a:gd name="connsiteX0" fmla="*/ 145050 w 339026"/>
-                <a:gd name="connsiteY0" fmla="*/ 1484945 h 1493999"/>
-                <a:gd name="connsiteX1" fmla="*/ 195 w 339026"/>
-                <a:gd name="connsiteY1" fmla="*/ 353262 h 1493999"/>
-                <a:gd name="connsiteX2" fmla="*/ 172211 w 339026"/>
-                <a:gd name="connsiteY2" fmla="*/ 177 h 1493999"/>
-                <a:gd name="connsiteX3" fmla="*/ 335173 w 339026"/>
-                <a:gd name="connsiteY3" fmla="*/ 326102 h 1493999"/>
-                <a:gd name="connsiteX4" fmla="*/ 271799 w 339026"/>
-                <a:gd name="connsiteY4" fmla="*/ 1493999 h 1493999"/>
-              </a:gdLst>
-              <a:ahLst/>
-              <a:cxnLst>
-                <a:cxn ang="0">
-                  <a:pos x="connsiteX0" y="connsiteY0"/>
-                </a:cxn>
-                <a:cxn ang="0">
-                  <a:pos x="connsiteX1" y="connsiteY1"/>
-                </a:cxn>
-                <a:cxn ang="0">
-                  <a:pos x="connsiteX2" y="connsiteY2"/>
-                </a:cxn>
-                <a:cxn ang="0">
-                  <a:pos x="connsiteX3" y="connsiteY3"/>
-                </a:cxn>
-                <a:cxn ang="0">
-                  <a:pos x="connsiteX4" y="connsiteY4"/>
-                </a:cxn>
-              </a:cxnLst>
-              <a:rect l="l" t="t" r="r" b="b"/>
-              <a:pathLst>
-                <a:path w="339026" h="1493999">
-                  <a:moveTo>
-                    <a:pt x="145050" y="1484945"/>
-                  </a:moveTo>
-                  <a:cubicBezTo>
-                    <a:pt x="70359" y="1042834"/>
-                    <a:pt x="-4332" y="600723"/>
-                    <a:pt x="195" y="353262"/>
-                  </a:cubicBezTo>
-                  <a:cubicBezTo>
-                    <a:pt x="4722" y="105801"/>
-                    <a:pt x="116381" y="4704"/>
-                    <a:pt x="172211" y="177"/>
-                  </a:cubicBezTo>
-                  <a:cubicBezTo>
-                    <a:pt x="228041" y="-4350"/>
-                    <a:pt x="318575" y="77132"/>
-                    <a:pt x="335173" y="326102"/>
-                  </a:cubicBezTo>
-                  <a:cubicBezTo>
-                    <a:pt x="351771" y="575072"/>
-                    <a:pt x="311785" y="1034535"/>
-                    <a:pt x="271799" y="1493999"/>
-                  </a:cubicBezTo>
-                </a:path>
-              </a:pathLst>
-            </a:custGeom>
-            <a:gradFill flip="none" rotWithShape="1">
-              <a:gsLst>
-                <a:gs pos="0">
-                  <a:srgbClr val="000082"/>
-                </a:gs>
-                <a:gs pos="30000">
-                  <a:srgbClr val="66008F"/>
-                </a:gs>
-                <a:gs pos="64999">
-                  <a:srgbClr val="BA0066"/>
-                </a:gs>
-                <a:gs pos="89999">
-                  <a:srgbClr val="FF0000"/>
-                </a:gs>
-                <a:gs pos="100000">
-                  <a:srgbClr val="FF8200"/>
-                </a:gs>
-              </a:gsLst>
-              <a:lin ang="16200000" scaled="1"/>
-              <a:tileRect/>
-            </a:gradFill>
-            <a:ln>
-              <a:noFill/>
+            </a:prstGeom>
+            <a:ln w="15875">
+              <a:solidFill>
+                <a:schemeClr val="tx1"/>
+              </a:solidFill>
+              <a:prstDash val="dash"/>
+              <a:tailEnd type="arrow"/>
             </a:ln>
           </p:spPr>
           <p:style>
-            <a:lnRef idx="2">
-              <a:schemeClr val="accent1">
-                <a:shade val="50000"/>
-              </a:schemeClr>
+            <a:lnRef idx="1">
+              <a:schemeClr val="accent1"/>
             </a:lnRef>
-            <a:fillRef idx="1">
+            <a:fillRef idx="0">
               <a:schemeClr val="accent1"/>
             </a:fillRef>
             <a:effectRef idx="0">
               <a:schemeClr val="accent1"/>
             </a:effectRef>
             <a:fontRef idx="minor">
-              <a:schemeClr val="lt1"/>
+              <a:schemeClr val="tx1"/>
             </a:fontRef>
           </p:style>
-          <p:txBody>
-            <a:bodyPr rtlCol="0" anchor="ctr"/>
-            <a:lstStyle/>
-            <a:p>
-              <a:pPr algn="ctr"/>
-              <a:endParaRPr lang="en-US"/>
-            </a:p>
-          </p:txBody>
-        </p:sp>
-        <p:sp>
-          <p:nvSpPr>
-            <p:cNvPr id="85" name="Freeform 84"/>
-            <p:cNvSpPr/>
+        </p:cxnSp>
+        <p:cxnSp>
+          <p:nvCxnSpPr>
+            <p:cNvPr id="77" name="Straight Arrow Connector 76"/>
+            <p:cNvCxnSpPr>
+              <a:stCxn id="69" idx="1"/>
+            </p:cNvCxnSpPr>
             <p:nvPr/>
-          </p:nvSpPr>
+          </p:nvCxnSpPr>
           <p:spPr>
-            <a:xfrm rot="1425764">
-              <a:off x="7539444" y="4931297"/>
-              <a:ext cx="261443" cy="606319"/>
+            <a:xfrm>
+              <a:off x="3501039" y="4114800"/>
+              <a:ext cx="766161" cy="1371600"/>
             </a:xfrm>
-            <a:custGeom>
+            <a:prstGeom prst="straightConnector1">
               <a:avLst/>
-              <a:gdLst>
-                <a:gd name="connsiteX0" fmla="*/ 145050 w 339026"/>
-                <a:gd name="connsiteY0" fmla="*/ 1484945 h 1493999"/>
-                <a:gd name="connsiteX1" fmla="*/ 195 w 339026"/>
-                <a:gd name="connsiteY1" fmla="*/ 353262 h 1493999"/>
-                <a:gd name="connsiteX2" fmla="*/ 172211 w 339026"/>
-                <a:gd name="connsiteY2" fmla="*/ 177 h 1493999"/>
-                <a:gd name="connsiteX3" fmla="*/ 335173 w 339026"/>
-                <a:gd name="connsiteY3" fmla="*/ 326102 h 1493999"/>
-                <a:gd name="connsiteX4" fmla="*/ 271799 w 339026"/>
-                <a:gd name="connsiteY4" fmla="*/ 1493999 h 1493999"/>
-              </a:gdLst>
-              <a:ahLst/>
-              <a:cxnLst>
-                <a:cxn ang="0">
-                  <a:pos x="connsiteX0" y="connsiteY0"/>
-                </a:cxn>
-                <a:cxn ang="0">
-                  <a:pos x="connsiteX1" y="connsiteY1"/>
-                </a:cxn>
-                <a:cxn ang="0">
-                  <a:pos x="connsiteX2" y="connsiteY2"/>
-                </a:cxn>
-                <a:cxn ang="0">
-                  <a:pos x="connsiteX3" y="connsiteY3"/>
-                </a:cxn>
-                <a:cxn ang="0">
-                  <a:pos x="connsiteX4" y="connsiteY4"/>
-                </a:cxn>
-              </a:cxnLst>
-              <a:rect l="l" t="t" r="r" b="b"/>
-              <a:pathLst>
-                <a:path w="339026" h="1493999">
-                  <a:moveTo>
-                    <a:pt x="145050" y="1484945"/>
-                  </a:moveTo>
-                  <a:cubicBezTo>
-                    <a:pt x="70359" y="1042834"/>
-                    <a:pt x="-4332" y="600723"/>
-                    <a:pt x="195" y="353262"/>
-                  </a:cubicBezTo>
-                  <a:cubicBezTo>
-                    <a:pt x="4722" y="105801"/>
-                    <a:pt x="116381" y="4704"/>
-                    <a:pt x="172211" y="177"/>
-                  </a:cubicBezTo>
-                  <a:cubicBezTo>
-                    <a:pt x="228041" y="-4350"/>
-                    <a:pt x="318575" y="77132"/>
-                    <a:pt x="335173" y="326102"/>
-                  </a:cubicBezTo>
-                  <a:cubicBezTo>
-                    <a:pt x="351771" y="575072"/>
-                    <a:pt x="311785" y="1034535"/>
-                    <a:pt x="271799" y="1493999"/>
-                  </a:cubicBezTo>
-                </a:path>
-              </a:pathLst>
-            </a:custGeom>
-            <a:gradFill flip="none" rotWithShape="1">
-              <a:gsLst>
-                <a:gs pos="0">
-                  <a:srgbClr val="000082"/>
-                </a:gs>
-                <a:gs pos="30000">
-                  <a:srgbClr val="66008F"/>
-                </a:gs>
-                <a:gs pos="64999">
-                  <a:srgbClr val="BA0066"/>
-                </a:gs>
-                <a:gs pos="89999">
-                  <a:srgbClr val="FF0000"/>
-                </a:gs>
-                <a:gs pos="100000">
-                  <a:srgbClr val="FF8200"/>
-                </a:gs>
-              </a:gsLst>
-              <a:lin ang="16200000" scaled="1"/>
-              <a:tileRect/>
-            </a:gradFill>
-            <a:ln>
-              <a:noFill/>
+            </a:prstGeom>
+            <a:ln w="15875">
+              <a:solidFill>
+                <a:schemeClr val="tx1"/>
+              </a:solidFill>
+              <a:prstDash val="dash"/>
+              <a:tailEnd type="arrow"/>
             </a:ln>
           </p:spPr>
           <p:style>
-            <a:lnRef idx="2">
-              <a:schemeClr val="accent1">
-                <a:shade val="50000"/>
-              </a:schemeClr>
+            <a:lnRef idx="1">
+              <a:schemeClr val="accent1"/>
             </a:lnRef>
-            <a:fillRef idx="1">
+            <a:fillRef idx="0">
               <a:schemeClr val="accent1"/>
             </a:fillRef>
             <a:effectRef idx="0">
               <a:schemeClr val="accent1"/>
             </a:effectRef>
             <a:fontRef idx="minor">
-              <a:schemeClr val="lt1"/>
+              <a:schemeClr val="tx1"/>
             </a:fontRef>
           </p:style>
-          <p:txBody>
-            <a:bodyPr rtlCol="0" anchor="ctr"/>
-            <a:lstStyle/>
-            <a:p>
-              <a:pPr algn="ctr"/>
-              <a:endParaRPr lang="en-US"/>
-            </a:p>
-          </p:txBody>
-        </p:sp>
-        <p:sp>
-          <p:nvSpPr>
-            <p:cNvPr id="87" name="Freeform 86"/>
-            <p:cNvSpPr/>
+        </p:cxnSp>
+        <p:grpSp>
+          <p:nvGrpSpPr>
+            <p:cNvPr id="88" name="Group 87"/>
+            <p:cNvGrpSpPr/>
             <p:nvPr/>
-          </p:nvSpPr>
-          <p:spPr>
-            <a:xfrm rot="20214264" flipH="1">
-              <a:off x="7136698" y="4883262"/>
-              <a:ext cx="261443" cy="650036"/>
+          </p:nvGrpSpPr>
+          <p:grpSpPr>
+            <a:xfrm rot="5400000">
+              <a:off x="5422236" y="690982"/>
+              <a:ext cx="664189" cy="2636268"/>
+              <a:chOff x="7136698" y="3789400"/>
+              <a:chExt cx="664189" cy="1751321"/>
             </a:xfrm>
-            <a:custGeom>
-              <a:avLst/>
-              <a:gdLst>
-                <a:gd name="connsiteX0" fmla="*/ 145050 w 339026"/>
-                <a:gd name="connsiteY0" fmla="*/ 1484945 h 1493999"/>
-                <a:gd name="connsiteX1" fmla="*/ 195 w 339026"/>
-                <a:gd name="connsiteY1" fmla="*/ 353262 h 1493999"/>
-                <a:gd name="connsiteX2" fmla="*/ 172211 w 339026"/>
-                <a:gd name="connsiteY2" fmla="*/ 177 h 1493999"/>
-                <a:gd name="connsiteX3" fmla="*/ 335173 w 339026"/>
-                <a:gd name="connsiteY3" fmla="*/ 326102 h 1493999"/>
-                <a:gd name="connsiteX4" fmla="*/ 271799 w 339026"/>
-                <a:gd name="connsiteY4" fmla="*/ 1493999 h 1493999"/>
-              </a:gdLst>
-              <a:ahLst/>
-              <a:cxnLst>
-                <a:cxn ang="0">
-                  <a:pos x="connsiteX0" y="connsiteY0"/>
-                </a:cxn>
-                <a:cxn ang="0">
-                  <a:pos x="connsiteX1" y="connsiteY1"/>
-                </a:cxn>
-                <a:cxn ang="0">
-                  <a:pos x="connsiteX2" y="connsiteY2"/>
-                </a:cxn>
-                <a:cxn ang="0">
-                  <a:pos x="connsiteX3" y="connsiteY3"/>
-                </a:cxn>
-                <a:cxn ang="0">
-                  <a:pos x="connsiteX4" y="connsiteY4"/>
-                </a:cxn>
-              </a:cxnLst>
-              <a:rect l="l" t="t" r="r" b="b"/>
-              <a:pathLst>
-                <a:path w="339026" h="1493999">
-                  <a:moveTo>
-                    <a:pt x="145050" y="1484945"/>
-                  </a:moveTo>
-                  <a:cubicBezTo>
-                    <a:pt x="70359" y="1042834"/>
-                    <a:pt x="-4332" y="600723"/>
-                    <a:pt x="195" y="353262"/>
-                  </a:cubicBezTo>
-                  <a:cubicBezTo>
-                    <a:pt x="4722" y="105801"/>
-                    <a:pt x="116381" y="4704"/>
-                    <a:pt x="172211" y="177"/>
-                  </a:cubicBezTo>
-                  <a:cubicBezTo>
-                    <a:pt x="228041" y="-4350"/>
-                    <a:pt x="318575" y="77132"/>
-                    <a:pt x="335173" y="326102"/>
-                  </a:cubicBezTo>
-                  <a:cubicBezTo>
-                    <a:pt x="351771" y="575072"/>
-                    <a:pt x="311785" y="1034535"/>
-                    <a:pt x="271799" y="1493999"/>
-                  </a:cubicBezTo>
-                </a:path>
-              </a:pathLst>
-            </a:custGeom>
-            <a:gradFill flip="none" rotWithShape="1">
-              <a:gsLst>
-                <a:gs pos="0">
-                  <a:srgbClr val="000082"/>
-                </a:gs>
-                <a:gs pos="30000">
-                  <a:srgbClr val="66008F"/>
-                </a:gs>
-                <a:gs pos="64999">
-                  <a:srgbClr val="BA0066"/>
-                </a:gs>
-                <a:gs pos="89999">
-                  <a:srgbClr val="FF0000"/>
-                </a:gs>
-                <a:gs pos="100000">
-                  <a:srgbClr val="FF8200"/>
-                </a:gs>
-              </a:gsLst>
-              <a:lin ang="16200000" scaled="1"/>
-              <a:tileRect/>
-            </a:gradFill>
-            <a:ln>
-              <a:noFill/>
-            </a:ln>
-          </p:spPr>
-          <p:style>
-            <a:lnRef idx="2">
-              <a:schemeClr val="accent1">
-                <a:shade val="50000"/>
-              </a:schemeClr>
-            </a:lnRef>
-            <a:fillRef idx="1">
-              <a:schemeClr val="accent1"/>
-            </a:fillRef>
-            <a:effectRef idx="0">
-              <a:schemeClr val="accent1"/>
-            </a:effectRef>
-            <a:fontRef idx="minor">
-              <a:schemeClr val="lt1"/>
-            </a:fontRef>
-          </p:style>
-          <p:txBody>
-            <a:bodyPr rtlCol="0" anchor="ctr"/>
-            <a:lstStyle/>
-            <a:p>
-              <a:pPr algn="ctr"/>
-              <a:endParaRPr lang="en-US"/>
-            </a:p>
-          </p:txBody>
-        </p:sp>
-      </p:grpSp>
-      <p:grpSp>
-        <p:nvGrpSpPr>
-          <p:cNvPr id="93" name="Group 92"/>
-          <p:cNvGrpSpPr/>
-          <p:nvPr/>
-        </p:nvGrpSpPr>
-        <p:grpSpPr>
-          <a:xfrm rot="5400000">
-            <a:off x="5405639" y="3253866"/>
-            <a:ext cx="664189" cy="2636268"/>
-            <a:chOff x="7136698" y="3789400"/>
-            <a:chExt cx="664189" cy="1751321"/>
-          </a:xfrm>
-        </p:grpSpPr>
-        <p:sp>
-          <p:nvSpPr>
-            <p:cNvPr id="94" name="Freeform 93"/>
-            <p:cNvSpPr/>
+          </p:grpSpPr>
+          <p:sp>
+            <p:nvSpPr>
+              <p:cNvPr id="84" name="Freeform 83"/>
+              <p:cNvSpPr/>
+              <p:nvPr/>
+            </p:nvSpPr>
+            <p:spPr>
+              <a:xfrm>
+                <a:off x="7239000" y="3789400"/>
+                <a:ext cx="381000" cy="1751321"/>
+              </a:xfrm>
+              <a:custGeom>
+                <a:avLst/>
+                <a:gdLst>
+                  <a:gd name="connsiteX0" fmla="*/ 145050 w 339026"/>
+                  <a:gd name="connsiteY0" fmla="*/ 1484945 h 1493999"/>
+                  <a:gd name="connsiteX1" fmla="*/ 195 w 339026"/>
+                  <a:gd name="connsiteY1" fmla="*/ 353262 h 1493999"/>
+                  <a:gd name="connsiteX2" fmla="*/ 172211 w 339026"/>
+                  <a:gd name="connsiteY2" fmla="*/ 177 h 1493999"/>
+                  <a:gd name="connsiteX3" fmla="*/ 335173 w 339026"/>
+                  <a:gd name="connsiteY3" fmla="*/ 326102 h 1493999"/>
+                  <a:gd name="connsiteX4" fmla="*/ 271799 w 339026"/>
+                  <a:gd name="connsiteY4" fmla="*/ 1493999 h 1493999"/>
+                </a:gdLst>
+                <a:ahLst/>
+                <a:cxnLst>
+                  <a:cxn ang="0">
+                    <a:pos x="connsiteX0" y="connsiteY0"/>
+                  </a:cxn>
+                  <a:cxn ang="0">
+                    <a:pos x="connsiteX1" y="connsiteY1"/>
+                  </a:cxn>
+                  <a:cxn ang="0">
+                    <a:pos x="connsiteX2" y="connsiteY2"/>
+                  </a:cxn>
+                  <a:cxn ang="0">
+                    <a:pos x="connsiteX3" y="connsiteY3"/>
+                  </a:cxn>
+                  <a:cxn ang="0">
+                    <a:pos x="connsiteX4" y="connsiteY4"/>
+                  </a:cxn>
+                </a:cxnLst>
+                <a:rect l="l" t="t" r="r" b="b"/>
+                <a:pathLst>
+                  <a:path w="339026" h="1493999">
+                    <a:moveTo>
+                      <a:pt x="145050" y="1484945"/>
+                    </a:moveTo>
+                    <a:cubicBezTo>
+                      <a:pt x="70359" y="1042834"/>
+                      <a:pt x="-4332" y="600723"/>
+                      <a:pt x="195" y="353262"/>
+                    </a:cubicBezTo>
+                    <a:cubicBezTo>
+                      <a:pt x="4722" y="105801"/>
+                      <a:pt x="116381" y="4704"/>
+                      <a:pt x="172211" y="177"/>
+                    </a:cubicBezTo>
+                    <a:cubicBezTo>
+                      <a:pt x="228041" y="-4350"/>
+                      <a:pt x="318575" y="77132"/>
+                      <a:pt x="335173" y="326102"/>
+                    </a:cubicBezTo>
+                    <a:cubicBezTo>
+                      <a:pt x="351771" y="575072"/>
+                      <a:pt x="311785" y="1034535"/>
+                      <a:pt x="271799" y="1493999"/>
+                    </a:cubicBezTo>
+                  </a:path>
+                </a:pathLst>
+              </a:custGeom>
+              <a:gradFill flip="none" rotWithShape="1">
+                <a:gsLst>
+                  <a:gs pos="0">
+                    <a:srgbClr val="000082"/>
+                  </a:gs>
+                  <a:gs pos="30000">
+                    <a:srgbClr val="66008F"/>
+                  </a:gs>
+                  <a:gs pos="64999">
+                    <a:srgbClr val="BA0066"/>
+                  </a:gs>
+                  <a:gs pos="89999">
+                    <a:srgbClr val="FF0000"/>
+                  </a:gs>
+                  <a:gs pos="100000">
+                    <a:srgbClr val="FF8200"/>
+                  </a:gs>
+                </a:gsLst>
+                <a:lin ang="16200000" scaled="1"/>
+                <a:tileRect/>
+              </a:gradFill>
+              <a:ln>
+                <a:noFill/>
+              </a:ln>
+            </p:spPr>
+            <p:style>
+              <a:lnRef idx="2">
+                <a:schemeClr val="accent1">
+                  <a:shade val="50000"/>
+                </a:schemeClr>
+              </a:lnRef>
+              <a:fillRef idx="1">
+                <a:schemeClr val="accent1"/>
+              </a:fillRef>
+              <a:effectRef idx="0">
+                <a:schemeClr val="accent1"/>
+              </a:effectRef>
+              <a:fontRef idx="minor">
+                <a:schemeClr val="lt1"/>
+              </a:fontRef>
+            </p:style>
+            <p:txBody>
+              <a:bodyPr rtlCol="0" anchor="ctr"/>
+              <a:lstStyle/>
+              <a:p>
+                <a:pPr algn="ctr"/>
+                <a:endParaRPr lang="en-US"/>
+              </a:p>
+            </p:txBody>
+          </p:sp>
+          <p:sp>
+            <p:nvSpPr>
+              <p:cNvPr id="85" name="Freeform 84"/>
+              <p:cNvSpPr/>
+              <p:nvPr/>
+            </p:nvSpPr>
+            <p:spPr>
+              <a:xfrm rot="1425764">
+                <a:off x="7539444" y="4931297"/>
+                <a:ext cx="261443" cy="606319"/>
+              </a:xfrm>
+              <a:custGeom>
+                <a:avLst/>
+                <a:gdLst>
+                  <a:gd name="connsiteX0" fmla="*/ 145050 w 339026"/>
+                  <a:gd name="connsiteY0" fmla="*/ 1484945 h 1493999"/>
+                  <a:gd name="connsiteX1" fmla="*/ 195 w 339026"/>
+                  <a:gd name="connsiteY1" fmla="*/ 353262 h 1493999"/>
+                  <a:gd name="connsiteX2" fmla="*/ 172211 w 339026"/>
+                  <a:gd name="connsiteY2" fmla="*/ 177 h 1493999"/>
+                  <a:gd name="connsiteX3" fmla="*/ 335173 w 339026"/>
+                  <a:gd name="connsiteY3" fmla="*/ 326102 h 1493999"/>
+                  <a:gd name="connsiteX4" fmla="*/ 271799 w 339026"/>
+                  <a:gd name="connsiteY4" fmla="*/ 1493999 h 1493999"/>
+                </a:gdLst>
+                <a:ahLst/>
+                <a:cxnLst>
+                  <a:cxn ang="0">
+                    <a:pos x="connsiteX0" y="connsiteY0"/>
+                  </a:cxn>
+                  <a:cxn ang="0">
+                    <a:pos x="connsiteX1" y="connsiteY1"/>
+                  </a:cxn>
+                  <a:cxn ang="0">
+                    <a:pos x="connsiteX2" y="connsiteY2"/>
+                  </a:cxn>
+                  <a:cxn ang="0">
+                    <a:pos x="connsiteX3" y="connsiteY3"/>
+                  </a:cxn>
+                  <a:cxn ang="0">
+                    <a:pos x="connsiteX4" y="connsiteY4"/>
+                  </a:cxn>
+                </a:cxnLst>
+                <a:rect l="l" t="t" r="r" b="b"/>
+                <a:pathLst>
+                  <a:path w="339026" h="1493999">
+                    <a:moveTo>
+                      <a:pt x="145050" y="1484945"/>
+                    </a:moveTo>
+                    <a:cubicBezTo>
+                      <a:pt x="70359" y="1042834"/>
+                      <a:pt x="-4332" y="600723"/>
+                      <a:pt x="195" y="353262"/>
+                    </a:cubicBezTo>
+                    <a:cubicBezTo>
+                      <a:pt x="4722" y="105801"/>
+                      <a:pt x="116381" y="4704"/>
+                      <a:pt x="172211" y="177"/>
+                    </a:cubicBezTo>
+                    <a:cubicBezTo>
+                      <a:pt x="228041" y="-4350"/>
+                      <a:pt x="318575" y="77132"/>
+                      <a:pt x="335173" y="326102"/>
+                    </a:cubicBezTo>
+                    <a:cubicBezTo>
+                      <a:pt x="351771" y="575072"/>
+                      <a:pt x="311785" y="1034535"/>
+                      <a:pt x="271799" y="1493999"/>
+                    </a:cubicBezTo>
+                  </a:path>
+                </a:pathLst>
+              </a:custGeom>
+              <a:gradFill flip="none" rotWithShape="1">
+                <a:gsLst>
+                  <a:gs pos="0">
+                    <a:srgbClr val="000082"/>
+                  </a:gs>
+                  <a:gs pos="30000">
+                    <a:srgbClr val="66008F"/>
+                  </a:gs>
+                  <a:gs pos="64999">
+                    <a:srgbClr val="BA0066"/>
+                  </a:gs>
+                  <a:gs pos="89999">
+                    <a:srgbClr val="FF0000"/>
+                  </a:gs>
+                  <a:gs pos="100000">
+                    <a:srgbClr val="FF8200"/>
+                  </a:gs>
+                </a:gsLst>
+                <a:lin ang="16200000" scaled="1"/>
+                <a:tileRect/>
+              </a:gradFill>
+              <a:ln>
+                <a:noFill/>
+              </a:ln>
+            </p:spPr>
+            <p:style>
+              <a:lnRef idx="2">
+                <a:schemeClr val="accent1">
+                  <a:shade val="50000"/>
+                </a:schemeClr>
+              </a:lnRef>
+              <a:fillRef idx="1">
+                <a:schemeClr val="accent1"/>
+              </a:fillRef>
+              <a:effectRef idx="0">
+                <a:schemeClr val="accent1"/>
+              </a:effectRef>
+              <a:fontRef idx="minor">
+                <a:schemeClr val="lt1"/>
+              </a:fontRef>
+            </p:style>
+            <p:txBody>
+              <a:bodyPr rtlCol="0" anchor="ctr"/>
+              <a:lstStyle/>
+              <a:p>
+                <a:pPr algn="ctr"/>
+                <a:endParaRPr lang="en-US"/>
+              </a:p>
+            </p:txBody>
+          </p:sp>
+          <p:sp>
+            <p:nvSpPr>
+              <p:cNvPr id="87" name="Freeform 86"/>
+              <p:cNvSpPr/>
+              <p:nvPr/>
+            </p:nvSpPr>
+            <p:spPr>
+              <a:xfrm rot="20214264" flipH="1">
+                <a:off x="7136698" y="4883262"/>
+                <a:ext cx="261443" cy="650036"/>
+              </a:xfrm>
+              <a:custGeom>
+                <a:avLst/>
+                <a:gdLst>
+                  <a:gd name="connsiteX0" fmla="*/ 145050 w 339026"/>
+                  <a:gd name="connsiteY0" fmla="*/ 1484945 h 1493999"/>
+                  <a:gd name="connsiteX1" fmla="*/ 195 w 339026"/>
+                  <a:gd name="connsiteY1" fmla="*/ 353262 h 1493999"/>
+                  <a:gd name="connsiteX2" fmla="*/ 172211 w 339026"/>
+                  <a:gd name="connsiteY2" fmla="*/ 177 h 1493999"/>
+                  <a:gd name="connsiteX3" fmla="*/ 335173 w 339026"/>
+                  <a:gd name="connsiteY3" fmla="*/ 326102 h 1493999"/>
+                  <a:gd name="connsiteX4" fmla="*/ 271799 w 339026"/>
+                  <a:gd name="connsiteY4" fmla="*/ 1493999 h 1493999"/>
+                </a:gdLst>
+                <a:ahLst/>
+                <a:cxnLst>
+                  <a:cxn ang="0">
+                    <a:pos x="connsiteX0" y="connsiteY0"/>
+                  </a:cxn>
+                  <a:cxn ang="0">
+                    <a:pos x="connsiteX1" y="connsiteY1"/>
+                  </a:cxn>
+                  <a:cxn ang="0">
+                    <a:pos x="connsiteX2" y="connsiteY2"/>
+                  </a:cxn>
+                  <a:cxn ang="0">
+                    <a:pos x="connsiteX3" y="connsiteY3"/>
+                  </a:cxn>
+                  <a:cxn ang="0">
+                    <a:pos x="connsiteX4" y="connsiteY4"/>
+                  </a:cxn>
+                </a:cxnLst>
+                <a:rect l="l" t="t" r="r" b="b"/>
+                <a:pathLst>
+                  <a:path w="339026" h="1493999">
+                    <a:moveTo>
+                      <a:pt x="145050" y="1484945"/>
+                    </a:moveTo>
+                    <a:cubicBezTo>
+                      <a:pt x="70359" y="1042834"/>
+                      <a:pt x="-4332" y="600723"/>
+                      <a:pt x="195" y="353262"/>
+                    </a:cubicBezTo>
+                    <a:cubicBezTo>
+                      <a:pt x="4722" y="105801"/>
+                      <a:pt x="116381" y="4704"/>
+                      <a:pt x="172211" y="177"/>
+                    </a:cubicBezTo>
+                    <a:cubicBezTo>
+                      <a:pt x="228041" y="-4350"/>
+                      <a:pt x="318575" y="77132"/>
+                      <a:pt x="335173" y="326102"/>
+                    </a:cubicBezTo>
+                    <a:cubicBezTo>
+                      <a:pt x="351771" y="575072"/>
+                      <a:pt x="311785" y="1034535"/>
+                      <a:pt x="271799" y="1493999"/>
+                    </a:cubicBezTo>
+                  </a:path>
+                </a:pathLst>
+              </a:custGeom>
+              <a:gradFill flip="none" rotWithShape="1">
+                <a:gsLst>
+                  <a:gs pos="0">
+                    <a:srgbClr val="000082"/>
+                  </a:gs>
+                  <a:gs pos="30000">
+                    <a:srgbClr val="66008F"/>
+                  </a:gs>
+                  <a:gs pos="64999">
+                    <a:srgbClr val="BA0066"/>
+                  </a:gs>
+                  <a:gs pos="89999">
+                    <a:srgbClr val="FF0000"/>
+                  </a:gs>
+                  <a:gs pos="100000">
+                    <a:srgbClr val="FF8200"/>
+                  </a:gs>
+                </a:gsLst>
+                <a:lin ang="16200000" scaled="1"/>
+                <a:tileRect/>
+              </a:gradFill>
+              <a:ln>
+                <a:noFill/>
+              </a:ln>
+            </p:spPr>
+            <p:style>
+              <a:lnRef idx="2">
+                <a:schemeClr val="accent1">
+                  <a:shade val="50000"/>
+                </a:schemeClr>
+              </a:lnRef>
+              <a:fillRef idx="1">
+                <a:schemeClr val="accent1"/>
+              </a:fillRef>
+              <a:effectRef idx="0">
+                <a:schemeClr val="accent1"/>
+              </a:effectRef>
+              <a:fontRef idx="minor">
+                <a:schemeClr val="lt1"/>
+              </a:fontRef>
+            </p:style>
+            <p:txBody>
+              <a:bodyPr rtlCol="0" anchor="ctr"/>
+              <a:lstStyle/>
+              <a:p>
+                <a:pPr algn="ctr"/>
+                <a:endParaRPr lang="en-US"/>
+              </a:p>
+            </p:txBody>
+          </p:sp>
+        </p:grpSp>
+        <p:grpSp>
+          <p:nvGrpSpPr>
+            <p:cNvPr id="93" name="Group 92"/>
+            <p:cNvGrpSpPr/>
             <p:nvPr/>
-          </p:nvSpPr>
-          <p:spPr>
-            <a:xfrm>
-              <a:off x="7239000" y="3789400"/>
-              <a:ext cx="381000" cy="1751321"/>
+          </p:nvGrpSpPr>
+          <p:grpSpPr>
+            <a:xfrm rot="5400000">
+              <a:off x="5405639" y="3253866"/>
+              <a:ext cx="664189" cy="2636268"/>
+              <a:chOff x="7136698" y="3789400"/>
+              <a:chExt cx="664189" cy="1751321"/>
             </a:xfrm>
-            <a:custGeom>
-              <a:avLst/>
-              <a:gdLst>
-                <a:gd name="connsiteX0" fmla="*/ 145050 w 339026"/>
-                <a:gd name="connsiteY0" fmla="*/ 1484945 h 1493999"/>
-                <a:gd name="connsiteX1" fmla="*/ 195 w 339026"/>
-                <a:gd name="connsiteY1" fmla="*/ 353262 h 1493999"/>
-                <a:gd name="connsiteX2" fmla="*/ 172211 w 339026"/>
-                <a:gd name="connsiteY2" fmla="*/ 177 h 1493999"/>
-                <a:gd name="connsiteX3" fmla="*/ 335173 w 339026"/>
-                <a:gd name="connsiteY3" fmla="*/ 326102 h 1493999"/>
-                <a:gd name="connsiteX4" fmla="*/ 271799 w 339026"/>
-                <a:gd name="connsiteY4" fmla="*/ 1493999 h 1493999"/>
-              </a:gdLst>
-              <a:ahLst/>
-              <a:cxnLst>
-                <a:cxn ang="0">
-                  <a:pos x="connsiteX0" y="connsiteY0"/>
-                </a:cxn>
-                <a:cxn ang="0">
-                  <a:pos x="connsiteX1" y="connsiteY1"/>
-                </a:cxn>
-                <a:cxn ang="0">
-                  <a:pos x="connsiteX2" y="connsiteY2"/>
-                </a:cxn>
-                <a:cxn ang="0">
-                  <a:pos x="connsiteX3" y="connsiteY3"/>
-                </a:cxn>
-                <a:cxn ang="0">
-                  <a:pos x="connsiteX4" y="connsiteY4"/>
-                </a:cxn>
-              </a:cxnLst>
-              <a:rect l="l" t="t" r="r" b="b"/>
-              <a:pathLst>
-                <a:path w="339026" h="1493999">
-                  <a:moveTo>
-                    <a:pt x="145050" y="1484945"/>
-                  </a:moveTo>
-                  <a:cubicBezTo>
-                    <a:pt x="70359" y="1042834"/>
-                    <a:pt x="-4332" y="600723"/>
-                    <a:pt x="195" y="353262"/>
-                  </a:cubicBezTo>
-                  <a:cubicBezTo>
-                    <a:pt x="4722" y="105801"/>
-                    <a:pt x="116381" y="4704"/>
-                    <a:pt x="172211" y="177"/>
-                  </a:cubicBezTo>
-                  <a:cubicBezTo>
-                    <a:pt x="228041" y="-4350"/>
-                    <a:pt x="318575" y="77132"/>
-                    <a:pt x="335173" y="326102"/>
-                  </a:cubicBezTo>
-                  <a:cubicBezTo>
-                    <a:pt x="351771" y="575072"/>
-                    <a:pt x="311785" y="1034535"/>
-                    <a:pt x="271799" y="1493999"/>
-                  </a:cubicBezTo>
-                </a:path>
-              </a:pathLst>
-            </a:custGeom>
-            <a:gradFill flip="none" rotWithShape="1">
-              <a:gsLst>
-                <a:gs pos="0">
-                  <a:srgbClr val="000082"/>
-                </a:gs>
-                <a:gs pos="30000">
-                  <a:srgbClr val="66008F"/>
-                </a:gs>
-                <a:gs pos="64999">
-                  <a:srgbClr val="BA0066"/>
-                </a:gs>
-                <a:gs pos="89999">
-                  <a:srgbClr val="FF0000"/>
-                </a:gs>
-                <a:gs pos="100000">
-                  <a:srgbClr val="FF8200"/>
-                </a:gs>
-              </a:gsLst>
-              <a:lin ang="16200000" scaled="1"/>
-              <a:tileRect/>
-            </a:gradFill>
-            <a:ln>
-              <a:noFill/>
-            </a:ln>
-          </p:spPr>
-          <p:style>
-            <a:lnRef idx="2">
-              <a:schemeClr val="accent1">
-                <a:shade val="50000"/>
-              </a:schemeClr>
-            </a:lnRef>
-            <a:fillRef idx="1">
-              <a:schemeClr val="accent1"/>
-            </a:fillRef>
-            <a:effectRef idx="0">
-              <a:schemeClr val="accent1"/>
-            </a:effectRef>
-            <a:fontRef idx="minor">
-              <a:schemeClr val="lt1"/>
-            </a:fontRef>
-          </p:style>
-          <p:txBody>
-            <a:bodyPr rtlCol="0" anchor="ctr"/>
-            <a:lstStyle/>
-            <a:p>
-              <a:pPr algn="ctr"/>
-              <a:endParaRPr lang="en-US"/>
-            </a:p>
-          </p:txBody>
-        </p:sp>
-        <p:sp>
-          <p:nvSpPr>
-            <p:cNvPr id="95" name="Freeform 94"/>
-            <p:cNvSpPr/>
-            <p:nvPr/>
-          </p:nvSpPr>
-          <p:spPr>
-            <a:xfrm rot="1425764">
-              <a:off x="7539444" y="4931297"/>
-              <a:ext cx="261443" cy="606319"/>
-            </a:xfrm>
-            <a:custGeom>
-              <a:avLst/>
-              <a:gdLst>
-                <a:gd name="connsiteX0" fmla="*/ 145050 w 339026"/>
-                <a:gd name="connsiteY0" fmla="*/ 1484945 h 1493999"/>
-                <a:gd name="connsiteX1" fmla="*/ 195 w 339026"/>
-                <a:gd name="connsiteY1" fmla="*/ 353262 h 1493999"/>
-                <a:gd name="connsiteX2" fmla="*/ 172211 w 339026"/>
-                <a:gd name="connsiteY2" fmla="*/ 177 h 1493999"/>
-                <a:gd name="connsiteX3" fmla="*/ 335173 w 339026"/>
-                <a:gd name="connsiteY3" fmla="*/ 326102 h 1493999"/>
-                <a:gd name="connsiteX4" fmla="*/ 271799 w 339026"/>
-                <a:gd name="connsiteY4" fmla="*/ 1493999 h 1493999"/>
-              </a:gdLst>
-              <a:ahLst/>
-              <a:cxnLst>
-                <a:cxn ang="0">
-                  <a:pos x="connsiteX0" y="connsiteY0"/>
-                </a:cxn>
-                <a:cxn ang="0">
-                  <a:pos x="connsiteX1" y="connsiteY1"/>
-                </a:cxn>
-                <a:cxn ang="0">
-                  <a:pos x="connsiteX2" y="connsiteY2"/>
-                </a:cxn>
-                <a:cxn ang="0">
-                  <a:pos x="connsiteX3" y="connsiteY3"/>
-                </a:cxn>
-                <a:cxn ang="0">
-                  <a:pos x="connsiteX4" y="connsiteY4"/>
-                </a:cxn>
-              </a:cxnLst>
-              <a:rect l="l" t="t" r="r" b="b"/>
-              <a:pathLst>
-                <a:path w="339026" h="1493999">
-                  <a:moveTo>
-                    <a:pt x="145050" y="1484945"/>
-                  </a:moveTo>
-                  <a:cubicBezTo>
-                    <a:pt x="70359" y="1042834"/>
-                    <a:pt x="-4332" y="600723"/>
-                    <a:pt x="195" y="353262"/>
-                  </a:cubicBezTo>
-                  <a:cubicBezTo>
-                    <a:pt x="4722" y="105801"/>
-                    <a:pt x="116381" y="4704"/>
-                    <a:pt x="172211" y="177"/>
-                  </a:cubicBezTo>
-                  <a:cubicBezTo>
-                    <a:pt x="228041" y="-4350"/>
-                    <a:pt x="318575" y="77132"/>
-                    <a:pt x="335173" y="326102"/>
-                  </a:cubicBezTo>
-                  <a:cubicBezTo>
-                    <a:pt x="351771" y="575072"/>
-                    <a:pt x="311785" y="1034535"/>
-                    <a:pt x="271799" y="1493999"/>
-                  </a:cubicBezTo>
-                </a:path>
-              </a:pathLst>
-            </a:custGeom>
-            <a:gradFill flip="none" rotWithShape="1">
-              <a:gsLst>
-                <a:gs pos="0">
-                  <a:srgbClr val="000082"/>
-                </a:gs>
-                <a:gs pos="30000">
-                  <a:srgbClr val="66008F"/>
-                </a:gs>
-                <a:gs pos="64999">
-                  <a:srgbClr val="BA0066"/>
-                </a:gs>
-                <a:gs pos="89999">
-                  <a:srgbClr val="FF0000"/>
-                </a:gs>
-                <a:gs pos="100000">
-                  <a:srgbClr val="FF8200"/>
-                </a:gs>
-              </a:gsLst>
-              <a:lin ang="16200000" scaled="1"/>
-              <a:tileRect/>
-            </a:gradFill>
-            <a:ln>
-              <a:noFill/>
-            </a:ln>
-          </p:spPr>
-          <p:style>
-            <a:lnRef idx="2">
-              <a:schemeClr val="accent1">
-                <a:shade val="50000"/>
-              </a:schemeClr>
-            </a:lnRef>
-            <a:fillRef idx="1">
-              <a:schemeClr val="accent1"/>
-            </a:fillRef>
-            <a:effectRef idx="0">
-              <a:schemeClr val="accent1"/>
-            </a:effectRef>
-            <a:fontRef idx="minor">
-              <a:schemeClr val="lt1"/>
-            </a:fontRef>
-          </p:style>
-          <p:txBody>
-            <a:bodyPr rtlCol="0" anchor="ctr"/>
-            <a:lstStyle/>
-            <a:p>
-              <a:pPr algn="ctr"/>
-              <a:endParaRPr lang="en-US"/>
-            </a:p>
-          </p:txBody>
-        </p:sp>
-        <p:sp>
-          <p:nvSpPr>
-            <p:cNvPr id="96" name="Freeform 95"/>
-            <p:cNvSpPr/>
-            <p:nvPr/>
-          </p:nvSpPr>
-          <p:spPr>
-            <a:xfrm rot="20214264" flipH="1">
-              <a:off x="7136698" y="4883262"/>
-              <a:ext cx="261443" cy="650036"/>
-            </a:xfrm>
-            <a:custGeom>
-              <a:avLst/>
-              <a:gdLst>
-                <a:gd name="connsiteX0" fmla="*/ 145050 w 339026"/>
-                <a:gd name="connsiteY0" fmla="*/ 1484945 h 1493999"/>
-                <a:gd name="connsiteX1" fmla="*/ 195 w 339026"/>
-                <a:gd name="connsiteY1" fmla="*/ 353262 h 1493999"/>
-                <a:gd name="connsiteX2" fmla="*/ 172211 w 339026"/>
-                <a:gd name="connsiteY2" fmla="*/ 177 h 1493999"/>
-                <a:gd name="connsiteX3" fmla="*/ 335173 w 339026"/>
-                <a:gd name="connsiteY3" fmla="*/ 326102 h 1493999"/>
-                <a:gd name="connsiteX4" fmla="*/ 271799 w 339026"/>
-                <a:gd name="connsiteY4" fmla="*/ 1493999 h 1493999"/>
-              </a:gdLst>
-              <a:ahLst/>
-              <a:cxnLst>
-                <a:cxn ang="0">
-                  <a:pos x="connsiteX0" y="connsiteY0"/>
-                </a:cxn>
-                <a:cxn ang="0">
-                  <a:pos x="connsiteX1" y="connsiteY1"/>
-                </a:cxn>
-                <a:cxn ang="0">
-                  <a:pos x="connsiteX2" y="connsiteY2"/>
-                </a:cxn>
-                <a:cxn ang="0">
-                  <a:pos x="connsiteX3" y="connsiteY3"/>
-                </a:cxn>
-                <a:cxn ang="0">
-                  <a:pos x="connsiteX4" y="connsiteY4"/>
-                </a:cxn>
-              </a:cxnLst>
-              <a:rect l="l" t="t" r="r" b="b"/>
-              <a:pathLst>
-                <a:path w="339026" h="1493999">
-                  <a:moveTo>
-                    <a:pt x="145050" y="1484945"/>
-                  </a:moveTo>
-                  <a:cubicBezTo>
-                    <a:pt x="70359" y="1042834"/>
-                    <a:pt x="-4332" y="600723"/>
-                    <a:pt x="195" y="353262"/>
-                  </a:cubicBezTo>
-                  <a:cubicBezTo>
-                    <a:pt x="4722" y="105801"/>
-                    <a:pt x="116381" y="4704"/>
-                    <a:pt x="172211" y="177"/>
-                  </a:cubicBezTo>
-                  <a:cubicBezTo>
-                    <a:pt x="228041" y="-4350"/>
-                    <a:pt x="318575" y="77132"/>
-                    <a:pt x="335173" y="326102"/>
-                  </a:cubicBezTo>
-                  <a:cubicBezTo>
-                    <a:pt x="351771" y="575072"/>
-                    <a:pt x="311785" y="1034535"/>
-                    <a:pt x="271799" y="1493999"/>
-                  </a:cubicBezTo>
-                </a:path>
-              </a:pathLst>
-            </a:custGeom>
-            <a:gradFill flip="none" rotWithShape="1">
-              <a:gsLst>
-                <a:gs pos="0">
-                  <a:srgbClr val="000082"/>
-                </a:gs>
-                <a:gs pos="30000">
-                  <a:srgbClr val="66008F"/>
-                </a:gs>
-                <a:gs pos="64999">
-                  <a:srgbClr val="BA0066"/>
-                </a:gs>
-                <a:gs pos="89999">
-                  <a:srgbClr val="FF0000"/>
-                </a:gs>
-                <a:gs pos="100000">
-                  <a:srgbClr val="FF8200"/>
-                </a:gs>
-              </a:gsLst>
-              <a:lin ang="16200000" scaled="1"/>
-              <a:tileRect/>
-            </a:gradFill>
-            <a:ln>
-              <a:noFill/>
-            </a:ln>
-          </p:spPr>
-          <p:style>
-            <a:lnRef idx="2">
-              <a:schemeClr val="accent1">
-                <a:shade val="50000"/>
-              </a:schemeClr>
-            </a:lnRef>
-            <a:fillRef idx="1">
-              <a:schemeClr val="accent1"/>
-            </a:fillRef>
-            <a:effectRef idx="0">
-              <a:schemeClr val="accent1"/>
-            </a:effectRef>
-            <a:fontRef idx="minor">
-              <a:schemeClr val="lt1"/>
-            </a:fontRef>
-          </p:style>
-          <p:txBody>
-            <a:bodyPr rtlCol="0" anchor="ctr"/>
-            <a:lstStyle/>
-            <a:p>
-              <a:pPr algn="ctr"/>
-              <a:endParaRPr lang="en-US"/>
-            </a:p>
-          </p:txBody>
-        </p:sp>
+          </p:grpSpPr>
+          <p:sp>
+            <p:nvSpPr>
+              <p:cNvPr id="94" name="Freeform 93"/>
+              <p:cNvSpPr/>
+              <p:nvPr/>
+            </p:nvSpPr>
+            <p:spPr>
+              <a:xfrm>
+                <a:off x="7239000" y="3789400"/>
+                <a:ext cx="381000" cy="1751321"/>
+              </a:xfrm>
+              <a:custGeom>
+                <a:avLst/>
+                <a:gdLst>
+                  <a:gd name="connsiteX0" fmla="*/ 145050 w 339026"/>
+                  <a:gd name="connsiteY0" fmla="*/ 1484945 h 1493999"/>
+                  <a:gd name="connsiteX1" fmla="*/ 195 w 339026"/>
+                  <a:gd name="connsiteY1" fmla="*/ 353262 h 1493999"/>
+                  <a:gd name="connsiteX2" fmla="*/ 172211 w 339026"/>
+                  <a:gd name="connsiteY2" fmla="*/ 177 h 1493999"/>
+                  <a:gd name="connsiteX3" fmla="*/ 335173 w 339026"/>
+                  <a:gd name="connsiteY3" fmla="*/ 326102 h 1493999"/>
+                  <a:gd name="connsiteX4" fmla="*/ 271799 w 339026"/>
+                  <a:gd name="connsiteY4" fmla="*/ 1493999 h 1493999"/>
+                </a:gdLst>
+                <a:ahLst/>
+                <a:cxnLst>
+                  <a:cxn ang="0">
+                    <a:pos x="connsiteX0" y="connsiteY0"/>
+                  </a:cxn>
+                  <a:cxn ang="0">
+                    <a:pos x="connsiteX1" y="connsiteY1"/>
+                  </a:cxn>
+                  <a:cxn ang="0">
+                    <a:pos x="connsiteX2" y="connsiteY2"/>
+                  </a:cxn>
+                  <a:cxn ang="0">
+                    <a:pos x="connsiteX3" y="connsiteY3"/>
+                  </a:cxn>
+                  <a:cxn ang="0">
+                    <a:pos x="connsiteX4" y="connsiteY4"/>
+                  </a:cxn>
+                </a:cxnLst>
+                <a:rect l="l" t="t" r="r" b="b"/>
+                <a:pathLst>
+                  <a:path w="339026" h="1493999">
+                    <a:moveTo>
+                      <a:pt x="145050" y="1484945"/>
+                    </a:moveTo>
+                    <a:cubicBezTo>
+                      <a:pt x="70359" y="1042834"/>
+                      <a:pt x="-4332" y="600723"/>
+                      <a:pt x="195" y="353262"/>
+                    </a:cubicBezTo>
+                    <a:cubicBezTo>
+                      <a:pt x="4722" y="105801"/>
+                      <a:pt x="116381" y="4704"/>
+                      <a:pt x="172211" y="177"/>
+                    </a:cubicBezTo>
+                    <a:cubicBezTo>
+                      <a:pt x="228041" y="-4350"/>
+                      <a:pt x="318575" y="77132"/>
+                      <a:pt x="335173" y="326102"/>
+                    </a:cubicBezTo>
+                    <a:cubicBezTo>
+                      <a:pt x="351771" y="575072"/>
+                      <a:pt x="311785" y="1034535"/>
+                      <a:pt x="271799" y="1493999"/>
+                    </a:cubicBezTo>
+                  </a:path>
+                </a:pathLst>
+              </a:custGeom>
+              <a:gradFill flip="none" rotWithShape="1">
+                <a:gsLst>
+                  <a:gs pos="0">
+                    <a:srgbClr val="000082"/>
+                  </a:gs>
+                  <a:gs pos="30000">
+                    <a:srgbClr val="66008F"/>
+                  </a:gs>
+                  <a:gs pos="64999">
+                    <a:srgbClr val="BA0066"/>
+                  </a:gs>
+                  <a:gs pos="89999">
+                    <a:srgbClr val="FF0000"/>
+                  </a:gs>
+                  <a:gs pos="100000">
+                    <a:srgbClr val="FF8200"/>
+                  </a:gs>
+                </a:gsLst>
+                <a:lin ang="16200000" scaled="1"/>
+                <a:tileRect/>
+              </a:gradFill>
+              <a:ln>
+                <a:noFill/>
+              </a:ln>
+            </p:spPr>
+            <p:style>
+              <a:lnRef idx="2">
+                <a:schemeClr val="accent1">
+                  <a:shade val="50000"/>
+                </a:schemeClr>
+              </a:lnRef>
+              <a:fillRef idx="1">
+                <a:schemeClr val="accent1"/>
+              </a:fillRef>
+              <a:effectRef idx="0">
+                <a:schemeClr val="accent1"/>
+              </a:effectRef>
+              <a:fontRef idx="minor">
+                <a:schemeClr val="lt1"/>
+              </a:fontRef>
+            </p:style>
+            <p:txBody>
+              <a:bodyPr rtlCol="0" anchor="ctr"/>
+              <a:lstStyle/>
+              <a:p>
+                <a:pPr algn="ctr"/>
+                <a:endParaRPr lang="en-US"/>
+              </a:p>
+            </p:txBody>
+          </p:sp>
+          <p:sp>
+            <p:nvSpPr>
+              <p:cNvPr id="95" name="Freeform 94"/>
+              <p:cNvSpPr/>
+              <p:nvPr/>
+            </p:nvSpPr>
+            <p:spPr>
+              <a:xfrm rot="1425764">
+                <a:off x="7539444" y="4931297"/>
+                <a:ext cx="261443" cy="606319"/>
+              </a:xfrm>
+              <a:custGeom>
+                <a:avLst/>
+                <a:gdLst>
+                  <a:gd name="connsiteX0" fmla="*/ 145050 w 339026"/>
+                  <a:gd name="connsiteY0" fmla="*/ 1484945 h 1493999"/>
+                  <a:gd name="connsiteX1" fmla="*/ 195 w 339026"/>
+                  <a:gd name="connsiteY1" fmla="*/ 353262 h 1493999"/>
+                  <a:gd name="connsiteX2" fmla="*/ 172211 w 339026"/>
+                  <a:gd name="connsiteY2" fmla="*/ 177 h 1493999"/>
+                  <a:gd name="connsiteX3" fmla="*/ 335173 w 339026"/>
+                  <a:gd name="connsiteY3" fmla="*/ 326102 h 1493999"/>
+                  <a:gd name="connsiteX4" fmla="*/ 271799 w 339026"/>
+                  <a:gd name="connsiteY4" fmla="*/ 1493999 h 1493999"/>
+                </a:gdLst>
+                <a:ahLst/>
+                <a:cxnLst>
+                  <a:cxn ang="0">
+                    <a:pos x="connsiteX0" y="connsiteY0"/>
+                  </a:cxn>
+                  <a:cxn ang="0">
+                    <a:pos x="connsiteX1" y="connsiteY1"/>
+                  </a:cxn>
+                  <a:cxn ang="0">
+                    <a:pos x="connsiteX2" y="connsiteY2"/>
+                  </a:cxn>
+                  <a:cxn ang="0">
+                    <a:pos x="connsiteX3" y="connsiteY3"/>
+                  </a:cxn>
+                  <a:cxn ang="0">
+                    <a:pos x="connsiteX4" y="connsiteY4"/>
+                  </a:cxn>
+                </a:cxnLst>
+                <a:rect l="l" t="t" r="r" b="b"/>
+                <a:pathLst>
+                  <a:path w="339026" h="1493999">
+                    <a:moveTo>
+                      <a:pt x="145050" y="1484945"/>
+                    </a:moveTo>
+                    <a:cubicBezTo>
+                      <a:pt x="70359" y="1042834"/>
+                      <a:pt x="-4332" y="600723"/>
+                      <a:pt x="195" y="353262"/>
+                    </a:cubicBezTo>
+                    <a:cubicBezTo>
+                      <a:pt x="4722" y="105801"/>
+                      <a:pt x="116381" y="4704"/>
+                      <a:pt x="172211" y="177"/>
+                    </a:cubicBezTo>
+                    <a:cubicBezTo>
+                      <a:pt x="228041" y="-4350"/>
+                      <a:pt x="318575" y="77132"/>
+                      <a:pt x="335173" y="326102"/>
+                    </a:cubicBezTo>
+                    <a:cubicBezTo>
+                      <a:pt x="351771" y="575072"/>
+                      <a:pt x="311785" y="1034535"/>
+                      <a:pt x="271799" y="1493999"/>
+                    </a:cubicBezTo>
+                  </a:path>
+                </a:pathLst>
+              </a:custGeom>
+              <a:gradFill flip="none" rotWithShape="1">
+                <a:gsLst>
+                  <a:gs pos="0">
+                    <a:srgbClr val="000082"/>
+                  </a:gs>
+                  <a:gs pos="30000">
+                    <a:srgbClr val="66008F"/>
+                  </a:gs>
+                  <a:gs pos="64999">
+                    <a:srgbClr val="BA0066"/>
+                  </a:gs>
+                  <a:gs pos="89999">
+                    <a:srgbClr val="FF0000"/>
+                  </a:gs>
+                  <a:gs pos="100000">
+                    <a:srgbClr val="FF8200"/>
+                  </a:gs>
+                </a:gsLst>
+                <a:lin ang="16200000" scaled="1"/>
+                <a:tileRect/>
+              </a:gradFill>
+              <a:ln>
+                <a:noFill/>
+              </a:ln>
+            </p:spPr>
+            <p:style>
+              <a:lnRef idx="2">
+                <a:schemeClr val="accent1">
+                  <a:shade val="50000"/>
+                </a:schemeClr>
+              </a:lnRef>
+              <a:fillRef idx="1">
+                <a:schemeClr val="accent1"/>
+              </a:fillRef>
+              <a:effectRef idx="0">
+                <a:schemeClr val="accent1"/>
+              </a:effectRef>
+              <a:fontRef idx="minor">
+                <a:schemeClr val="lt1"/>
+              </a:fontRef>
+            </p:style>
+            <p:txBody>
+              <a:bodyPr rtlCol="0" anchor="ctr"/>
+              <a:lstStyle/>
+              <a:p>
+                <a:pPr algn="ctr"/>
+                <a:endParaRPr lang="en-US"/>
+              </a:p>
+            </p:txBody>
+          </p:sp>
+          <p:sp>
+            <p:nvSpPr>
+              <p:cNvPr id="96" name="Freeform 95"/>
+              <p:cNvSpPr/>
+              <p:nvPr/>
+            </p:nvSpPr>
+            <p:spPr>
+              <a:xfrm rot="20214264" flipH="1">
+                <a:off x="7136698" y="4883262"/>
+                <a:ext cx="261443" cy="650036"/>
+              </a:xfrm>
+              <a:custGeom>
+                <a:avLst/>
+                <a:gdLst>
+                  <a:gd name="connsiteX0" fmla="*/ 145050 w 339026"/>
+                  <a:gd name="connsiteY0" fmla="*/ 1484945 h 1493999"/>
+                  <a:gd name="connsiteX1" fmla="*/ 195 w 339026"/>
+                  <a:gd name="connsiteY1" fmla="*/ 353262 h 1493999"/>
+                  <a:gd name="connsiteX2" fmla="*/ 172211 w 339026"/>
+                  <a:gd name="connsiteY2" fmla="*/ 177 h 1493999"/>
+                  <a:gd name="connsiteX3" fmla="*/ 335173 w 339026"/>
+                  <a:gd name="connsiteY3" fmla="*/ 326102 h 1493999"/>
+                  <a:gd name="connsiteX4" fmla="*/ 271799 w 339026"/>
+                  <a:gd name="connsiteY4" fmla="*/ 1493999 h 1493999"/>
+                </a:gdLst>
+                <a:ahLst/>
+                <a:cxnLst>
+                  <a:cxn ang="0">
+                    <a:pos x="connsiteX0" y="connsiteY0"/>
+                  </a:cxn>
+                  <a:cxn ang="0">
+                    <a:pos x="connsiteX1" y="connsiteY1"/>
+                  </a:cxn>
+                  <a:cxn ang="0">
+                    <a:pos x="connsiteX2" y="connsiteY2"/>
+                  </a:cxn>
+                  <a:cxn ang="0">
+                    <a:pos x="connsiteX3" y="connsiteY3"/>
+                  </a:cxn>
+                  <a:cxn ang="0">
+                    <a:pos x="connsiteX4" y="connsiteY4"/>
+                  </a:cxn>
+                </a:cxnLst>
+                <a:rect l="l" t="t" r="r" b="b"/>
+                <a:pathLst>
+                  <a:path w="339026" h="1493999">
+                    <a:moveTo>
+                      <a:pt x="145050" y="1484945"/>
+                    </a:moveTo>
+                    <a:cubicBezTo>
+                      <a:pt x="70359" y="1042834"/>
+                      <a:pt x="-4332" y="600723"/>
+                      <a:pt x="195" y="353262"/>
+                    </a:cubicBezTo>
+                    <a:cubicBezTo>
+                      <a:pt x="4722" y="105801"/>
+                      <a:pt x="116381" y="4704"/>
+                      <a:pt x="172211" y="177"/>
+                    </a:cubicBezTo>
+                    <a:cubicBezTo>
+                      <a:pt x="228041" y="-4350"/>
+                      <a:pt x="318575" y="77132"/>
+                      <a:pt x="335173" y="326102"/>
+                    </a:cubicBezTo>
+                    <a:cubicBezTo>
+                      <a:pt x="351771" y="575072"/>
+                      <a:pt x="311785" y="1034535"/>
+                      <a:pt x="271799" y="1493999"/>
+                    </a:cubicBezTo>
+                  </a:path>
+                </a:pathLst>
+              </a:custGeom>
+              <a:gradFill flip="none" rotWithShape="1">
+                <a:gsLst>
+                  <a:gs pos="0">
+                    <a:srgbClr val="000082"/>
+                  </a:gs>
+                  <a:gs pos="30000">
+                    <a:srgbClr val="66008F"/>
+                  </a:gs>
+                  <a:gs pos="64999">
+                    <a:srgbClr val="BA0066"/>
+                  </a:gs>
+                  <a:gs pos="89999">
+                    <a:srgbClr val="FF0000"/>
+                  </a:gs>
+                  <a:gs pos="100000">
+                    <a:srgbClr val="FF8200"/>
+                  </a:gs>
+                </a:gsLst>
+                <a:lin ang="16200000" scaled="1"/>
+                <a:tileRect/>
+              </a:gradFill>
+              <a:ln>
+                <a:noFill/>
+              </a:ln>
+            </p:spPr>
+            <p:style>
+              <a:lnRef idx="2">
+                <a:schemeClr val="accent1">
+                  <a:shade val="50000"/>
+                </a:schemeClr>
+              </a:lnRef>
+              <a:fillRef idx="1">
+                <a:schemeClr val="accent1"/>
+              </a:fillRef>
+              <a:effectRef idx="0">
+                <a:schemeClr val="accent1"/>
+              </a:effectRef>
+              <a:fontRef idx="minor">
+                <a:schemeClr val="lt1"/>
+              </a:fontRef>
+            </p:style>
+            <p:txBody>
+              <a:bodyPr rtlCol="0" anchor="ctr"/>
+              <a:lstStyle/>
+              <a:p>
+                <a:pPr algn="ctr"/>
+                <a:endParaRPr lang="en-US"/>
+              </a:p>
+            </p:txBody>
+          </p:sp>
+        </p:grpSp>
       </p:grpSp>
     </p:spTree>
     <p:extLst>
